--- a/Material pedagógico/Modulo 1/Clase 3/clase_3.pptx
+++ b/Material pedagógico/Modulo 1/Clase 3/clase_3.pptx
@@ -5,14 +5,14 @@
     <p:sldMasterId id="2147483648" r:id="rId2"/>
     <p:sldMasterId id="2147483650" r:id="rId3"/>
     <p:sldMasterId id="2147483652" r:id="rId4"/>
-    <p:sldMasterId id="2147483654" r:id="rId5"/>
-    <p:sldMasterId id="2147483656" r:id="rId6"/>
-    <p:sldMasterId id="2147483658" r:id="rId7"/>
-    <p:sldMasterId id="2147483660" r:id="rId8"/>
-    <p:sldMasterId id="2147483662" r:id="rId9"/>
+    <p:sldMasterId id="2147483656" r:id="rId5"/>
+    <p:sldMasterId id="2147483658" r:id="rId6"/>
+    <p:sldMasterId id="2147483660" r:id="rId7"/>
+    <p:sldMasterId id="2147483662" r:id="rId8"/>
+    <p:sldMasterId id="2147483663" r:id="rId9"/>
     <p:sldMasterId id="2147483664" r:id="rId10"/>
-    <p:sldMasterId id="2147483666" r:id="rId11"/>
-    <p:sldMasterId id="2147483668" r:id="rId12"/>
+    <p:sldMasterId id="2147483665" r:id="rId11"/>
+    <p:sldMasterId id="2147483666" r:id="rId12"/>
   </p:sldMasterIdLst>
   <p:notesMasterIdLst>
     <p:notesMasterId r:id="rId13"/>
@@ -53,7 +53,7 @@
       </p:grpSpPr>
       <p:sp>
         <p:nvSpPr>
-          <p:cNvPr id="50" name="PlaceHolder 1"/>
+          <p:cNvPr id="62" name="PlaceHolder 1"/>
           <p:cNvSpPr>
             <a:spLocks noGrp="1"/>
           </p:cNvSpPr>
@@ -64,7 +64,7 @@
         <p:spPr>
           <a:xfrm>
             <a:off x="0" y="764280"/>
-            <a:ext cx="0" cy="0"/>
+            <a:ext cx="360" cy="360"/>
           </a:xfrm>
           <a:prstGeom prst="rect">
             <a:avLst/>
@@ -100,7 +100,7 @@
       </p:sp>
       <p:sp>
         <p:nvSpPr>
-          <p:cNvPr id="51" name="PlaceHolder 2"/>
+          <p:cNvPr id="63" name="PlaceHolder 2"/>
           <p:cNvSpPr>
             <a:spLocks noGrp="1"/>
           </p:cNvSpPr>
@@ -149,7 +149,7 @@
       </p:sp>
       <p:sp>
         <p:nvSpPr>
-          <p:cNvPr id="52" name="PlaceHolder 3"/>
+          <p:cNvPr id="64" name="PlaceHolder 3"/>
           <p:cNvSpPr>
             <a:spLocks noGrp="1"/>
           </p:cNvSpPr>
@@ -198,7 +198,7 @@
       </p:sp>
       <p:sp>
         <p:nvSpPr>
-          <p:cNvPr id="53" name="PlaceHolder 4"/>
+          <p:cNvPr id="65" name="PlaceHolder 4"/>
           <p:cNvSpPr>
             <a:spLocks noGrp="1"/>
           </p:cNvSpPr>
@@ -258,7 +258,7 @@
       </p:sp>
       <p:sp>
         <p:nvSpPr>
-          <p:cNvPr id="54" name="PlaceHolder 5"/>
+          <p:cNvPr id="66" name="PlaceHolder 5"/>
           <p:cNvSpPr>
             <a:spLocks noGrp="1"/>
           </p:cNvSpPr>
@@ -318,7 +318,7 @@
       </p:sp>
       <p:sp>
         <p:nvSpPr>
-          <p:cNvPr id="55" name="PlaceHolder 6"/>
+          <p:cNvPr id="67" name="PlaceHolder 6"/>
           <p:cNvSpPr>
             <a:spLocks noGrp="1"/>
           </p:cNvSpPr>
@@ -358,7 +358,7 @@
             <a:pPr indent="0" algn="r">
               <a:buNone/>
             </a:pPr>
-            <a:fld id="{EB1356BD-9316-43ED-944A-C60962B99C32}" type="slidenum">
+            <a:fld id="{1584B303-2AF3-4A24-B6FC-2433C2A84FA2}" type="slidenum">
               <a:rPr b="0" lang="es-CO" sz="1400" spc="-1" strike="noStrike">
                 <a:solidFill>
                   <a:srgbClr val="000000"/>
@@ -401,7 +401,7 @@
       </p:grpSpPr>
       <p:sp>
         <p:nvSpPr>
-          <p:cNvPr id="153" name="PlaceHolder 1"/>
+          <p:cNvPr id="165" name="PlaceHolder 1"/>
           <p:cNvSpPr>
             <a:spLocks noGrp="1"/>
           </p:cNvSpPr>
@@ -412,19 +412,19 @@
         <p:spPr>
           <a:xfrm>
             <a:off x="685800" y="1143000"/>
-            <a:ext cx="5485320" cy="3085200"/>
-          </a:xfrm>
-          <a:prstGeom prst="rect">
-            <a:avLst/>
-          </a:prstGeom>
-          <a:ln w="0">
-            <a:noFill/>
-          </a:ln>
-        </p:spPr>
-      </p:sp>
-      <p:sp>
-        <p:nvSpPr>
-          <p:cNvPr id="154" name="PlaceHolder 2"/>
+            <a:ext cx="5484960" cy="3084840"/>
+          </a:xfrm>
+          <a:prstGeom prst="rect">
+            <a:avLst/>
+          </a:prstGeom>
+          <a:ln w="0">
+            <a:noFill/>
+          </a:ln>
+        </p:spPr>
+      </p:sp>
+      <p:sp>
+        <p:nvSpPr>
+          <p:cNvPr id="166" name="PlaceHolder 2"/>
           <p:cNvSpPr>
             <a:spLocks noGrp="1"/>
           </p:cNvSpPr>
@@ -435,7 +435,7 @@
         <p:spPr>
           <a:xfrm>
             <a:off x="685800" y="4400640"/>
-            <a:ext cx="5485320" cy="3599640"/>
+            <a:ext cx="5484960" cy="3599280"/>
           </a:xfrm>
           <a:prstGeom prst="rect">
             <a:avLst/>
@@ -464,7 +464,7 @@
       </p:sp>
       <p:sp>
         <p:nvSpPr>
-          <p:cNvPr id="155" name="PlaceHolder 3"/>
+          <p:cNvPr id="167" name="PlaceHolder 3"/>
           <p:cNvSpPr>
             <a:spLocks noGrp="1"/>
           </p:cNvSpPr>
@@ -475,7 +475,7 @@
         <p:spPr>
           <a:xfrm>
             <a:off x="3884760" y="8685360"/>
-            <a:ext cx="2970720" cy="457560"/>
+            <a:ext cx="2970360" cy="457200"/>
           </a:xfrm>
           <a:prstGeom prst="rect">
             <a:avLst/>
@@ -516,7 +516,7 @@
                 <a:tab algn="l" pos="0"/>
               </a:tabLst>
             </a:pPr>
-            <a:fld id="{A7BA957C-A4A2-4A24-9415-651503F5B123}" type="slidenum">
+            <a:fld id="{18BB9639-56A8-4940-A4F7-1C322A04BEF9}" type="slidenum">
               <a:rPr b="0" lang="es-CO" sz="1400" spc="-1" strike="noStrike">
                 <a:solidFill>
                   <a:srgbClr val="000000"/>
@@ -558,7 +558,7 @@
       </p:grpSpPr>
       <p:sp>
         <p:nvSpPr>
-          <p:cNvPr id="180" name="PlaceHolder 1"/>
+          <p:cNvPr id="192" name="PlaceHolder 1"/>
           <p:cNvSpPr>
             <a:spLocks noGrp="1"/>
           </p:cNvSpPr>
@@ -569,19 +569,19 @@
         <p:spPr>
           <a:xfrm>
             <a:off x="685800" y="1143000"/>
-            <a:ext cx="5485320" cy="3085200"/>
-          </a:xfrm>
-          <a:prstGeom prst="rect">
-            <a:avLst/>
-          </a:prstGeom>
-          <a:ln w="0">
-            <a:noFill/>
-          </a:ln>
-        </p:spPr>
-      </p:sp>
-      <p:sp>
-        <p:nvSpPr>
-          <p:cNvPr id="181" name="PlaceHolder 2"/>
+            <a:ext cx="5484960" cy="3084840"/>
+          </a:xfrm>
+          <a:prstGeom prst="rect">
+            <a:avLst/>
+          </a:prstGeom>
+          <a:ln w="0">
+            <a:noFill/>
+          </a:ln>
+        </p:spPr>
+      </p:sp>
+      <p:sp>
+        <p:nvSpPr>
+          <p:cNvPr id="193" name="PlaceHolder 2"/>
           <p:cNvSpPr>
             <a:spLocks noGrp="1"/>
           </p:cNvSpPr>
@@ -592,7 +592,7 @@
         <p:spPr>
           <a:xfrm>
             <a:off x="685800" y="4400640"/>
-            <a:ext cx="5485320" cy="3599640"/>
+            <a:ext cx="5484960" cy="3599280"/>
           </a:xfrm>
           <a:prstGeom prst="rect">
             <a:avLst/>
@@ -621,7 +621,7 @@
       </p:sp>
       <p:sp>
         <p:nvSpPr>
-          <p:cNvPr id="182" name="PlaceHolder 3"/>
+          <p:cNvPr id="194" name="PlaceHolder 3"/>
           <p:cNvSpPr>
             <a:spLocks noGrp="1"/>
           </p:cNvSpPr>
@@ -632,7 +632,7 @@
         <p:spPr>
           <a:xfrm>
             <a:off x="3884760" y="8685360"/>
-            <a:ext cx="2970720" cy="457560"/>
+            <a:ext cx="2970360" cy="457200"/>
           </a:xfrm>
           <a:prstGeom prst="rect">
             <a:avLst/>
@@ -673,7 +673,7 @@
                 <a:tab algn="l" pos="0"/>
               </a:tabLst>
             </a:pPr>
-            <a:fld id="{BB03833C-A89F-44E9-9C62-6672248AA9DD}" type="slidenum">
+            <a:fld id="{3EF50C37-83D6-4F86-990F-B455FDB7B364}" type="slidenum">
               <a:rPr b="0" lang="es-CO" sz="1400" spc="-1" strike="noStrike">
                 <a:solidFill>
                   <a:srgbClr val="000000"/>
@@ -715,7 +715,7 @@
       </p:grpSpPr>
       <p:sp>
         <p:nvSpPr>
-          <p:cNvPr id="156" name="PlaceHolder 1"/>
+          <p:cNvPr id="168" name="PlaceHolder 1"/>
           <p:cNvSpPr>
             <a:spLocks noGrp="1"/>
           </p:cNvSpPr>
@@ -726,19 +726,19 @@
         <p:spPr>
           <a:xfrm>
             <a:off x="685800" y="1143000"/>
-            <a:ext cx="5485320" cy="3085200"/>
-          </a:xfrm>
-          <a:prstGeom prst="rect">
-            <a:avLst/>
-          </a:prstGeom>
-          <a:ln w="0">
-            <a:noFill/>
-          </a:ln>
-        </p:spPr>
-      </p:sp>
-      <p:sp>
-        <p:nvSpPr>
-          <p:cNvPr id="157" name="PlaceHolder 2"/>
+            <a:ext cx="5484960" cy="3084840"/>
+          </a:xfrm>
+          <a:prstGeom prst="rect">
+            <a:avLst/>
+          </a:prstGeom>
+          <a:ln w="0">
+            <a:noFill/>
+          </a:ln>
+        </p:spPr>
+      </p:sp>
+      <p:sp>
+        <p:nvSpPr>
+          <p:cNvPr id="169" name="PlaceHolder 2"/>
           <p:cNvSpPr>
             <a:spLocks noGrp="1"/>
           </p:cNvSpPr>
@@ -749,7 +749,7 @@
         <p:spPr>
           <a:xfrm>
             <a:off x="685800" y="4400640"/>
-            <a:ext cx="5485320" cy="3599640"/>
+            <a:ext cx="5484960" cy="3599280"/>
           </a:xfrm>
           <a:prstGeom prst="rect">
             <a:avLst/>
@@ -778,7 +778,7 @@
       </p:sp>
       <p:sp>
         <p:nvSpPr>
-          <p:cNvPr id="158" name="PlaceHolder 3"/>
+          <p:cNvPr id="170" name="PlaceHolder 3"/>
           <p:cNvSpPr>
             <a:spLocks noGrp="1"/>
           </p:cNvSpPr>
@@ -789,7 +789,7 @@
         <p:spPr>
           <a:xfrm>
             <a:off x="3884760" y="8685360"/>
-            <a:ext cx="2970720" cy="457560"/>
+            <a:ext cx="2970360" cy="457200"/>
           </a:xfrm>
           <a:prstGeom prst="rect">
             <a:avLst/>
@@ -830,7 +830,7 @@
                 <a:tab algn="l" pos="0"/>
               </a:tabLst>
             </a:pPr>
-            <a:fld id="{7FFF3218-6153-49C8-A33F-B03807CC8379}" type="slidenum">
+            <a:fld id="{5029110B-E846-40BB-8032-657C7BA22A61}" type="slidenum">
               <a:rPr b="0" lang="es-CO" sz="1400" spc="-1" strike="noStrike">
                 <a:solidFill>
                   <a:srgbClr val="000000"/>
@@ -872,7 +872,7 @@
       </p:grpSpPr>
       <p:sp>
         <p:nvSpPr>
-          <p:cNvPr id="159" name="PlaceHolder 1"/>
+          <p:cNvPr id="171" name="PlaceHolder 1"/>
           <p:cNvSpPr>
             <a:spLocks noGrp="1"/>
           </p:cNvSpPr>
@@ -883,19 +883,19 @@
         <p:spPr>
           <a:xfrm>
             <a:off x="685800" y="1143000"/>
-            <a:ext cx="5485320" cy="3085200"/>
-          </a:xfrm>
-          <a:prstGeom prst="rect">
-            <a:avLst/>
-          </a:prstGeom>
-          <a:ln w="0">
-            <a:noFill/>
-          </a:ln>
-        </p:spPr>
-      </p:sp>
-      <p:sp>
-        <p:nvSpPr>
-          <p:cNvPr id="160" name="PlaceHolder 2"/>
+            <a:ext cx="5484960" cy="3084840"/>
+          </a:xfrm>
+          <a:prstGeom prst="rect">
+            <a:avLst/>
+          </a:prstGeom>
+          <a:ln w="0">
+            <a:noFill/>
+          </a:ln>
+        </p:spPr>
+      </p:sp>
+      <p:sp>
+        <p:nvSpPr>
+          <p:cNvPr id="172" name="PlaceHolder 2"/>
           <p:cNvSpPr>
             <a:spLocks noGrp="1"/>
           </p:cNvSpPr>
@@ -906,7 +906,7 @@
         <p:spPr>
           <a:xfrm>
             <a:off x="685800" y="4400640"/>
-            <a:ext cx="5485320" cy="3599640"/>
+            <a:ext cx="5484960" cy="3599280"/>
           </a:xfrm>
           <a:prstGeom prst="rect">
             <a:avLst/>
@@ -935,7 +935,7 @@
       </p:sp>
       <p:sp>
         <p:nvSpPr>
-          <p:cNvPr id="161" name="PlaceHolder 3"/>
+          <p:cNvPr id="173" name="PlaceHolder 3"/>
           <p:cNvSpPr>
             <a:spLocks noGrp="1"/>
           </p:cNvSpPr>
@@ -946,7 +946,7 @@
         <p:spPr>
           <a:xfrm>
             <a:off x="3884760" y="8685360"/>
-            <a:ext cx="2970720" cy="457560"/>
+            <a:ext cx="2970360" cy="457200"/>
           </a:xfrm>
           <a:prstGeom prst="rect">
             <a:avLst/>
@@ -987,7 +987,7 @@
                 <a:tab algn="l" pos="0"/>
               </a:tabLst>
             </a:pPr>
-            <a:fld id="{6F790E81-FBBA-4E8D-9678-637F28460D64}" type="slidenum">
+            <a:fld id="{9D302963-7F43-4C7F-9B3C-11EFFEB60C0C}" type="slidenum">
               <a:rPr b="0" lang="es-CO" sz="1400" spc="-1" strike="noStrike">
                 <a:solidFill>
                   <a:srgbClr val="000000"/>
@@ -1029,7 +1029,7 @@
       </p:grpSpPr>
       <p:sp>
         <p:nvSpPr>
-          <p:cNvPr id="162" name="PlaceHolder 1"/>
+          <p:cNvPr id="174" name="PlaceHolder 1"/>
           <p:cNvSpPr>
             <a:spLocks noGrp="1"/>
           </p:cNvSpPr>
@@ -1040,19 +1040,19 @@
         <p:spPr>
           <a:xfrm>
             <a:off x="685800" y="1143000"/>
-            <a:ext cx="5485320" cy="3085200"/>
-          </a:xfrm>
-          <a:prstGeom prst="rect">
-            <a:avLst/>
-          </a:prstGeom>
-          <a:ln w="0">
-            <a:noFill/>
-          </a:ln>
-        </p:spPr>
-      </p:sp>
-      <p:sp>
-        <p:nvSpPr>
-          <p:cNvPr id="163" name="PlaceHolder 2"/>
+            <a:ext cx="5484960" cy="3084840"/>
+          </a:xfrm>
+          <a:prstGeom prst="rect">
+            <a:avLst/>
+          </a:prstGeom>
+          <a:ln w="0">
+            <a:noFill/>
+          </a:ln>
+        </p:spPr>
+      </p:sp>
+      <p:sp>
+        <p:nvSpPr>
+          <p:cNvPr id="175" name="PlaceHolder 2"/>
           <p:cNvSpPr>
             <a:spLocks noGrp="1"/>
           </p:cNvSpPr>
@@ -1063,7 +1063,7 @@
         <p:spPr>
           <a:xfrm>
             <a:off x="685800" y="4400640"/>
-            <a:ext cx="5485320" cy="3599640"/>
+            <a:ext cx="5484960" cy="3599280"/>
           </a:xfrm>
           <a:prstGeom prst="rect">
             <a:avLst/>
@@ -1092,7 +1092,7 @@
       </p:sp>
       <p:sp>
         <p:nvSpPr>
-          <p:cNvPr id="164" name="PlaceHolder 3"/>
+          <p:cNvPr id="176" name="PlaceHolder 3"/>
           <p:cNvSpPr>
             <a:spLocks noGrp="1"/>
           </p:cNvSpPr>
@@ -1103,7 +1103,7 @@
         <p:spPr>
           <a:xfrm>
             <a:off x="3884760" y="8685360"/>
-            <a:ext cx="2970720" cy="457560"/>
+            <a:ext cx="2970360" cy="457200"/>
           </a:xfrm>
           <a:prstGeom prst="rect">
             <a:avLst/>
@@ -1144,7 +1144,7 @@
                 <a:tab algn="l" pos="0"/>
               </a:tabLst>
             </a:pPr>
-            <a:fld id="{B3A3958C-FC2D-4AA5-A84F-4B920EBEA48A}" type="slidenum">
+            <a:fld id="{FFD30E2E-51DF-44D4-9AFF-7C34C973A661}" type="slidenum">
               <a:rPr b="0" lang="es-CO" sz="1400" spc="-1" strike="noStrike">
                 <a:solidFill>
                   <a:srgbClr val="000000"/>
@@ -1186,7 +1186,7 @@
       </p:grpSpPr>
       <p:sp>
         <p:nvSpPr>
-          <p:cNvPr id="165" name="PlaceHolder 1"/>
+          <p:cNvPr id="177" name="PlaceHolder 1"/>
           <p:cNvSpPr>
             <a:spLocks noGrp="1"/>
           </p:cNvSpPr>
@@ -1197,19 +1197,19 @@
         <p:spPr>
           <a:xfrm>
             <a:off x="685800" y="1143000"/>
-            <a:ext cx="5485320" cy="3085200"/>
-          </a:xfrm>
-          <a:prstGeom prst="rect">
-            <a:avLst/>
-          </a:prstGeom>
-          <a:ln w="0">
-            <a:noFill/>
-          </a:ln>
-        </p:spPr>
-      </p:sp>
-      <p:sp>
-        <p:nvSpPr>
-          <p:cNvPr id="166" name="PlaceHolder 2"/>
+            <a:ext cx="5484960" cy="3084840"/>
+          </a:xfrm>
+          <a:prstGeom prst="rect">
+            <a:avLst/>
+          </a:prstGeom>
+          <a:ln w="0">
+            <a:noFill/>
+          </a:ln>
+        </p:spPr>
+      </p:sp>
+      <p:sp>
+        <p:nvSpPr>
+          <p:cNvPr id="178" name="PlaceHolder 2"/>
           <p:cNvSpPr>
             <a:spLocks noGrp="1"/>
           </p:cNvSpPr>
@@ -1220,7 +1220,7 @@
         <p:spPr>
           <a:xfrm>
             <a:off x="685800" y="4400640"/>
-            <a:ext cx="5485320" cy="3599640"/>
+            <a:ext cx="5484960" cy="3599280"/>
           </a:xfrm>
           <a:prstGeom prst="rect">
             <a:avLst/>
@@ -1249,7 +1249,7 @@
       </p:sp>
       <p:sp>
         <p:nvSpPr>
-          <p:cNvPr id="167" name="PlaceHolder 3"/>
+          <p:cNvPr id="179" name="PlaceHolder 3"/>
           <p:cNvSpPr>
             <a:spLocks noGrp="1"/>
           </p:cNvSpPr>
@@ -1260,7 +1260,7 @@
         <p:spPr>
           <a:xfrm>
             <a:off x="3884760" y="8685360"/>
-            <a:ext cx="2970720" cy="457560"/>
+            <a:ext cx="2970360" cy="457200"/>
           </a:xfrm>
           <a:prstGeom prst="rect">
             <a:avLst/>
@@ -1301,7 +1301,7 @@
                 <a:tab algn="l" pos="0"/>
               </a:tabLst>
             </a:pPr>
-            <a:fld id="{5E919F43-7E19-4FA4-8D32-CB8D6AE9D3D1}" type="slidenum">
+            <a:fld id="{A40D0DBE-BE03-44D6-948D-ECDFE4F58292}" type="slidenum">
               <a:rPr b="0" lang="es-CO" sz="1400" spc="-1" strike="noStrike">
                 <a:solidFill>
                   <a:srgbClr val="000000"/>
@@ -1343,7 +1343,7 @@
       </p:grpSpPr>
       <p:sp>
         <p:nvSpPr>
-          <p:cNvPr id="168" name="PlaceHolder 1"/>
+          <p:cNvPr id="180" name="PlaceHolder 1"/>
           <p:cNvSpPr>
             <a:spLocks noGrp="1"/>
           </p:cNvSpPr>
@@ -1354,19 +1354,19 @@
         <p:spPr>
           <a:xfrm>
             <a:off x="685800" y="1143000"/>
-            <a:ext cx="5485320" cy="3085200"/>
-          </a:xfrm>
-          <a:prstGeom prst="rect">
-            <a:avLst/>
-          </a:prstGeom>
-          <a:ln w="0">
-            <a:noFill/>
-          </a:ln>
-        </p:spPr>
-      </p:sp>
-      <p:sp>
-        <p:nvSpPr>
-          <p:cNvPr id="169" name="PlaceHolder 2"/>
+            <a:ext cx="5484960" cy="3084840"/>
+          </a:xfrm>
+          <a:prstGeom prst="rect">
+            <a:avLst/>
+          </a:prstGeom>
+          <a:ln w="0">
+            <a:noFill/>
+          </a:ln>
+        </p:spPr>
+      </p:sp>
+      <p:sp>
+        <p:nvSpPr>
+          <p:cNvPr id="181" name="PlaceHolder 2"/>
           <p:cNvSpPr>
             <a:spLocks noGrp="1"/>
           </p:cNvSpPr>
@@ -1377,7 +1377,7 @@
         <p:spPr>
           <a:xfrm>
             <a:off x="685800" y="4400640"/>
-            <a:ext cx="5485320" cy="3599640"/>
+            <a:ext cx="5484960" cy="3599280"/>
           </a:xfrm>
           <a:prstGeom prst="rect">
             <a:avLst/>
@@ -1406,7 +1406,7 @@
       </p:sp>
       <p:sp>
         <p:nvSpPr>
-          <p:cNvPr id="170" name="PlaceHolder 3"/>
+          <p:cNvPr id="182" name="PlaceHolder 3"/>
           <p:cNvSpPr>
             <a:spLocks noGrp="1"/>
           </p:cNvSpPr>
@@ -1417,7 +1417,7 @@
         <p:spPr>
           <a:xfrm>
             <a:off x="3884760" y="8685360"/>
-            <a:ext cx="2970720" cy="457560"/>
+            <a:ext cx="2970360" cy="457200"/>
           </a:xfrm>
           <a:prstGeom prst="rect">
             <a:avLst/>
@@ -1458,7 +1458,7 @@
                 <a:tab algn="l" pos="0"/>
               </a:tabLst>
             </a:pPr>
-            <a:fld id="{44589F23-E25B-4C85-931C-E56F22513017}" type="slidenum">
+            <a:fld id="{AD6996DC-A0B4-45C8-B91F-EFB034CF84D2}" type="slidenum">
               <a:rPr b="0" lang="es-CO" sz="1400" spc="-1" strike="noStrike">
                 <a:solidFill>
                   <a:srgbClr val="000000"/>
@@ -1500,7 +1500,7 @@
       </p:grpSpPr>
       <p:sp>
         <p:nvSpPr>
-          <p:cNvPr id="171" name="PlaceHolder 1"/>
+          <p:cNvPr id="183" name="PlaceHolder 1"/>
           <p:cNvSpPr>
             <a:spLocks noGrp="1"/>
           </p:cNvSpPr>
@@ -1511,19 +1511,19 @@
         <p:spPr>
           <a:xfrm>
             <a:off x="685800" y="1143000"/>
-            <a:ext cx="5485320" cy="3085200"/>
-          </a:xfrm>
-          <a:prstGeom prst="rect">
-            <a:avLst/>
-          </a:prstGeom>
-          <a:ln w="0">
-            <a:noFill/>
-          </a:ln>
-        </p:spPr>
-      </p:sp>
-      <p:sp>
-        <p:nvSpPr>
-          <p:cNvPr id="172" name="PlaceHolder 2"/>
+            <a:ext cx="5484960" cy="3084840"/>
+          </a:xfrm>
+          <a:prstGeom prst="rect">
+            <a:avLst/>
+          </a:prstGeom>
+          <a:ln w="0">
+            <a:noFill/>
+          </a:ln>
+        </p:spPr>
+      </p:sp>
+      <p:sp>
+        <p:nvSpPr>
+          <p:cNvPr id="184" name="PlaceHolder 2"/>
           <p:cNvSpPr>
             <a:spLocks noGrp="1"/>
           </p:cNvSpPr>
@@ -1534,7 +1534,7 @@
         <p:spPr>
           <a:xfrm>
             <a:off x="685800" y="4400640"/>
-            <a:ext cx="5485320" cy="3599640"/>
+            <a:ext cx="5484960" cy="3599280"/>
           </a:xfrm>
           <a:prstGeom prst="rect">
             <a:avLst/>
@@ -1563,7 +1563,7 @@
       </p:sp>
       <p:sp>
         <p:nvSpPr>
-          <p:cNvPr id="173" name="PlaceHolder 3"/>
+          <p:cNvPr id="185" name="PlaceHolder 3"/>
           <p:cNvSpPr>
             <a:spLocks noGrp="1"/>
           </p:cNvSpPr>
@@ -1574,7 +1574,7 @@
         <p:spPr>
           <a:xfrm>
             <a:off x="3884760" y="8685360"/>
-            <a:ext cx="2970720" cy="457560"/>
+            <a:ext cx="2970360" cy="457200"/>
           </a:xfrm>
           <a:prstGeom prst="rect">
             <a:avLst/>
@@ -1615,7 +1615,7 @@
                 <a:tab algn="l" pos="0"/>
               </a:tabLst>
             </a:pPr>
-            <a:fld id="{EA6807F0-5660-45F7-A6CE-940705DA7209}" type="slidenum">
+            <a:fld id="{28A415AB-9E94-45AB-A209-698D0D9DFD9C}" type="slidenum">
               <a:rPr b="0" lang="es-CO" sz="1400" spc="-1" strike="noStrike">
                 <a:solidFill>
                   <a:srgbClr val="000000"/>
@@ -1657,7 +1657,7 @@
       </p:grpSpPr>
       <p:sp>
         <p:nvSpPr>
-          <p:cNvPr id="174" name="PlaceHolder 1"/>
+          <p:cNvPr id="186" name="PlaceHolder 1"/>
           <p:cNvSpPr>
             <a:spLocks noGrp="1"/>
           </p:cNvSpPr>
@@ -1668,19 +1668,19 @@
         <p:spPr>
           <a:xfrm>
             <a:off x="685800" y="1143000"/>
-            <a:ext cx="5485320" cy="3085200"/>
-          </a:xfrm>
-          <a:prstGeom prst="rect">
-            <a:avLst/>
-          </a:prstGeom>
-          <a:ln w="0">
-            <a:noFill/>
-          </a:ln>
-        </p:spPr>
-      </p:sp>
-      <p:sp>
-        <p:nvSpPr>
-          <p:cNvPr id="175" name="PlaceHolder 2"/>
+            <a:ext cx="5484960" cy="3084840"/>
+          </a:xfrm>
+          <a:prstGeom prst="rect">
+            <a:avLst/>
+          </a:prstGeom>
+          <a:ln w="0">
+            <a:noFill/>
+          </a:ln>
+        </p:spPr>
+      </p:sp>
+      <p:sp>
+        <p:nvSpPr>
+          <p:cNvPr id="187" name="PlaceHolder 2"/>
           <p:cNvSpPr>
             <a:spLocks noGrp="1"/>
           </p:cNvSpPr>
@@ -1691,7 +1691,7 @@
         <p:spPr>
           <a:xfrm>
             <a:off x="685800" y="4400640"/>
-            <a:ext cx="5485320" cy="3599640"/>
+            <a:ext cx="5484960" cy="3599280"/>
           </a:xfrm>
           <a:prstGeom prst="rect">
             <a:avLst/>
@@ -1720,7 +1720,7 @@
       </p:sp>
       <p:sp>
         <p:nvSpPr>
-          <p:cNvPr id="176" name="PlaceHolder 3"/>
+          <p:cNvPr id="188" name="PlaceHolder 3"/>
           <p:cNvSpPr>
             <a:spLocks noGrp="1"/>
           </p:cNvSpPr>
@@ -1731,7 +1731,7 @@
         <p:spPr>
           <a:xfrm>
             <a:off x="3884760" y="8685360"/>
-            <a:ext cx="2970720" cy="457560"/>
+            <a:ext cx="2970360" cy="457200"/>
           </a:xfrm>
           <a:prstGeom prst="rect">
             <a:avLst/>
@@ -1772,7 +1772,7 @@
                 <a:tab algn="l" pos="0"/>
               </a:tabLst>
             </a:pPr>
-            <a:fld id="{2BB0B0CA-4B22-420D-B554-AE2A909BF35B}" type="slidenum">
+            <a:fld id="{B98CDE37-65AE-4CBA-9681-D77C43885276}" type="slidenum">
               <a:rPr b="0" lang="es-CO" sz="1400" spc="-1" strike="noStrike">
                 <a:solidFill>
                   <a:srgbClr val="000000"/>
@@ -1814,7 +1814,7 @@
       </p:grpSpPr>
       <p:sp>
         <p:nvSpPr>
-          <p:cNvPr id="177" name="PlaceHolder 1"/>
+          <p:cNvPr id="189" name="PlaceHolder 1"/>
           <p:cNvSpPr>
             <a:spLocks noGrp="1"/>
           </p:cNvSpPr>
@@ -1825,19 +1825,19 @@
         <p:spPr>
           <a:xfrm>
             <a:off x="685800" y="1143000"/>
-            <a:ext cx="5485320" cy="3085200"/>
-          </a:xfrm>
-          <a:prstGeom prst="rect">
-            <a:avLst/>
-          </a:prstGeom>
-          <a:ln w="0">
-            <a:noFill/>
-          </a:ln>
-        </p:spPr>
-      </p:sp>
-      <p:sp>
-        <p:nvSpPr>
-          <p:cNvPr id="178" name="PlaceHolder 2"/>
+            <a:ext cx="5484960" cy="3084840"/>
+          </a:xfrm>
+          <a:prstGeom prst="rect">
+            <a:avLst/>
+          </a:prstGeom>
+          <a:ln w="0">
+            <a:noFill/>
+          </a:ln>
+        </p:spPr>
+      </p:sp>
+      <p:sp>
+        <p:nvSpPr>
+          <p:cNvPr id="190" name="PlaceHolder 2"/>
           <p:cNvSpPr>
             <a:spLocks noGrp="1"/>
           </p:cNvSpPr>
@@ -1848,7 +1848,7 @@
         <p:spPr>
           <a:xfrm>
             <a:off x="685800" y="4400640"/>
-            <a:ext cx="5485320" cy="3599640"/>
+            <a:ext cx="5484960" cy="3599280"/>
           </a:xfrm>
           <a:prstGeom prst="rect">
             <a:avLst/>
@@ -1877,7 +1877,7 @@
       </p:sp>
       <p:sp>
         <p:nvSpPr>
-          <p:cNvPr id="179" name="PlaceHolder 3"/>
+          <p:cNvPr id="191" name="PlaceHolder 3"/>
           <p:cNvSpPr>
             <a:spLocks noGrp="1"/>
           </p:cNvSpPr>
@@ -1888,7 +1888,7 @@
         <p:spPr>
           <a:xfrm>
             <a:off x="3884760" y="8685360"/>
-            <a:ext cx="2970720" cy="457560"/>
+            <a:ext cx="2970360" cy="457200"/>
           </a:xfrm>
           <a:prstGeom prst="rect">
             <a:avLst/>
@@ -1929,7 +1929,7 @@
                 <a:tab algn="l" pos="0"/>
               </a:tabLst>
             </a:pPr>
-            <a:fld id="{3DF20912-C924-413F-AB5B-4A28C9710380}" type="slidenum">
+            <a:fld id="{62DF8DD2-F478-4146-A6DA-8512CA3CC0DF}" type="slidenum">
               <a:rPr b="0" lang="es-CO" sz="1400" spc="-1" strike="noStrike">
                 <a:solidFill>
                   <a:srgbClr val="000000"/>
@@ -1953,7 +1953,7 @@
 </file>
 
 <file path=ppt/slideLayouts/slideLayout1.xml><?xml version="1.0" encoding="utf-8"?>
-<p:sldLayout xmlns:a="http://schemas.openxmlformats.org/drawingml/2006/main" xmlns:p="http://schemas.openxmlformats.org/presentationml/2006/main" xmlns:r="http://schemas.openxmlformats.org/officeDocument/2006/relationships" xmlns:p14="http://schemas.microsoft.com/office/powerpoint/2010/main" xmlns:p15="http://schemas.microsoft.com/office/powerpoint/2012/main" xmlns:mc="http://schemas.openxmlformats.org/markup-compatibility/2006" type="title" preserve="1">
+<p:sldLayout xmlns:a="http://schemas.openxmlformats.org/drawingml/2006/main" xmlns:p="http://schemas.openxmlformats.org/presentationml/2006/main" xmlns:r="http://schemas.openxmlformats.org/officeDocument/2006/relationships" xmlns:p14="http://schemas.microsoft.com/office/powerpoint/2010/main" xmlns:p15="http://schemas.microsoft.com/office/powerpoint/2012/main" xmlns:mc="http://schemas.openxmlformats.org/markup-compatibility/2006" type="twoObj" preserve="1">
   <p:cSld name="TITLE">
     <p:spTree>
       <p:nvGrpSpPr>
@@ -1982,7 +1982,7 @@
         <p:spPr>
           <a:xfrm>
             <a:off x="838080" y="365040"/>
-            <a:ext cx="10514520" cy="1324440"/>
+            <a:ext cx="10514160" cy="1324080"/>
           </a:xfrm>
           <a:prstGeom prst="rect">
             <a:avLst/>
@@ -2016,13 +2016,13 @@
             <a:spLocks noGrp="1"/>
           </p:cNvSpPr>
           <p:nvPr>
-            <p:ph type="subTitle"/>
+            <p:ph/>
           </p:nvPr>
         </p:nvSpPr>
         <p:spPr>
           <a:xfrm>
             <a:off x="838080" y="1825560"/>
-            <a:ext cx="1233000" cy="4350240"/>
+            <a:ext cx="293040" cy="4349880"/>
           </a:xfrm>
           <a:prstGeom prst="rect">
             <a:avLst/>
@@ -2033,11 +2033,14 @@
           </a:ln>
         </p:spPr>
         <p:txBody>
-          <a:bodyPr lIns="0" rIns="0" tIns="0" bIns="0" anchor="ctr">
-            <a:noAutofit/>
+          <a:bodyPr lIns="0" rIns="0" tIns="0" bIns="0" anchor="t">
+            <a:normAutofit fontScale="40621"/>
           </a:bodyPr>
           <a:p>
-            <a:pPr indent="0" algn="ctr">
+            <a:pPr indent="0">
+              <a:spcBef>
+                <a:spcPts val="1417"/>
+              </a:spcBef>
               <a:buNone/>
             </a:pPr>
             <a:endParaRPr b="0" lang="es-CO" sz="3200" spc="-1" strike="noStrike">
@@ -2051,7 +2054,50 @@
       </p:sp>
       <p:sp>
         <p:nvSpPr>
-          <p:cNvPr id="4" name="PlaceHolder 3"/>
+          <p:cNvPr id="6" name="PlaceHolder 3"/>
+          <p:cNvSpPr>
+            <a:spLocks noGrp="1"/>
+          </p:cNvSpPr>
+          <p:nvPr>
+            <p:ph/>
+          </p:nvPr>
+        </p:nvSpPr>
+        <p:spPr>
+          <a:xfrm>
+            <a:off x="1146240" y="1825560"/>
+            <a:ext cx="293040" cy="4349880"/>
+          </a:xfrm>
+          <a:prstGeom prst="rect">
+            <a:avLst/>
+          </a:prstGeom>
+          <a:noFill/>
+          <a:ln w="0">
+            <a:noFill/>
+          </a:ln>
+        </p:spPr>
+        <p:txBody>
+          <a:bodyPr lIns="0" rIns="0" tIns="0" bIns="0" anchor="t">
+            <a:normAutofit fontScale="40621"/>
+          </a:bodyPr>
+          <a:p>
+            <a:pPr indent="0">
+              <a:spcBef>
+                <a:spcPts val="1417"/>
+              </a:spcBef>
+              <a:buNone/>
+            </a:pPr>
+            <a:endParaRPr b="0" lang="es-CO" sz="3200" spc="-1" strike="noStrike">
+              <a:solidFill>
+                <a:srgbClr val="000000"/>
+              </a:solidFill>
+              <a:latin typeface="Arial"/>
+            </a:endParaRPr>
+          </a:p>
+        </p:txBody>
+      </p:sp>
+      <p:sp>
+        <p:nvSpPr>
+          <p:cNvPr id="5" name="PlaceHolder 4"/>
           <p:cNvSpPr>
             <a:spLocks noGrp="1"/>
           </p:cNvSpPr>
@@ -2071,7 +2117,7 @@
       </p:sp>
       <p:sp>
         <p:nvSpPr>
-          <p:cNvPr id="5" name="PlaceHolder 4"/>
+          <p:cNvPr id="6" name="PlaceHolder 5"/>
           <p:cNvSpPr>
             <a:spLocks noGrp="1"/>
           </p:cNvSpPr>
@@ -2083,7 +2129,7 @@
         <p:txBody>
           <a:bodyPr/>
           <a:p>
-            <a:fld id="{6EAC16FE-192F-45F0-92D7-EF01941FB0B3}" type="slidenum">
+            <a:fld id="{654D6CA7-A6B0-42F3-AE49-13A7E0F8560B}" type="slidenum">
               <a:t>&lt;#&gt;</a:t>
             </a:fld>
           </a:p>
@@ -2091,178 +2137,12 @@
       </p:sp>
       <p:sp>
         <p:nvSpPr>
-          <p:cNvPr id="6" name="PlaceHolder 5"/>
+          <p:cNvPr id="7" name="PlaceHolder 6"/>
           <p:cNvSpPr>
             <a:spLocks noGrp="1"/>
           </p:cNvSpPr>
           <p:nvPr>
             <p:ph type="dt" idx="3"/>
-          </p:nvPr>
-        </p:nvSpPr>
-        <p:spPr/>
-        <p:txBody>
-          <a:bodyPr/>
-          <a:p>
-            <a:r>
-              <a:rPr lang="es-CO"/>
-              <a:t/>
-            </a:r>
-          </a:p>
-        </p:txBody>
-      </p:sp>
-    </p:spTree>
-  </p:cSld>
-</p:sldLayout>
-</file>
-
-<file path=ppt/slideLayouts/slideLayout10.xml><?xml version="1.0" encoding="utf-8"?>
-<p:sldLayout xmlns:a="http://schemas.openxmlformats.org/drawingml/2006/main" xmlns:p="http://schemas.openxmlformats.org/presentationml/2006/main" xmlns:r="http://schemas.openxmlformats.org/officeDocument/2006/relationships" xmlns:p14="http://schemas.microsoft.com/office/powerpoint/2010/main" xmlns:p15="http://schemas.microsoft.com/office/powerpoint/2012/main" xmlns:mc="http://schemas.openxmlformats.org/markup-compatibility/2006" type="blank" preserve="1">
-  <p:cSld name="PICTURE_WITH_CAPTION_TEXT">
-    <p:spTree>
-      <p:nvGrpSpPr>
-        <p:cNvPr id="1" name=""/>
-        <p:cNvGrpSpPr/>
-        <p:nvPr/>
-      </p:nvGrpSpPr>
-      <p:grpSpPr>
-        <a:xfrm>
-          <a:off x="0" y="0"/>
-          <a:ext cx="0" cy="0"/>
-          <a:chOff x="0" y="0"/>
-          <a:chExt cx="0" cy="0"/>
-        </a:xfrm>
-      </p:grpSpPr>
-      <p:sp>
-        <p:nvSpPr>
-          <p:cNvPr id="2" name="PlaceHolder 1"/>
-          <p:cNvSpPr>
-            <a:spLocks noGrp="1"/>
-          </p:cNvSpPr>
-          <p:nvPr>
-            <p:ph type="ftr" idx="28"/>
-          </p:nvPr>
-        </p:nvSpPr>
-        <p:spPr/>
-        <p:txBody>
-          <a:bodyPr/>
-          <a:p>
-            <a:r>
-              <a:t>Footer</a:t>
-            </a:r>
-          </a:p>
-        </p:txBody>
-      </p:sp>
-      <p:sp>
-        <p:nvSpPr>
-          <p:cNvPr id="3" name="PlaceHolder 2"/>
-          <p:cNvSpPr>
-            <a:spLocks noGrp="1"/>
-          </p:cNvSpPr>
-          <p:nvPr>
-            <p:ph type="sldNum" idx="29"/>
-          </p:nvPr>
-        </p:nvSpPr>
-        <p:spPr/>
-        <p:txBody>
-          <a:bodyPr/>
-          <a:p>
-            <a:fld id="{3D458806-D637-49CE-97E7-92EA73C589C1}" type="slidenum">
-              <a:t>&lt;#&gt;</a:t>
-            </a:fld>
-          </a:p>
-        </p:txBody>
-      </p:sp>
-      <p:sp>
-        <p:nvSpPr>
-          <p:cNvPr id="4" name="PlaceHolder 3"/>
-          <p:cNvSpPr>
-            <a:spLocks noGrp="1"/>
-          </p:cNvSpPr>
-          <p:nvPr>
-            <p:ph type="dt" idx="30"/>
-          </p:nvPr>
-        </p:nvSpPr>
-        <p:spPr/>
-        <p:txBody>
-          <a:bodyPr/>
-          <a:p>
-            <a:r>
-              <a:rPr lang="es-CO"/>
-              <a:t/>
-            </a:r>
-          </a:p>
-        </p:txBody>
-      </p:sp>
-    </p:spTree>
-  </p:cSld>
-</p:sldLayout>
-</file>
-
-<file path=ppt/slideLayouts/slideLayout11.xml><?xml version="1.0" encoding="utf-8"?>
-<p:sldLayout xmlns:a="http://schemas.openxmlformats.org/drawingml/2006/main" xmlns:p="http://schemas.openxmlformats.org/presentationml/2006/main" xmlns:r="http://schemas.openxmlformats.org/officeDocument/2006/relationships" xmlns:p14="http://schemas.microsoft.com/office/powerpoint/2010/main" xmlns:p15="http://schemas.microsoft.com/office/powerpoint/2012/main" xmlns:mc="http://schemas.openxmlformats.org/markup-compatibility/2006" type="vertTx" preserve="1">
-  <p:cSld name="VERTICAL_TEXT">
-    <p:spTree>
-      <p:nvGrpSpPr>
-        <p:cNvPr id="1" name=""/>
-        <p:cNvGrpSpPr/>
-        <p:nvPr/>
-      </p:nvGrpSpPr>
-      <p:grpSpPr>
-        <a:xfrm>
-          <a:off x="0" y="0"/>
-          <a:ext cx="0" cy="0"/>
-          <a:chOff x="0" y="0"/>
-          <a:chExt cx="0" cy="0"/>
-        </a:xfrm>
-      </p:grpSpPr>
-      <p:sp>
-        <p:nvSpPr>
-          <p:cNvPr id="2" name="PlaceHolder 1"/>
-          <p:cNvSpPr>
-            <a:spLocks noGrp="1"/>
-          </p:cNvSpPr>
-          <p:nvPr>
-            <p:ph type="ftr" idx="31"/>
-          </p:nvPr>
-        </p:nvSpPr>
-        <p:spPr/>
-        <p:txBody>
-          <a:bodyPr/>
-          <a:p>
-            <a:r>
-              <a:t>Footer</a:t>
-            </a:r>
-          </a:p>
-        </p:txBody>
-      </p:sp>
-      <p:sp>
-        <p:nvSpPr>
-          <p:cNvPr id="3" name="PlaceHolder 2"/>
-          <p:cNvSpPr>
-            <a:spLocks noGrp="1"/>
-          </p:cNvSpPr>
-          <p:nvPr>
-            <p:ph type="sldNum" idx="32"/>
-          </p:nvPr>
-        </p:nvSpPr>
-        <p:spPr/>
-        <p:txBody>
-          <a:bodyPr/>
-          <a:p>
-            <a:fld id="{CA926BF6-4E24-4DFD-B6AA-628F15E7877D}" type="slidenum">
-              <a:t>&lt;#&gt;</a:t>
-            </a:fld>
-          </a:p>
-        </p:txBody>
-      </p:sp>
-      <p:sp>
-        <p:nvSpPr>
-          <p:cNvPr id="4" name="PlaceHolder 3"/>
-          <p:cNvSpPr>
-            <a:spLocks noGrp="1"/>
-          </p:cNvSpPr>
-          <p:nvPr>
-            <p:ph type="dt" idx="33"/>
           </p:nvPr>
         </p:nvSpPr>
         <p:spPr/>
@@ -2282,7 +2162,7 @@
 </file>
 
 <file path=ppt/slideLayouts/slideLayout2.xml><?xml version="1.0" encoding="utf-8"?>
-<p:sldLayout xmlns:a="http://schemas.openxmlformats.org/drawingml/2006/main" xmlns:p="http://schemas.openxmlformats.org/presentationml/2006/main" xmlns:r="http://schemas.openxmlformats.org/officeDocument/2006/relationships" xmlns:p14="http://schemas.microsoft.com/office/powerpoint/2010/main" xmlns:p15="http://schemas.microsoft.com/office/powerpoint/2012/main" xmlns:mc="http://schemas.openxmlformats.org/markup-compatibility/2006" type="blank" preserve="1">
+<p:sldLayout xmlns:a="http://schemas.openxmlformats.org/drawingml/2006/main" xmlns:p="http://schemas.openxmlformats.org/presentationml/2006/main" xmlns:r="http://schemas.openxmlformats.org/officeDocument/2006/relationships" xmlns:p14="http://schemas.microsoft.com/office/powerpoint/2010/main" xmlns:p15="http://schemas.microsoft.com/office/powerpoint/2012/main" xmlns:mc="http://schemas.openxmlformats.org/markup-compatibility/2006" type="twoObj" preserve="1">
   <p:cSld name="Título vertical y texto">
     <p:spTree>
       <p:nvGrpSpPr>
@@ -2300,7 +2180,133 @@
       </p:grpSpPr>
       <p:sp>
         <p:nvSpPr>
-          <p:cNvPr id="2" name="PlaceHolder 1"/>
+          <p:cNvPr id="10" name="PlaceHolder 1"/>
+          <p:cNvSpPr>
+            <a:spLocks noGrp="1"/>
+          </p:cNvSpPr>
+          <p:nvPr>
+            <p:ph type="title"/>
+          </p:nvPr>
+        </p:nvSpPr>
+        <p:spPr>
+          <a:xfrm>
+            <a:off x="838080" y="365040"/>
+            <a:ext cx="10514160" cy="1324080"/>
+          </a:xfrm>
+          <a:prstGeom prst="rect">
+            <a:avLst/>
+          </a:prstGeom>
+          <a:noFill/>
+          <a:ln w="0">
+            <a:noFill/>
+          </a:ln>
+        </p:spPr>
+        <p:txBody>
+          <a:bodyPr lIns="0" rIns="0" tIns="0" bIns="0" anchor="ctr">
+            <a:noAutofit/>
+          </a:bodyPr>
+          <a:p>
+            <a:pPr indent="0" algn="ctr">
+              <a:buNone/>
+            </a:pPr>
+            <a:endParaRPr b="0" lang="es-CO" sz="4400" spc="-1" strike="noStrike">
+              <a:solidFill>
+                <a:srgbClr val="000000"/>
+              </a:solidFill>
+              <a:latin typeface="Arial"/>
+            </a:endParaRPr>
+          </a:p>
+        </p:txBody>
+      </p:sp>
+      <p:sp>
+        <p:nvSpPr>
+          <p:cNvPr id="11" name="PlaceHolder 2"/>
+          <p:cNvSpPr>
+            <a:spLocks noGrp="1"/>
+          </p:cNvSpPr>
+          <p:nvPr>
+            <p:ph/>
+          </p:nvPr>
+        </p:nvSpPr>
+        <p:spPr>
+          <a:xfrm>
+            <a:off x="838080" y="1825560"/>
+            <a:ext cx="293040" cy="4349880"/>
+          </a:xfrm>
+          <a:prstGeom prst="rect">
+            <a:avLst/>
+          </a:prstGeom>
+          <a:noFill/>
+          <a:ln w="0">
+            <a:noFill/>
+          </a:ln>
+        </p:spPr>
+        <p:txBody>
+          <a:bodyPr lIns="0" rIns="0" tIns="0" bIns="0" anchor="t">
+            <a:normAutofit fontScale="40621"/>
+          </a:bodyPr>
+          <a:p>
+            <a:pPr indent="0">
+              <a:spcBef>
+                <a:spcPts val="1417"/>
+              </a:spcBef>
+              <a:buNone/>
+            </a:pPr>
+            <a:endParaRPr b="0" lang="es-CO" sz="3200" spc="-1" strike="noStrike">
+              <a:solidFill>
+                <a:srgbClr val="000000"/>
+              </a:solidFill>
+              <a:latin typeface="Arial"/>
+            </a:endParaRPr>
+          </a:p>
+        </p:txBody>
+      </p:sp>
+      <p:sp>
+        <p:nvSpPr>
+          <p:cNvPr id="12" name="PlaceHolder 3"/>
+          <p:cNvSpPr>
+            <a:spLocks noGrp="1"/>
+          </p:cNvSpPr>
+          <p:nvPr>
+            <p:ph/>
+          </p:nvPr>
+        </p:nvSpPr>
+        <p:spPr>
+          <a:xfrm>
+            <a:off x="1146240" y="1825560"/>
+            <a:ext cx="293040" cy="4349880"/>
+          </a:xfrm>
+          <a:prstGeom prst="rect">
+            <a:avLst/>
+          </a:prstGeom>
+          <a:noFill/>
+          <a:ln w="0">
+            <a:noFill/>
+          </a:ln>
+        </p:spPr>
+        <p:txBody>
+          <a:bodyPr lIns="0" rIns="0" tIns="0" bIns="0" anchor="t">
+            <a:normAutofit fontScale="40621"/>
+          </a:bodyPr>
+          <a:p>
+            <a:pPr indent="0">
+              <a:spcBef>
+                <a:spcPts val="1417"/>
+              </a:spcBef>
+              <a:buNone/>
+            </a:pPr>
+            <a:endParaRPr b="0" lang="es-CO" sz="3200" spc="-1" strike="noStrike">
+              <a:solidFill>
+                <a:srgbClr val="000000"/>
+              </a:solidFill>
+              <a:latin typeface="Arial"/>
+            </a:endParaRPr>
+          </a:p>
+        </p:txBody>
+      </p:sp>
+      <p:sp>
+        <p:nvSpPr>
+          <p:cNvPr id="5" name="PlaceHolder 4"/>
           <p:cNvSpPr>
             <a:spLocks noGrp="1"/>
           </p:cNvSpPr>
@@ -2320,7 +2326,7 @@
       </p:sp>
       <p:sp>
         <p:nvSpPr>
-          <p:cNvPr id="3" name="PlaceHolder 2"/>
+          <p:cNvPr id="6" name="PlaceHolder 5"/>
           <p:cNvSpPr>
             <a:spLocks noGrp="1"/>
           </p:cNvSpPr>
@@ -2332,7 +2338,7 @@
         <p:txBody>
           <a:bodyPr/>
           <a:p>
-            <a:fld id="{BE2DE307-8C5D-40EE-9B7F-2C54462C3C7C}" type="slidenum">
+            <a:fld id="{14EF9104-0A1A-4BB3-9DB2-3AC551EBAD2B}" type="slidenum">
               <a:t>&lt;#&gt;</a:t>
             </a:fld>
           </a:p>
@@ -2340,7 +2346,7 @@
       </p:sp>
       <p:sp>
         <p:nvSpPr>
-          <p:cNvPr id="4" name="PlaceHolder 3"/>
+          <p:cNvPr id="7" name="PlaceHolder 6"/>
           <p:cNvSpPr>
             <a:spLocks noGrp="1"/>
           </p:cNvSpPr>
@@ -2365,6 +2371,169 @@
 </file>
 
 <file path=ppt/slideLayouts/slideLayout3.xml><?xml version="1.0" encoding="utf-8"?>
+<p:sldLayout xmlns:a="http://schemas.openxmlformats.org/drawingml/2006/main" xmlns:p="http://schemas.openxmlformats.org/presentationml/2006/main" xmlns:r="http://schemas.openxmlformats.org/officeDocument/2006/relationships" xmlns:p14="http://schemas.microsoft.com/office/powerpoint/2010/main" xmlns:p15="http://schemas.microsoft.com/office/powerpoint/2012/main" xmlns:mc="http://schemas.openxmlformats.org/markup-compatibility/2006" type="title" preserve="1">
+  <p:cSld name="En blanco">
+    <p:spTree>
+      <p:nvGrpSpPr>
+        <p:cNvPr id="1" name=""/>
+        <p:cNvGrpSpPr/>
+        <p:nvPr/>
+      </p:nvGrpSpPr>
+      <p:grpSpPr>
+        <a:xfrm>
+          <a:off x="0" y="0"/>
+          <a:ext cx="0" cy="0"/>
+          <a:chOff x="0" y="0"/>
+          <a:chExt cx="0" cy="0"/>
+        </a:xfrm>
+      </p:grpSpPr>
+      <p:sp>
+        <p:nvSpPr>
+          <p:cNvPr id="18" name="PlaceHolder 1"/>
+          <p:cNvSpPr>
+            <a:spLocks noGrp="1"/>
+          </p:cNvSpPr>
+          <p:nvPr>
+            <p:ph type="title"/>
+          </p:nvPr>
+        </p:nvSpPr>
+        <p:spPr>
+          <a:xfrm>
+            <a:off x="838080" y="365040"/>
+            <a:ext cx="10514160" cy="1324080"/>
+          </a:xfrm>
+          <a:prstGeom prst="rect">
+            <a:avLst/>
+          </a:prstGeom>
+          <a:noFill/>
+          <a:ln w="0">
+            <a:noFill/>
+          </a:ln>
+        </p:spPr>
+        <p:txBody>
+          <a:bodyPr lIns="0" rIns="0" tIns="0" bIns="0" anchor="ctr">
+            <a:noAutofit/>
+          </a:bodyPr>
+          <a:p>
+            <a:pPr indent="0" algn="ctr">
+              <a:buNone/>
+            </a:pPr>
+            <a:endParaRPr b="0" lang="es-CO" sz="4400" spc="-1" strike="noStrike">
+              <a:solidFill>
+                <a:srgbClr val="000000"/>
+              </a:solidFill>
+              <a:latin typeface="Arial"/>
+            </a:endParaRPr>
+          </a:p>
+        </p:txBody>
+      </p:sp>
+      <p:sp>
+        <p:nvSpPr>
+          <p:cNvPr id="19" name="PlaceHolder 2"/>
+          <p:cNvSpPr>
+            <a:spLocks noGrp="1"/>
+          </p:cNvSpPr>
+          <p:nvPr>
+            <p:ph type="subTitle"/>
+          </p:nvPr>
+        </p:nvSpPr>
+        <p:spPr>
+          <a:xfrm>
+            <a:off x="838080" y="1825560"/>
+            <a:ext cx="601200" cy="4349880"/>
+          </a:xfrm>
+          <a:prstGeom prst="rect">
+            <a:avLst/>
+          </a:prstGeom>
+          <a:noFill/>
+          <a:ln w="0">
+            <a:noFill/>
+          </a:ln>
+        </p:spPr>
+        <p:txBody>
+          <a:bodyPr lIns="0" rIns="0" tIns="0" bIns="0" anchor="ctr">
+            <a:noAutofit/>
+          </a:bodyPr>
+          <a:p>
+            <a:pPr indent="0" algn="ctr">
+              <a:buNone/>
+            </a:pPr>
+            <a:endParaRPr b="0" lang="es-CO" sz="3200" spc="-1" strike="noStrike">
+              <a:solidFill>
+                <a:srgbClr val="000000"/>
+              </a:solidFill>
+              <a:latin typeface="Arial"/>
+            </a:endParaRPr>
+          </a:p>
+        </p:txBody>
+      </p:sp>
+      <p:sp>
+        <p:nvSpPr>
+          <p:cNvPr id="4" name="PlaceHolder 3"/>
+          <p:cNvSpPr>
+            <a:spLocks noGrp="1"/>
+          </p:cNvSpPr>
+          <p:nvPr>
+            <p:ph type="ftr" idx="7"/>
+          </p:nvPr>
+        </p:nvSpPr>
+        <p:spPr/>
+        <p:txBody>
+          <a:bodyPr/>
+          <a:p>
+            <a:r>
+              <a:t>Footer</a:t>
+            </a:r>
+          </a:p>
+        </p:txBody>
+      </p:sp>
+      <p:sp>
+        <p:nvSpPr>
+          <p:cNvPr id="5" name="PlaceHolder 4"/>
+          <p:cNvSpPr>
+            <a:spLocks noGrp="1"/>
+          </p:cNvSpPr>
+          <p:nvPr>
+            <p:ph type="sldNum" idx="8"/>
+          </p:nvPr>
+        </p:nvSpPr>
+        <p:spPr/>
+        <p:txBody>
+          <a:bodyPr/>
+          <a:p>
+            <a:fld id="{4860D2CC-AD58-43E3-B0C7-AA48D99E845B}" type="slidenum">
+              <a:t>&lt;#&gt;</a:t>
+            </a:fld>
+          </a:p>
+        </p:txBody>
+      </p:sp>
+      <p:sp>
+        <p:nvSpPr>
+          <p:cNvPr id="6" name="PlaceHolder 5"/>
+          <p:cNvSpPr>
+            <a:spLocks noGrp="1"/>
+          </p:cNvSpPr>
+          <p:nvPr>
+            <p:ph type="dt" idx="9"/>
+          </p:nvPr>
+        </p:nvSpPr>
+        <p:spPr/>
+        <p:txBody>
+          <a:bodyPr/>
+          <a:p>
+            <a:r>
+              <a:rPr lang="es-CO"/>
+              <a:t/>
+            </a:r>
+          </a:p>
+        </p:txBody>
+      </p:sp>
+    </p:spTree>
+  </p:cSld>
+</p:sldLayout>
+</file>
+
+<file path=ppt/slideLayouts/slideLayout4.xml><?xml version="1.0" encoding="utf-8"?>
 <p:sldLayout xmlns:a="http://schemas.openxmlformats.org/drawingml/2006/main" xmlns:p="http://schemas.openxmlformats.org/presentationml/2006/main" xmlns:r="http://schemas.openxmlformats.org/officeDocument/2006/relationships" xmlns:p14="http://schemas.microsoft.com/office/powerpoint/2010/main" xmlns:p15="http://schemas.microsoft.com/office/powerpoint/2012/main" xmlns:mc="http://schemas.openxmlformats.org/markup-compatibility/2006" type="blank" preserve="1">
   <p:cSld name="En blanco">
     <p:spTree>
@@ -2415,7 +2584,7 @@
         <p:txBody>
           <a:bodyPr/>
           <a:p>
-            <a:fld id="{ED80878B-B357-4CF7-835C-62E606F28759}" type="slidenum">
+            <a:fld id="{D87F3AE8-0C71-40AD-8CD4-BAAF627DE795}" type="slidenum">
               <a:t>&lt;#&gt;</a:t>
             </a:fld>
           </a:p>
@@ -2447,8 +2616,217 @@
 </p:sldLayout>
 </file>
 
-<file path=ppt/slideLayouts/slideLayout4.xml><?xml version="1.0" encoding="utf-8"?>
-<p:sldLayout xmlns:a="http://schemas.openxmlformats.org/drawingml/2006/main" xmlns:p="http://schemas.openxmlformats.org/presentationml/2006/main" xmlns:r="http://schemas.openxmlformats.org/officeDocument/2006/relationships" xmlns:p14="http://schemas.microsoft.com/office/powerpoint/2010/main" xmlns:p15="http://schemas.microsoft.com/office/powerpoint/2012/main" xmlns:mc="http://schemas.openxmlformats.org/markup-compatibility/2006" type="obj" preserve="1">
+<file path=ppt/slideLayouts/slideLayout5.xml><?xml version="1.0" encoding="utf-8"?>
+<p:sldLayout xmlns:a="http://schemas.openxmlformats.org/drawingml/2006/main" xmlns:p="http://schemas.openxmlformats.org/presentationml/2006/main" xmlns:r="http://schemas.openxmlformats.org/officeDocument/2006/relationships" xmlns:p14="http://schemas.microsoft.com/office/powerpoint/2010/main" xmlns:p15="http://schemas.microsoft.com/office/powerpoint/2012/main" xmlns:mc="http://schemas.openxmlformats.org/markup-compatibility/2006" type="twoObj" preserve="1">
+  <p:cSld name="En blanco">
+    <p:spTree>
+      <p:nvGrpSpPr>
+        <p:cNvPr id="1" name=""/>
+        <p:cNvGrpSpPr/>
+        <p:nvPr/>
+      </p:nvGrpSpPr>
+      <p:grpSpPr>
+        <a:xfrm>
+          <a:off x="0" y="0"/>
+          <a:ext cx="0" cy="0"/>
+          <a:chOff x="0" y="0"/>
+          <a:chExt cx="0" cy="0"/>
+        </a:xfrm>
+      </p:grpSpPr>
+      <p:sp>
+        <p:nvSpPr>
+          <p:cNvPr id="20" name="PlaceHolder 1"/>
+          <p:cNvSpPr>
+            <a:spLocks noGrp="1"/>
+          </p:cNvSpPr>
+          <p:nvPr>
+            <p:ph type="title"/>
+          </p:nvPr>
+        </p:nvSpPr>
+        <p:spPr>
+          <a:xfrm>
+            <a:off x="838080" y="365040"/>
+            <a:ext cx="10514160" cy="1324080"/>
+          </a:xfrm>
+          <a:prstGeom prst="rect">
+            <a:avLst/>
+          </a:prstGeom>
+          <a:noFill/>
+          <a:ln w="0">
+            <a:noFill/>
+          </a:ln>
+        </p:spPr>
+        <p:txBody>
+          <a:bodyPr lIns="0" rIns="0" tIns="0" bIns="0" anchor="ctr">
+            <a:noAutofit/>
+          </a:bodyPr>
+          <a:p>
+            <a:pPr indent="0" algn="ctr">
+              <a:buNone/>
+            </a:pPr>
+            <a:endParaRPr b="0" lang="es-CO" sz="4400" spc="-1" strike="noStrike">
+              <a:solidFill>
+                <a:srgbClr val="000000"/>
+              </a:solidFill>
+              <a:latin typeface="Arial"/>
+            </a:endParaRPr>
+          </a:p>
+        </p:txBody>
+      </p:sp>
+      <p:sp>
+        <p:nvSpPr>
+          <p:cNvPr id="21" name="PlaceHolder 2"/>
+          <p:cNvSpPr>
+            <a:spLocks noGrp="1"/>
+          </p:cNvSpPr>
+          <p:nvPr>
+            <p:ph/>
+          </p:nvPr>
+        </p:nvSpPr>
+        <p:spPr>
+          <a:xfrm>
+            <a:off x="838080" y="1825560"/>
+            <a:ext cx="293040" cy="4349880"/>
+          </a:xfrm>
+          <a:prstGeom prst="rect">
+            <a:avLst/>
+          </a:prstGeom>
+          <a:noFill/>
+          <a:ln w="0">
+            <a:noFill/>
+          </a:ln>
+        </p:spPr>
+        <p:txBody>
+          <a:bodyPr lIns="0" rIns="0" tIns="0" bIns="0" anchor="t">
+            <a:normAutofit fontScale="40621"/>
+          </a:bodyPr>
+          <a:p>
+            <a:pPr indent="0">
+              <a:spcBef>
+                <a:spcPts val="1417"/>
+              </a:spcBef>
+              <a:buNone/>
+            </a:pPr>
+            <a:endParaRPr b="0" lang="es-CO" sz="3200" spc="-1" strike="noStrike">
+              <a:solidFill>
+                <a:srgbClr val="000000"/>
+              </a:solidFill>
+              <a:latin typeface="Arial"/>
+            </a:endParaRPr>
+          </a:p>
+        </p:txBody>
+      </p:sp>
+      <p:sp>
+        <p:nvSpPr>
+          <p:cNvPr id="22" name="PlaceHolder 3"/>
+          <p:cNvSpPr>
+            <a:spLocks noGrp="1"/>
+          </p:cNvSpPr>
+          <p:nvPr>
+            <p:ph/>
+          </p:nvPr>
+        </p:nvSpPr>
+        <p:spPr>
+          <a:xfrm>
+            <a:off x="1146240" y="1825560"/>
+            <a:ext cx="293040" cy="4349880"/>
+          </a:xfrm>
+          <a:prstGeom prst="rect">
+            <a:avLst/>
+          </a:prstGeom>
+          <a:noFill/>
+          <a:ln w="0">
+            <a:noFill/>
+          </a:ln>
+        </p:spPr>
+        <p:txBody>
+          <a:bodyPr lIns="0" rIns="0" tIns="0" bIns="0" anchor="t">
+            <a:normAutofit fontScale="40621"/>
+          </a:bodyPr>
+          <a:p>
+            <a:pPr indent="0">
+              <a:spcBef>
+                <a:spcPts val="1417"/>
+              </a:spcBef>
+              <a:buNone/>
+            </a:pPr>
+            <a:endParaRPr b="0" lang="es-CO" sz="3200" spc="-1" strike="noStrike">
+              <a:solidFill>
+                <a:srgbClr val="000000"/>
+              </a:solidFill>
+              <a:latin typeface="Arial"/>
+            </a:endParaRPr>
+          </a:p>
+        </p:txBody>
+      </p:sp>
+      <p:sp>
+        <p:nvSpPr>
+          <p:cNvPr id="5" name="PlaceHolder 4"/>
+          <p:cNvSpPr>
+            <a:spLocks noGrp="1"/>
+          </p:cNvSpPr>
+          <p:nvPr>
+            <p:ph type="ftr" idx="7"/>
+          </p:nvPr>
+        </p:nvSpPr>
+        <p:spPr/>
+        <p:txBody>
+          <a:bodyPr/>
+          <a:p>
+            <a:r>
+              <a:t>Footer</a:t>
+            </a:r>
+          </a:p>
+        </p:txBody>
+      </p:sp>
+      <p:sp>
+        <p:nvSpPr>
+          <p:cNvPr id="6" name="PlaceHolder 5"/>
+          <p:cNvSpPr>
+            <a:spLocks noGrp="1"/>
+          </p:cNvSpPr>
+          <p:nvPr>
+            <p:ph type="sldNum" idx="8"/>
+          </p:nvPr>
+        </p:nvSpPr>
+        <p:spPr/>
+        <p:txBody>
+          <a:bodyPr/>
+          <a:p>
+            <a:fld id="{93CBF59F-0E49-48CF-84F1-8A844B18DAC1}" type="slidenum">
+              <a:t>&lt;#&gt;</a:t>
+            </a:fld>
+          </a:p>
+        </p:txBody>
+      </p:sp>
+      <p:sp>
+        <p:nvSpPr>
+          <p:cNvPr id="7" name="PlaceHolder 6"/>
+          <p:cNvSpPr>
+            <a:spLocks noGrp="1"/>
+          </p:cNvSpPr>
+          <p:nvPr>
+            <p:ph type="dt" idx="9"/>
+          </p:nvPr>
+        </p:nvSpPr>
+        <p:spPr/>
+        <p:txBody>
+          <a:bodyPr/>
+          <a:p>
+            <a:r>
+              <a:rPr lang="es-CO"/>
+              <a:t/>
+            </a:r>
+          </a:p>
+        </p:txBody>
+      </p:sp>
+    </p:spTree>
+  </p:cSld>
+</p:sldLayout>
+</file>
+
+<file path=ppt/slideLayouts/slideLayout6.xml><?xml version="1.0" encoding="utf-8"?>
+<p:sldLayout xmlns:a="http://schemas.openxmlformats.org/drawingml/2006/main" xmlns:p="http://schemas.openxmlformats.org/presentationml/2006/main" xmlns:r="http://schemas.openxmlformats.org/officeDocument/2006/relationships" xmlns:p14="http://schemas.microsoft.com/office/powerpoint/2010/main" xmlns:p15="http://schemas.microsoft.com/office/powerpoint/2012/main" xmlns:mc="http://schemas.openxmlformats.org/markup-compatibility/2006" type="twoObj" preserve="1">
   <p:cSld name="OBJECT">
     <p:spTree>
       <p:nvGrpSpPr>
@@ -2466,7 +2844,7 @@
       </p:grpSpPr>
       <p:sp>
         <p:nvSpPr>
-          <p:cNvPr id="19" name="PlaceHolder 1"/>
+          <p:cNvPr id="28" name="PlaceHolder 1"/>
           <p:cNvSpPr>
             <a:spLocks noGrp="1"/>
           </p:cNvSpPr>
@@ -2477,7 +2855,7 @@
         <p:spPr>
           <a:xfrm>
             <a:off x="838080" y="365040"/>
-            <a:ext cx="10514520" cy="1324440"/>
+            <a:ext cx="10514160" cy="1324080"/>
           </a:xfrm>
           <a:prstGeom prst="rect">
             <a:avLst/>
@@ -2506,7 +2884,7 @@
       </p:sp>
       <p:sp>
         <p:nvSpPr>
-          <p:cNvPr id="20" name="PlaceHolder 2"/>
+          <p:cNvPr id="29" name="PlaceHolder 2"/>
           <p:cNvSpPr>
             <a:spLocks noGrp="1"/>
           </p:cNvSpPr>
@@ -2517,7 +2895,7 @@
         <p:spPr>
           <a:xfrm>
             <a:off x="838080" y="1825560"/>
-            <a:ext cx="1233000" cy="4350240"/>
+            <a:ext cx="293040" cy="4349880"/>
           </a:xfrm>
           <a:prstGeom prst="rect">
             <a:avLst/>
@@ -2529,7 +2907,7 @@
         </p:spPr>
         <p:txBody>
           <a:bodyPr lIns="0" rIns="0" tIns="0" bIns="0" anchor="t">
-            <a:normAutofit/>
+            <a:normAutofit fontScale="40621"/>
           </a:bodyPr>
           <a:p>
             <a:pPr indent="0">
@@ -2549,7 +2927,50 @@
       </p:sp>
       <p:sp>
         <p:nvSpPr>
-          <p:cNvPr id="4" name="PlaceHolder 3"/>
+          <p:cNvPr id="30" name="PlaceHolder 3"/>
+          <p:cNvSpPr>
+            <a:spLocks noGrp="1"/>
+          </p:cNvSpPr>
+          <p:nvPr>
+            <p:ph/>
+          </p:nvPr>
+        </p:nvSpPr>
+        <p:spPr>
+          <a:xfrm>
+            <a:off x="1146240" y="1825560"/>
+            <a:ext cx="293040" cy="4349880"/>
+          </a:xfrm>
+          <a:prstGeom prst="rect">
+            <a:avLst/>
+          </a:prstGeom>
+          <a:noFill/>
+          <a:ln w="0">
+            <a:noFill/>
+          </a:ln>
+        </p:spPr>
+        <p:txBody>
+          <a:bodyPr lIns="0" rIns="0" tIns="0" bIns="0" anchor="t">
+            <a:normAutofit fontScale="40621"/>
+          </a:bodyPr>
+          <a:p>
+            <a:pPr indent="0">
+              <a:spcBef>
+                <a:spcPts val="1417"/>
+              </a:spcBef>
+              <a:buNone/>
+            </a:pPr>
+            <a:endParaRPr b="0" lang="es-CO" sz="3200" spc="-1" strike="noStrike">
+              <a:solidFill>
+                <a:srgbClr val="000000"/>
+              </a:solidFill>
+              <a:latin typeface="Arial"/>
+            </a:endParaRPr>
+          </a:p>
+        </p:txBody>
+      </p:sp>
+      <p:sp>
+        <p:nvSpPr>
+          <p:cNvPr id="5" name="PlaceHolder 4"/>
           <p:cNvSpPr>
             <a:spLocks noGrp="1"/>
           </p:cNvSpPr>
@@ -2569,7 +2990,7 @@
       </p:sp>
       <p:sp>
         <p:nvSpPr>
-          <p:cNvPr id="5" name="PlaceHolder 4"/>
+          <p:cNvPr id="6" name="PlaceHolder 5"/>
           <p:cNvSpPr>
             <a:spLocks noGrp="1"/>
           </p:cNvSpPr>
@@ -2581,7 +3002,7 @@
         <p:txBody>
           <a:bodyPr/>
           <a:p>
-            <a:fld id="{C29D16F5-4255-4983-BEA0-E513FC474A44}" type="slidenum">
+            <a:fld id="{A0BD28F1-4234-4C13-A4D2-5EE8C728ACAC}" type="slidenum">
               <a:t>&lt;#&gt;</a:t>
             </a:fld>
           </a:p>
@@ -2589,7 +3010,7 @@
       </p:sp>
       <p:sp>
         <p:nvSpPr>
-          <p:cNvPr id="6" name="PlaceHolder 5"/>
+          <p:cNvPr id="7" name="PlaceHolder 6"/>
           <p:cNvSpPr>
             <a:spLocks noGrp="1"/>
           </p:cNvSpPr>
@@ -2613,8 +3034,8 @@
 </p:sldLayout>
 </file>
 
-<file path=ppt/slideLayouts/slideLayout5.xml><?xml version="1.0" encoding="utf-8"?>
-<p:sldLayout xmlns:a="http://schemas.openxmlformats.org/drawingml/2006/main" xmlns:p="http://schemas.openxmlformats.org/presentationml/2006/main" xmlns:r="http://schemas.openxmlformats.org/officeDocument/2006/relationships" xmlns:p14="http://schemas.microsoft.com/office/powerpoint/2010/main" xmlns:p15="http://schemas.microsoft.com/office/powerpoint/2012/main" xmlns:mc="http://schemas.openxmlformats.org/markup-compatibility/2006" type="blank" preserve="1">
+<file path=ppt/slideLayouts/slideLayout7.xml><?xml version="1.0" encoding="utf-8"?>
+<p:sldLayout xmlns:a="http://schemas.openxmlformats.org/drawingml/2006/main" xmlns:p="http://schemas.openxmlformats.org/presentationml/2006/main" xmlns:r="http://schemas.openxmlformats.org/officeDocument/2006/relationships" xmlns:p14="http://schemas.microsoft.com/office/powerpoint/2010/main" xmlns:p15="http://schemas.microsoft.com/office/powerpoint/2012/main" xmlns:mc="http://schemas.openxmlformats.org/markup-compatibility/2006" type="twoObj" preserve="1">
   <p:cSld name="SECTION_HEADER">
     <p:spTree>
       <p:nvGrpSpPr>
@@ -2632,7 +3053,133 @@
       </p:grpSpPr>
       <p:sp>
         <p:nvSpPr>
-          <p:cNvPr id="2" name="PlaceHolder 1"/>
+          <p:cNvPr id="34" name="PlaceHolder 1"/>
+          <p:cNvSpPr>
+            <a:spLocks noGrp="1"/>
+          </p:cNvSpPr>
+          <p:nvPr>
+            <p:ph type="title"/>
+          </p:nvPr>
+        </p:nvSpPr>
+        <p:spPr>
+          <a:xfrm>
+            <a:off x="838080" y="365040"/>
+            <a:ext cx="10514160" cy="1324080"/>
+          </a:xfrm>
+          <a:prstGeom prst="rect">
+            <a:avLst/>
+          </a:prstGeom>
+          <a:noFill/>
+          <a:ln w="0">
+            <a:noFill/>
+          </a:ln>
+        </p:spPr>
+        <p:txBody>
+          <a:bodyPr lIns="0" rIns="0" tIns="0" bIns="0" anchor="ctr">
+            <a:noAutofit/>
+          </a:bodyPr>
+          <a:p>
+            <a:pPr indent="0" algn="ctr">
+              <a:buNone/>
+            </a:pPr>
+            <a:endParaRPr b="0" lang="es-CO" sz="4400" spc="-1" strike="noStrike">
+              <a:solidFill>
+                <a:srgbClr val="000000"/>
+              </a:solidFill>
+              <a:latin typeface="Arial"/>
+            </a:endParaRPr>
+          </a:p>
+        </p:txBody>
+      </p:sp>
+      <p:sp>
+        <p:nvSpPr>
+          <p:cNvPr id="35" name="PlaceHolder 2"/>
+          <p:cNvSpPr>
+            <a:spLocks noGrp="1"/>
+          </p:cNvSpPr>
+          <p:nvPr>
+            <p:ph/>
+          </p:nvPr>
+        </p:nvSpPr>
+        <p:spPr>
+          <a:xfrm>
+            <a:off x="838080" y="1825560"/>
+            <a:ext cx="293040" cy="4349880"/>
+          </a:xfrm>
+          <a:prstGeom prst="rect">
+            <a:avLst/>
+          </a:prstGeom>
+          <a:noFill/>
+          <a:ln w="0">
+            <a:noFill/>
+          </a:ln>
+        </p:spPr>
+        <p:txBody>
+          <a:bodyPr lIns="0" rIns="0" tIns="0" bIns="0" anchor="t">
+            <a:normAutofit fontScale="40621"/>
+          </a:bodyPr>
+          <a:p>
+            <a:pPr indent="0">
+              <a:spcBef>
+                <a:spcPts val="1417"/>
+              </a:spcBef>
+              <a:buNone/>
+            </a:pPr>
+            <a:endParaRPr b="0" lang="es-CO" sz="3200" spc="-1" strike="noStrike">
+              <a:solidFill>
+                <a:srgbClr val="000000"/>
+              </a:solidFill>
+              <a:latin typeface="Arial"/>
+            </a:endParaRPr>
+          </a:p>
+        </p:txBody>
+      </p:sp>
+      <p:sp>
+        <p:nvSpPr>
+          <p:cNvPr id="36" name="PlaceHolder 3"/>
+          <p:cNvSpPr>
+            <a:spLocks noGrp="1"/>
+          </p:cNvSpPr>
+          <p:nvPr>
+            <p:ph/>
+          </p:nvPr>
+        </p:nvSpPr>
+        <p:spPr>
+          <a:xfrm>
+            <a:off x="1146240" y="1825560"/>
+            <a:ext cx="293040" cy="4349880"/>
+          </a:xfrm>
+          <a:prstGeom prst="rect">
+            <a:avLst/>
+          </a:prstGeom>
+          <a:noFill/>
+          <a:ln w="0">
+            <a:noFill/>
+          </a:ln>
+        </p:spPr>
+        <p:txBody>
+          <a:bodyPr lIns="0" rIns="0" tIns="0" bIns="0" anchor="t">
+            <a:normAutofit fontScale="40621"/>
+          </a:bodyPr>
+          <a:p>
+            <a:pPr indent="0">
+              <a:spcBef>
+                <a:spcPts val="1417"/>
+              </a:spcBef>
+              <a:buNone/>
+            </a:pPr>
+            <a:endParaRPr b="0" lang="es-CO" sz="3200" spc="-1" strike="noStrike">
+              <a:solidFill>
+                <a:srgbClr val="000000"/>
+              </a:solidFill>
+              <a:latin typeface="Arial"/>
+            </a:endParaRPr>
+          </a:p>
+        </p:txBody>
+      </p:sp>
+      <p:sp>
+        <p:nvSpPr>
+          <p:cNvPr id="5" name="PlaceHolder 4"/>
           <p:cNvSpPr>
             <a:spLocks noGrp="1"/>
           </p:cNvSpPr>
@@ -2652,7 +3199,7 @@
       </p:sp>
       <p:sp>
         <p:nvSpPr>
-          <p:cNvPr id="3" name="PlaceHolder 2"/>
+          <p:cNvPr id="6" name="PlaceHolder 5"/>
           <p:cNvSpPr>
             <a:spLocks noGrp="1"/>
           </p:cNvSpPr>
@@ -2664,7 +3211,7 @@
         <p:txBody>
           <a:bodyPr/>
           <a:p>
-            <a:fld id="{EA923065-2597-4CA8-A175-2A561D5A1DBB}" type="slidenum">
+            <a:fld id="{3B027190-0F5C-4A59-9002-E4EADB5501CE}" type="slidenum">
               <a:t>&lt;#&gt;</a:t>
             </a:fld>
           </a:p>
@@ -2672,7 +3219,7 @@
       </p:sp>
       <p:sp>
         <p:nvSpPr>
-          <p:cNvPr id="4" name="PlaceHolder 3"/>
+          <p:cNvPr id="7" name="PlaceHolder 6"/>
           <p:cNvSpPr>
             <a:spLocks noGrp="1"/>
           </p:cNvSpPr>
@@ -2696,7 +3243,7 @@
 </p:sldLayout>
 </file>
 
-<file path=ppt/slideLayouts/slideLayout6.xml><?xml version="1.0" encoding="utf-8"?>
+<file path=ppt/slideLayouts/slideLayout8.xml><?xml version="1.0" encoding="utf-8"?>
 <p:sldLayout xmlns:a="http://schemas.openxmlformats.org/drawingml/2006/main" xmlns:p="http://schemas.openxmlformats.org/presentationml/2006/main" xmlns:r="http://schemas.openxmlformats.org/officeDocument/2006/relationships" xmlns:p14="http://schemas.microsoft.com/office/powerpoint/2010/main" xmlns:p15="http://schemas.microsoft.com/office/powerpoint/2012/main" xmlns:mc="http://schemas.openxmlformats.org/markup-compatibility/2006" type="twoObj" preserve="1">
   <p:cSld name="TWO_OBJECTS">
     <p:spTree>
@@ -2715,7 +3262,7 @@
       </p:grpSpPr>
       <p:sp>
         <p:nvSpPr>
-          <p:cNvPr id="30" name="PlaceHolder 1"/>
+          <p:cNvPr id="43" name="PlaceHolder 1"/>
           <p:cNvSpPr>
             <a:spLocks noGrp="1"/>
           </p:cNvSpPr>
@@ -2726,7 +3273,7 @@
         <p:spPr>
           <a:xfrm>
             <a:off x="838080" y="365040"/>
-            <a:ext cx="10514520" cy="1324440"/>
+            <a:ext cx="10514160" cy="1324080"/>
           </a:xfrm>
           <a:prstGeom prst="rect">
             <a:avLst/>
@@ -2755,7 +3302,7 @@
       </p:sp>
       <p:sp>
         <p:nvSpPr>
-          <p:cNvPr id="31" name="PlaceHolder 2"/>
+          <p:cNvPr id="44" name="PlaceHolder 2"/>
           <p:cNvSpPr>
             <a:spLocks noGrp="1"/>
           </p:cNvSpPr>
@@ -2766,7 +3313,7 @@
         <p:spPr>
           <a:xfrm>
             <a:off x="838080" y="1825560"/>
-            <a:ext cx="601560" cy="4350240"/>
+            <a:ext cx="293040" cy="4349880"/>
           </a:xfrm>
           <a:prstGeom prst="rect">
             <a:avLst/>
@@ -2778,7 +3325,7 @@
         </p:spPr>
         <p:txBody>
           <a:bodyPr lIns="0" rIns="0" tIns="0" bIns="0" anchor="t">
-            <a:normAutofit fontScale="62493" lnSpcReduction="20000"/>
+            <a:normAutofit fontScale="40621"/>
           </a:bodyPr>
           <a:p>
             <a:pPr indent="0">
@@ -2798,7 +3345,7 @@
       </p:sp>
       <p:sp>
         <p:nvSpPr>
-          <p:cNvPr id="32" name="PlaceHolder 3"/>
+          <p:cNvPr id="45" name="PlaceHolder 3"/>
           <p:cNvSpPr>
             <a:spLocks noGrp="1"/>
           </p:cNvSpPr>
@@ -2808,8 +3355,8 @@
         </p:nvSpPr>
         <p:spPr>
           <a:xfrm>
-            <a:off x="1470240" y="1825560"/>
-            <a:ext cx="601560" cy="4350240"/>
+            <a:off x="1146240" y="1825560"/>
+            <a:ext cx="293040" cy="4349880"/>
           </a:xfrm>
           <a:prstGeom prst="rect">
             <a:avLst/>
@@ -2821,7 +3368,7 @@
         </p:spPr>
         <p:txBody>
           <a:bodyPr lIns="0" rIns="0" tIns="0" bIns="0" anchor="t">
-            <a:normAutofit fontScale="62493" lnSpcReduction="20000"/>
+            <a:normAutofit fontScale="40621"/>
           </a:bodyPr>
           <a:p>
             <a:pPr indent="0">
@@ -2873,7 +3420,7 @@
         <p:txBody>
           <a:bodyPr/>
           <a:p>
-            <a:fld id="{A5748FA8-FF92-408E-8E5C-9F5B48A03877}" type="slidenum">
+            <a:fld id="{45B3244E-541C-4494-BBDC-43AC7FAB76D1}" type="slidenum">
               <a:t>&lt;#&gt;</a:t>
             </a:fld>
           </a:p>
@@ -2887,295 +3434,6 @@
           </p:cNvSpPr>
           <p:nvPr>
             <p:ph type="dt" idx="18"/>
-          </p:nvPr>
-        </p:nvSpPr>
-        <p:spPr/>
-        <p:txBody>
-          <a:bodyPr/>
-          <a:p>
-            <a:r>
-              <a:rPr lang="es-CO"/>
-              <a:t/>
-            </a:r>
-          </a:p>
-        </p:txBody>
-      </p:sp>
-    </p:spTree>
-  </p:cSld>
-</p:sldLayout>
-</file>
-
-<file path=ppt/slideLayouts/slideLayout7.xml><?xml version="1.0" encoding="utf-8"?>
-<p:sldLayout xmlns:a="http://schemas.openxmlformats.org/drawingml/2006/main" xmlns:p="http://schemas.openxmlformats.org/presentationml/2006/main" xmlns:r="http://schemas.openxmlformats.org/officeDocument/2006/relationships" xmlns:p14="http://schemas.microsoft.com/office/powerpoint/2010/main" xmlns:p15="http://schemas.microsoft.com/office/powerpoint/2012/main" xmlns:mc="http://schemas.openxmlformats.org/markup-compatibility/2006" type="blank" preserve="1">
-  <p:cSld name="TWO_OBJECTS_WITH_TEXT">
-    <p:spTree>
-      <p:nvGrpSpPr>
-        <p:cNvPr id="1" name=""/>
-        <p:cNvGrpSpPr/>
-        <p:nvPr/>
-      </p:nvGrpSpPr>
-      <p:grpSpPr>
-        <a:xfrm>
-          <a:off x="0" y="0"/>
-          <a:ext cx="0" cy="0"/>
-          <a:chOff x="0" y="0"/>
-          <a:chExt cx="0" cy="0"/>
-        </a:xfrm>
-      </p:grpSpPr>
-      <p:sp>
-        <p:nvSpPr>
-          <p:cNvPr id="2" name="PlaceHolder 1"/>
-          <p:cNvSpPr>
-            <a:spLocks noGrp="1"/>
-          </p:cNvSpPr>
-          <p:nvPr>
-            <p:ph type="ftr" idx="19"/>
-          </p:nvPr>
-        </p:nvSpPr>
-        <p:spPr/>
-        <p:txBody>
-          <a:bodyPr/>
-          <a:p>
-            <a:r>
-              <a:t>Footer</a:t>
-            </a:r>
-          </a:p>
-        </p:txBody>
-      </p:sp>
-      <p:sp>
-        <p:nvSpPr>
-          <p:cNvPr id="3" name="PlaceHolder 2"/>
-          <p:cNvSpPr>
-            <a:spLocks noGrp="1"/>
-          </p:cNvSpPr>
-          <p:nvPr>
-            <p:ph type="sldNum" idx="20"/>
-          </p:nvPr>
-        </p:nvSpPr>
-        <p:spPr/>
-        <p:txBody>
-          <a:bodyPr/>
-          <a:p>
-            <a:fld id="{822C8ABB-1A24-4794-9FDD-230FC5438068}" type="slidenum">
-              <a:t>&lt;#&gt;</a:t>
-            </a:fld>
-          </a:p>
-        </p:txBody>
-      </p:sp>
-      <p:sp>
-        <p:nvSpPr>
-          <p:cNvPr id="4" name="PlaceHolder 3"/>
-          <p:cNvSpPr>
-            <a:spLocks noGrp="1"/>
-          </p:cNvSpPr>
-          <p:nvPr>
-            <p:ph type="dt" idx="21"/>
-          </p:nvPr>
-        </p:nvSpPr>
-        <p:spPr/>
-        <p:txBody>
-          <a:bodyPr/>
-          <a:p>
-            <a:r>
-              <a:rPr lang="es-CO"/>
-              <a:t/>
-            </a:r>
-          </a:p>
-        </p:txBody>
-      </p:sp>
-    </p:spTree>
-  </p:cSld>
-</p:sldLayout>
-</file>
-
-<file path=ppt/slideLayouts/slideLayout8.xml><?xml version="1.0" encoding="utf-8"?>
-<p:sldLayout xmlns:a="http://schemas.openxmlformats.org/drawingml/2006/main" xmlns:p="http://schemas.openxmlformats.org/presentationml/2006/main" xmlns:r="http://schemas.openxmlformats.org/officeDocument/2006/relationships" xmlns:p14="http://schemas.microsoft.com/office/powerpoint/2010/main" xmlns:p15="http://schemas.microsoft.com/office/powerpoint/2012/main" xmlns:mc="http://schemas.openxmlformats.org/markup-compatibility/2006" type="titleOnly" preserve="1">
-  <p:cSld name="TITLE_ONLY">
-    <p:spTree>
-      <p:nvGrpSpPr>
-        <p:cNvPr id="1" name=""/>
-        <p:cNvGrpSpPr/>
-        <p:nvPr/>
-      </p:nvGrpSpPr>
-      <p:grpSpPr>
-        <a:xfrm>
-          <a:off x="0" y="0"/>
-          <a:ext cx="0" cy="0"/>
-          <a:chOff x="0" y="0"/>
-          <a:chExt cx="0" cy="0"/>
-        </a:xfrm>
-      </p:grpSpPr>
-      <p:sp>
-        <p:nvSpPr>
-          <p:cNvPr id="40" name="PlaceHolder 1"/>
-          <p:cNvSpPr>
-            <a:spLocks noGrp="1"/>
-          </p:cNvSpPr>
-          <p:nvPr>
-            <p:ph type="title"/>
-          </p:nvPr>
-        </p:nvSpPr>
-        <p:spPr>
-          <a:xfrm>
-            <a:off x="838080" y="365040"/>
-            <a:ext cx="10514520" cy="1324440"/>
-          </a:xfrm>
-          <a:prstGeom prst="rect">
-            <a:avLst/>
-          </a:prstGeom>
-          <a:noFill/>
-          <a:ln w="0">
-            <a:noFill/>
-          </a:ln>
-        </p:spPr>
-        <p:txBody>
-          <a:bodyPr lIns="0" rIns="0" tIns="0" bIns="0" anchor="ctr">
-            <a:noAutofit/>
-          </a:bodyPr>
-          <a:p>
-            <a:pPr indent="0" algn="ctr">
-              <a:buNone/>
-            </a:pPr>
-            <a:endParaRPr b="0" lang="es-CO" sz="4400" spc="-1" strike="noStrike">
-              <a:solidFill>
-                <a:srgbClr val="000000"/>
-              </a:solidFill>
-              <a:latin typeface="Arial"/>
-            </a:endParaRPr>
-          </a:p>
-        </p:txBody>
-      </p:sp>
-      <p:sp>
-        <p:nvSpPr>
-          <p:cNvPr id="3" name="PlaceHolder 2"/>
-          <p:cNvSpPr>
-            <a:spLocks noGrp="1"/>
-          </p:cNvSpPr>
-          <p:nvPr>
-            <p:ph type="ftr" idx="22"/>
-          </p:nvPr>
-        </p:nvSpPr>
-        <p:spPr/>
-        <p:txBody>
-          <a:bodyPr/>
-          <a:p>
-            <a:r>
-              <a:t>Footer</a:t>
-            </a:r>
-          </a:p>
-        </p:txBody>
-      </p:sp>
-      <p:sp>
-        <p:nvSpPr>
-          <p:cNvPr id="4" name="PlaceHolder 3"/>
-          <p:cNvSpPr>
-            <a:spLocks noGrp="1"/>
-          </p:cNvSpPr>
-          <p:nvPr>
-            <p:ph type="sldNum" idx="23"/>
-          </p:nvPr>
-        </p:nvSpPr>
-        <p:spPr/>
-        <p:txBody>
-          <a:bodyPr/>
-          <a:p>
-            <a:fld id="{E4109D9C-D3D9-4BFB-9F56-22A10437C9EB}" type="slidenum">
-              <a:t>&lt;#&gt;</a:t>
-            </a:fld>
-          </a:p>
-        </p:txBody>
-      </p:sp>
-      <p:sp>
-        <p:nvSpPr>
-          <p:cNvPr id="5" name="PlaceHolder 4"/>
-          <p:cNvSpPr>
-            <a:spLocks noGrp="1"/>
-          </p:cNvSpPr>
-          <p:nvPr>
-            <p:ph type="dt" idx="24"/>
-          </p:nvPr>
-        </p:nvSpPr>
-        <p:spPr/>
-        <p:txBody>
-          <a:bodyPr/>
-          <a:p>
-            <a:r>
-              <a:rPr lang="es-CO"/>
-              <a:t/>
-            </a:r>
-          </a:p>
-        </p:txBody>
-      </p:sp>
-    </p:spTree>
-  </p:cSld>
-</p:sldLayout>
-</file>
-
-<file path=ppt/slideLayouts/slideLayout9.xml><?xml version="1.0" encoding="utf-8"?>
-<p:sldLayout xmlns:a="http://schemas.openxmlformats.org/drawingml/2006/main" xmlns:p="http://schemas.openxmlformats.org/presentationml/2006/main" xmlns:r="http://schemas.openxmlformats.org/officeDocument/2006/relationships" xmlns:p14="http://schemas.microsoft.com/office/powerpoint/2010/main" xmlns:p15="http://schemas.microsoft.com/office/powerpoint/2012/main" xmlns:mc="http://schemas.openxmlformats.org/markup-compatibility/2006" type="blank" preserve="1">
-  <p:cSld name="OBJECT_WITH_CAPTION_TEXT">
-    <p:spTree>
-      <p:nvGrpSpPr>
-        <p:cNvPr id="1" name=""/>
-        <p:cNvGrpSpPr/>
-        <p:nvPr/>
-      </p:nvGrpSpPr>
-      <p:grpSpPr>
-        <a:xfrm>
-          <a:off x="0" y="0"/>
-          <a:ext cx="0" cy="0"/>
-          <a:chOff x="0" y="0"/>
-          <a:chExt cx="0" cy="0"/>
-        </a:xfrm>
-      </p:grpSpPr>
-      <p:sp>
-        <p:nvSpPr>
-          <p:cNvPr id="2" name="PlaceHolder 1"/>
-          <p:cNvSpPr>
-            <a:spLocks noGrp="1"/>
-          </p:cNvSpPr>
-          <p:nvPr>
-            <p:ph type="ftr" idx="25"/>
-          </p:nvPr>
-        </p:nvSpPr>
-        <p:spPr/>
-        <p:txBody>
-          <a:bodyPr/>
-          <a:p>
-            <a:r>
-              <a:t>Footer</a:t>
-            </a:r>
-          </a:p>
-        </p:txBody>
-      </p:sp>
-      <p:sp>
-        <p:nvSpPr>
-          <p:cNvPr id="3" name="PlaceHolder 2"/>
-          <p:cNvSpPr>
-            <a:spLocks noGrp="1"/>
-          </p:cNvSpPr>
-          <p:nvPr>
-            <p:ph type="sldNum" idx="26"/>
-          </p:nvPr>
-        </p:nvSpPr>
-        <p:spPr/>
-        <p:txBody>
-          <a:bodyPr/>
-          <a:p>
-            <a:fld id="{E53C1AD0-EBF2-45FC-ACA2-1A52178F9B7F}" type="slidenum">
-              <a:t>&lt;#&gt;</a:t>
-            </a:fld>
-          </a:p>
-        </p:txBody>
-      </p:sp>
-      <p:sp>
-        <p:nvSpPr>
-          <p:cNvPr id="4" name="PlaceHolder 3"/>
-          <p:cNvSpPr>
-            <a:spLocks noGrp="1"/>
-          </p:cNvSpPr>
-          <p:nvPr>
-            <p:ph type="dt" idx="27"/>
           </p:nvPr>
         </p:nvSpPr>
         <p:spPr/>
@@ -3231,7 +3489,7 @@
         <p:spPr>
           <a:xfrm>
             <a:off x="838080" y="365040"/>
-            <a:ext cx="10514520" cy="1324440"/>
+            <a:ext cx="10514160" cy="1324080"/>
           </a:xfrm>
           <a:prstGeom prst="rect">
             <a:avLst/>
@@ -3246,11 +3504,11 @@
             <a:noAutofit/>
           </a:bodyPr>
           <a:p>
-            <a:pPr indent="0">
+            <a:pPr indent="0" algn="ctr">
               <a:buNone/>
             </a:pPr>
             <a:r>
-              <a:rPr b="0" lang="es-CO" sz="1800" spc="-1" strike="noStrike">
+              <a:rPr b="0" lang="es-CO" sz="4400" spc="-1" strike="noStrike">
                 <a:solidFill>
                   <a:srgbClr val="000000"/>
                 </a:solidFill>
@@ -3258,7 +3516,7 @@
               </a:rPr>
               <a:t>Pulse para editar el formato del texto de título</a:t>
             </a:r>
-            <a:endParaRPr b="0" lang="es-CO" sz="1800" spc="-1" strike="noStrike">
+            <a:endParaRPr b="0" lang="es-CO" sz="4400" spc="-1" strike="noStrike">
               <a:solidFill>
                 <a:srgbClr val="000000"/>
               </a:solidFill>
@@ -3280,7 +3538,7 @@
         <p:spPr>
           <a:xfrm>
             <a:off x="4038480" y="6356520"/>
-            <a:ext cx="4113720" cy="363960"/>
+            <a:ext cx="4113360" cy="363600"/>
           </a:xfrm>
           <a:prstGeom prst="rect">
             <a:avLst/>
@@ -3352,7 +3610,7 @@
         <p:spPr>
           <a:xfrm>
             <a:off x="8610480" y="6356520"/>
-            <a:ext cx="2742120" cy="363960"/>
+            <a:ext cx="2741760" cy="363600"/>
           </a:xfrm>
           <a:prstGeom prst="rect">
             <a:avLst/>
@@ -3394,7 +3652,7 @@
                 <a:tab algn="l" pos="0"/>
               </a:tabLst>
             </a:pPr>
-            <a:fld id="{6221E2CF-C8C8-4A50-8B90-97C3DC1032A2}" type="slidenum">
+            <a:fld id="{8AB43765-0452-4BA4-B285-B84967E1A812}" type="slidenum">
               <a:rPr b="0" lang="es-CO" sz="1200" spc="-1" strike="noStrike">
                 <a:solidFill>
                   <a:srgbClr val="888888"/>
@@ -3402,7 +3660,7 @@
                 <a:latin typeface="Calibri"/>
                 <a:ea typeface="Calibri"/>
               </a:rPr>
-              <a:t>10</a:t>
+              <a:t>1</a:t>
             </a:fld>
             <a:endParaRPr b="0" lang="es-CO" sz="1200" spc="-1" strike="noStrike">
               <a:solidFill>
@@ -3426,7 +3684,7 @@
         <p:spPr>
           <a:xfrm>
             <a:off x="838080" y="6356520"/>
-            <a:ext cx="2742120" cy="363960"/>
+            <a:ext cx="2741760" cy="363600"/>
           </a:xfrm>
           <a:prstGeom prst="rect">
             <a:avLst/>
@@ -3508,7 +3766,7 @@
       </p:grpSpPr>
       <p:sp>
         <p:nvSpPr>
-          <p:cNvPr id="44" name="PlaceHolder 1"/>
+          <p:cNvPr id="56" name="PlaceHolder 1"/>
           <p:cNvSpPr>
             <a:spLocks noGrp="1"/>
           </p:cNvSpPr>
@@ -3519,7 +3777,7 @@
         <p:spPr>
           <a:xfrm>
             <a:off x="4038480" y="6356520"/>
-            <a:ext cx="4113720" cy="363960"/>
+            <a:ext cx="4113360" cy="363600"/>
           </a:xfrm>
           <a:prstGeom prst="rect">
             <a:avLst/>
@@ -3580,7 +3838,7 @@
       </p:sp>
       <p:sp>
         <p:nvSpPr>
-          <p:cNvPr id="45" name="PlaceHolder 2"/>
+          <p:cNvPr id="57" name="PlaceHolder 2"/>
           <p:cNvSpPr>
             <a:spLocks noGrp="1"/>
           </p:cNvSpPr>
@@ -3591,7 +3849,7 @@
         <p:spPr>
           <a:xfrm>
             <a:off x="8610480" y="6356520"/>
-            <a:ext cx="2742120" cy="363960"/>
+            <a:ext cx="2741760" cy="363600"/>
           </a:xfrm>
           <a:prstGeom prst="rect">
             <a:avLst/>
@@ -3633,7 +3891,7 @@
                 <a:tab algn="l" pos="0"/>
               </a:tabLst>
             </a:pPr>
-            <a:fld id="{B61D90F0-4254-40A9-8B5E-F157D85621DE}" type="slidenum">
+            <a:fld id="{58AE9EE1-7BA8-491E-98F1-2AEF1C974A80}" type="slidenum">
               <a:rPr b="0" lang="es-CO" sz="1200" spc="-1" strike="noStrike">
                 <a:solidFill>
                   <a:srgbClr val="888888"/>
@@ -3654,7 +3912,7 @@
       </p:sp>
       <p:sp>
         <p:nvSpPr>
-          <p:cNvPr id="46" name="PlaceHolder 3"/>
+          <p:cNvPr id="58" name="PlaceHolder 3"/>
           <p:cNvSpPr>
             <a:spLocks noGrp="1"/>
           </p:cNvSpPr>
@@ -3665,7 +3923,7 @@
         <p:spPr>
           <a:xfrm>
             <a:off x="838080" y="6356520"/>
-            <a:ext cx="2742120" cy="363960"/>
+            <a:ext cx="2741760" cy="363600"/>
           </a:xfrm>
           <a:prstGeom prst="rect">
             <a:avLst/>
@@ -3715,9 +3973,7 @@
     </p:spTree>
   </p:cSld>
   <p:clrMap bg1="lt1" bg2="lt2" tx1="dk1" tx2="dk2" accent1="accent1" accent2="accent2" accent3="accent3" accent4="accent4" accent5="accent5" accent6="accent6" hlink="hlink" folHlink="folHlink"/>
-  <p:sldLayoutIdLst>
-    <p:sldLayoutId id="2147483667" r:id="rId2"/>
-  </p:sldLayoutIdLst>
+  <p:sldLayoutIdLst/>
 </p:sldMaster>
 </file>
 
@@ -3747,7 +4003,7 @@
       </p:grpSpPr>
       <p:sp>
         <p:nvSpPr>
-          <p:cNvPr id="47" name="PlaceHolder 1"/>
+          <p:cNvPr id="59" name="PlaceHolder 1"/>
           <p:cNvSpPr>
             <a:spLocks noGrp="1"/>
           </p:cNvSpPr>
@@ -3758,7 +4014,7 @@
         <p:spPr>
           <a:xfrm>
             <a:off x="4038480" y="6356520"/>
-            <a:ext cx="4113720" cy="363960"/>
+            <a:ext cx="4113360" cy="363600"/>
           </a:xfrm>
           <a:prstGeom prst="rect">
             <a:avLst/>
@@ -3819,7 +4075,7 @@
       </p:sp>
       <p:sp>
         <p:nvSpPr>
-          <p:cNvPr id="48" name="PlaceHolder 2"/>
+          <p:cNvPr id="60" name="PlaceHolder 2"/>
           <p:cNvSpPr>
             <a:spLocks noGrp="1"/>
           </p:cNvSpPr>
@@ -3830,7 +4086,7 @@
         <p:spPr>
           <a:xfrm>
             <a:off x="8610480" y="6356520"/>
-            <a:ext cx="2742120" cy="363960"/>
+            <a:ext cx="2741760" cy="363600"/>
           </a:xfrm>
           <a:prstGeom prst="rect">
             <a:avLst/>
@@ -3872,7 +4128,7 @@
                 <a:tab algn="l" pos="0"/>
               </a:tabLst>
             </a:pPr>
-            <a:fld id="{53F5949C-2FA2-479D-99DC-C5AB0CCA57D1}" type="slidenum">
+            <a:fld id="{C7270CCB-A8E0-4E61-8F2F-34BF07E5A440}" type="slidenum">
               <a:rPr b="0" lang="es-CO" sz="1200" spc="-1" strike="noStrike">
                 <a:solidFill>
                   <a:srgbClr val="888888"/>
@@ -3893,7 +4149,7 @@
       </p:sp>
       <p:sp>
         <p:nvSpPr>
-          <p:cNvPr id="49" name="PlaceHolder 3"/>
+          <p:cNvPr id="61" name="PlaceHolder 3"/>
           <p:cNvSpPr>
             <a:spLocks noGrp="1"/>
           </p:cNvSpPr>
@@ -3904,7 +4160,7 @@
         <p:spPr>
           <a:xfrm>
             <a:off x="838080" y="6356520"/>
-            <a:ext cx="2742120" cy="363960"/>
+            <a:ext cx="2741760" cy="363600"/>
           </a:xfrm>
           <a:prstGeom prst="rect">
             <a:avLst/>
@@ -3954,9 +4210,7 @@
     </p:spTree>
   </p:cSld>
   <p:clrMap bg1="lt1" bg2="lt2" tx1="dk1" tx2="dk2" accent1="accent1" accent2="accent2" accent3="accent3" accent4="accent4" accent5="accent5" accent6="accent6" hlink="hlink" folHlink="folHlink"/>
-  <p:sldLayoutIdLst>
-    <p:sldLayoutId id="2147483669" r:id="rId2"/>
-  </p:sldLayoutIdLst>
+  <p:sldLayoutIdLst/>
 </p:sldMaster>
 </file>
 
@@ -3986,7 +4240,7 @@
       </p:grpSpPr>
       <p:sp>
         <p:nvSpPr>
-          <p:cNvPr id="6" name="PlaceHolder 1"/>
+          <p:cNvPr id="7" name="PlaceHolder 1"/>
           <p:cNvSpPr>
             <a:spLocks noGrp="1"/>
           </p:cNvSpPr>
@@ -3997,7 +4251,7 @@
         <p:spPr>
           <a:xfrm>
             <a:off x="4038480" y="6356520"/>
-            <a:ext cx="4113720" cy="363960"/>
+            <a:ext cx="4113360" cy="363600"/>
           </a:xfrm>
           <a:prstGeom prst="rect">
             <a:avLst/>
@@ -4058,7 +4312,7 @@
       </p:sp>
       <p:sp>
         <p:nvSpPr>
-          <p:cNvPr id="7" name="PlaceHolder 2"/>
+          <p:cNvPr id="8" name="PlaceHolder 2"/>
           <p:cNvSpPr>
             <a:spLocks noGrp="1"/>
           </p:cNvSpPr>
@@ -4069,7 +4323,7 @@
         <p:spPr>
           <a:xfrm>
             <a:off x="8610480" y="6356520"/>
-            <a:ext cx="2742120" cy="363960"/>
+            <a:ext cx="2741760" cy="363600"/>
           </a:xfrm>
           <a:prstGeom prst="rect">
             <a:avLst/>
@@ -4111,7 +4365,7 @@
                 <a:tab algn="l" pos="0"/>
               </a:tabLst>
             </a:pPr>
-            <a:fld id="{9425EB7B-DA48-4B0A-8B78-548442B15992}" type="slidenum">
+            <a:fld id="{88CC450B-88E5-4DE2-8DD5-4BDFFD9FB4AF}" type="slidenum">
               <a:rPr b="0" lang="es-CO" sz="1200" spc="-1" strike="noStrike">
                 <a:solidFill>
                   <a:srgbClr val="888888"/>
@@ -4132,7 +4386,7 @@
       </p:sp>
       <p:sp>
         <p:nvSpPr>
-          <p:cNvPr id="8" name="PlaceHolder 3"/>
+          <p:cNvPr id="9" name="PlaceHolder 3"/>
           <p:cNvSpPr>
             <a:spLocks noGrp="1"/>
           </p:cNvSpPr>
@@ -4143,7 +4397,7 @@
         <p:spPr>
           <a:xfrm>
             <a:off x="838080" y="6356520"/>
-            <a:ext cx="2742120" cy="363960"/>
+            <a:ext cx="2741760" cy="363600"/>
           </a:xfrm>
           <a:prstGeom prst="rect">
             <a:avLst/>
@@ -4225,7 +4479,7 @@
       </p:grpSpPr>
       <p:sp>
         <p:nvSpPr>
-          <p:cNvPr id="9" name="PlaceHolder 1"/>
+          <p:cNvPr id="13" name="PlaceHolder 1"/>
           <p:cNvSpPr>
             <a:spLocks noGrp="1"/>
           </p:cNvSpPr>
@@ -4236,7 +4490,7 @@
         <p:spPr>
           <a:xfrm>
             <a:off x="4038480" y="6356520"/>
-            <a:ext cx="4113720" cy="363960"/>
+            <a:ext cx="4113360" cy="363600"/>
           </a:xfrm>
           <a:prstGeom prst="rect">
             <a:avLst/>
@@ -4297,7 +4551,7 @@
       </p:sp>
       <p:sp>
         <p:nvSpPr>
-          <p:cNvPr id="10" name="PlaceHolder 2"/>
+          <p:cNvPr id="14" name="PlaceHolder 2"/>
           <p:cNvSpPr>
             <a:spLocks noGrp="1"/>
           </p:cNvSpPr>
@@ -4308,7 +4562,7 @@
         <p:spPr>
           <a:xfrm>
             <a:off x="8610480" y="6356520"/>
-            <a:ext cx="2742120" cy="363960"/>
+            <a:ext cx="2741760" cy="363600"/>
           </a:xfrm>
           <a:prstGeom prst="rect">
             <a:avLst/>
@@ -4350,7 +4604,7 @@
                 <a:tab algn="l" pos="0"/>
               </a:tabLst>
             </a:pPr>
-            <a:fld id="{B89A3385-8A45-4B0F-BFAE-0B2712F43033}" type="slidenum">
+            <a:fld id="{CD5937F5-0B76-486B-90E8-023E91FA2582}" type="slidenum">
               <a:rPr b="0" lang="es-CO" sz="1200" spc="-1" strike="noStrike">
                 <a:solidFill>
                   <a:srgbClr val="888888"/>
@@ -4371,7 +4625,7 @@
       </p:sp>
       <p:sp>
         <p:nvSpPr>
-          <p:cNvPr id="11" name="PlaceHolder 3"/>
+          <p:cNvPr id="15" name="PlaceHolder 3"/>
           <p:cNvSpPr>
             <a:spLocks noGrp="1"/>
           </p:cNvSpPr>
@@ -4382,7 +4636,7 @@
         <p:spPr>
           <a:xfrm>
             <a:off x="838080" y="6356520"/>
-            <a:ext cx="2742120" cy="363960"/>
+            <a:ext cx="2741760" cy="363600"/>
           </a:xfrm>
           <a:prstGeom prst="rect">
             <a:avLst/>
@@ -4431,7 +4685,7 @@
       </p:sp>
       <p:sp>
         <p:nvSpPr>
-          <p:cNvPr id="12" name="PlaceHolder 4"/>
+          <p:cNvPr id="16" name="PlaceHolder 4"/>
           <p:cNvSpPr>
             <a:spLocks noGrp="1"/>
           </p:cNvSpPr>
@@ -4480,7 +4734,7 @@
       </p:sp>
       <p:sp>
         <p:nvSpPr>
-          <p:cNvPr id="13" name="PlaceHolder 5"/>
+          <p:cNvPr id="17" name="PlaceHolder 5"/>
           <p:cNvSpPr>
             <a:spLocks noGrp="1"/>
           </p:cNvSpPr>
@@ -4708,6 +4962,8 @@
   <p:clrMap bg1="lt1" bg2="lt2" tx1="dk1" tx2="dk2" accent1="accent1" accent2="accent2" accent3="accent3" accent4="accent4" accent5="accent5" accent6="accent6" hlink="hlink" folHlink="folHlink"/>
   <p:sldLayoutIdLst>
     <p:sldLayoutId id="2147483653" r:id="rId2"/>
+    <p:sldLayoutId id="2147483654" r:id="rId3"/>
+    <p:sldLayoutId id="2147483655" r:id="rId4"/>
   </p:sldLayoutIdLst>
 </p:sldMaster>
 </file>
@@ -4738,7 +4994,7 @@
       </p:grpSpPr>
       <p:sp>
         <p:nvSpPr>
-          <p:cNvPr id="14" name="PlaceHolder 1"/>
+          <p:cNvPr id="23" name="PlaceHolder 1"/>
           <p:cNvSpPr>
             <a:spLocks noGrp="1"/>
           </p:cNvSpPr>
@@ -4749,7 +5005,7 @@
         <p:spPr>
           <a:xfrm>
             <a:off x="838080" y="365040"/>
-            <a:ext cx="10514520" cy="1324440"/>
+            <a:ext cx="10514160" cy="1324080"/>
           </a:xfrm>
           <a:prstGeom prst="rect">
             <a:avLst/>
@@ -4764,11 +5020,11 @@
             <a:noAutofit/>
           </a:bodyPr>
           <a:p>
-            <a:pPr indent="0">
+            <a:pPr indent="0" algn="ctr">
               <a:buNone/>
             </a:pPr>
             <a:r>
-              <a:rPr b="0" lang="es-CO" sz="1800" spc="-1" strike="noStrike">
+              <a:rPr b="0" lang="es-CO" sz="4400" spc="-1" strike="noStrike">
                 <a:solidFill>
                   <a:srgbClr val="000000"/>
                 </a:solidFill>
@@ -4776,7 +5032,7 @@
               </a:rPr>
               <a:t>Pulse para editar el formato del texto de título</a:t>
             </a:r>
-            <a:endParaRPr b="0" lang="es-CO" sz="1800" spc="-1" strike="noStrike">
+            <a:endParaRPr b="0" lang="es-CO" sz="4400" spc="-1" strike="noStrike">
               <a:solidFill>
                 <a:srgbClr val="000000"/>
               </a:solidFill>
@@ -4787,7 +5043,7 @@
       </p:sp>
       <p:sp>
         <p:nvSpPr>
-          <p:cNvPr id="15" name="PlaceHolder 2"/>
+          <p:cNvPr id="24" name="PlaceHolder 2"/>
           <p:cNvSpPr>
             <a:spLocks noGrp="1"/>
           </p:cNvSpPr>
@@ -4798,7 +5054,7 @@
         <p:spPr>
           <a:xfrm>
             <a:off x="838080" y="1825560"/>
-            <a:ext cx="2527560" cy="4350240"/>
+            <a:ext cx="1232640" cy="4349880"/>
           </a:xfrm>
           <a:prstGeom prst="rect">
             <a:avLst/>
@@ -4810,7 +5066,7 @@
         </p:spPr>
         <p:txBody>
           <a:bodyPr lIns="0" rIns="0" tIns="0" bIns="0" anchor="t">
-            <a:normAutofit fontScale="25000" lnSpcReduction="10000"/>
+            <a:normAutofit fontScale="9374"/>
           </a:bodyPr>
           <a:p>
             <a:pPr marL="432000" indent="-324000">
@@ -4825,7 +5081,7 @@
               <a:buChar char=""/>
             </a:pPr>
             <a:r>
-              <a:rPr b="0" lang="es-CO" sz="1800" spc="-1" strike="noStrike">
+              <a:rPr b="0" lang="es-CO" sz="3200" spc="-1" strike="noStrike">
                 <a:solidFill>
                   <a:srgbClr val="000000"/>
                 </a:solidFill>
@@ -4833,7 +5089,7 @@
               </a:rPr>
               <a:t>Pulse para editar el formato de texto del esquema</a:t>
             </a:r>
-            <a:endParaRPr b="0" lang="es-CO" sz="1800" spc="-1" strike="noStrike">
+            <a:endParaRPr b="0" lang="es-CO" sz="3200" spc="-1" strike="noStrike">
               <a:solidFill>
                 <a:srgbClr val="000000"/>
               </a:solidFill>
@@ -4853,7 +5109,7 @@
               <a:buChar char=""/>
             </a:pPr>
             <a:r>
-              <a:rPr b="0" lang="es-CO" sz="1800" spc="-1" strike="noStrike">
+              <a:rPr b="0" lang="es-CO" sz="2800" spc="-1" strike="noStrike">
                 <a:solidFill>
                   <a:srgbClr val="000000"/>
                 </a:solidFill>
@@ -4861,7 +5117,7 @@
               </a:rPr>
               <a:t>Segundo nivel del esquema</a:t>
             </a:r>
-            <a:endParaRPr b="0" lang="es-CO" sz="1800" spc="-1" strike="noStrike">
+            <a:endParaRPr b="0" lang="es-CO" sz="2800" spc="-1" strike="noStrike">
               <a:solidFill>
                 <a:srgbClr val="000000"/>
               </a:solidFill>
@@ -4881,7 +5137,7 @@
               <a:buChar char=""/>
             </a:pPr>
             <a:r>
-              <a:rPr b="0" lang="es-CO" sz="1800" spc="-1" strike="noStrike">
+              <a:rPr b="0" lang="es-CO" sz="2400" spc="-1" strike="noStrike">
                 <a:solidFill>
                   <a:srgbClr val="000000"/>
                 </a:solidFill>
@@ -4889,7 +5145,7 @@
               </a:rPr>
               <a:t>Tercer nivel del esquema</a:t>
             </a:r>
-            <a:endParaRPr b="0" lang="es-CO" sz="1800" spc="-1" strike="noStrike">
+            <a:endParaRPr b="0" lang="es-CO" sz="2400" spc="-1" strike="noStrike">
               <a:solidFill>
                 <a:srgbClr val="000000"/>
               </a:solidFill>
@@ -4909,7 +5165,7 @@
               <a:buChar char=""/>
             </a:pPr>
             <a:r>
-              <a:rPr b="0" lang="es-CO" sz="1800" spc="-1" strike="noStrike">
+              <a:rPr b="0" lang="es-CO" sz="2000" spc="-1" strike="noStrike">
                 <a:solidFill>
                   <a:srgbClr val="000000"/>
                 </a:solidFill>
@@ -4917,7 +5173,7 @@
               </a:rPr>
               <a:t>Cuarto nivel del esquema</a:t>
             </a:r>
-            <a:endParaRPr b="0" lang="es-CO" sz="1800" spc="-1" strike="noStrike">
+            <a:endParaRPr b="0" lang="es-CO" sz="2000" spc="-1" strike="noStrike">
               <a:solidFill>
                 <a:srgbClr val="000000"/>
               </a:solidFill>
@@ -4937,7 +5193,7 @@
               <a:buChar char=""/>
             </a:pPr>
             <a:r>
-              <a:rPr b="0" lang="es-CO" sz="1800" spc="-1" strike="noStrike">
+              <a:rPr b="0" lang="es-CO" sz="2000" spc="-1" strike="noStrike">
                 <a:solidFill>
                   <a:srgbClr val="000000"/>
                 </a:solidFill>
@@ -4945,7 +5201,7 @@
               </a:rPr>
               <a:t>Quinto nivel del esquema</a:t>
             </a:r>
-            <a:endParaRPr b="0" lang="es-CO" sz="1800" spc="-1" strike="noStrike">
+            <a:endParaRPr b="0" lang="es-CO" sz="2000" spc="-1" strike="noStrike">
               <a:solidFill>
                 <a:srgbClr val="000000"/>
               </a:solidFill>
@@ -4965,7 +5221,7 @@
               <a:buChar char=""/>
             </a:pPr>
             <a:r>
-              <a:rPr b="0" lang="es-CO" sz="1800" spc="-1" strike="noStrike">
+              <a:rPr b="0" lang="es-CO" sz="2000" spc="-1" strike="noStrike">
                 <a:solidFill>
                   <a:srgbClr val="000000"/>
                 </a:solidFill>
@@ -4973,7 +5229,7 @@
               </a:rPr>
               <a:t>Sexto nivel del esquema</a:t>
             </a:r>
-            <a:endParaRPr b="0" lang="es-CO" sz="1800" spc="-1" strike="noStrike">
+            <a:endParaRPr b="0" lang="es-CO" sz="2000" spc="-1" strike="noStrike">
               <a:solidFill>
                 <a:srgbClr val="000000"/>
               </a:solidFill>
@@ -4993,7 +5249,7 @@
               <a:buChar char=""/>
             </a:pPr>
             <a:r>
-              <a:rPr b="0" lang="es-CO" sz="1800" spc="-1" strike="noStrike">
+              <a:rPr b="0" lang="es-CO" sz="2000" spc="-1" strike="noStrike">
                 <a:solidFill>
                   <a:srgbClr val="000000"/>
                 </a:solidFill>
@@ -5001,7 +5257,7 @@
               </a:rPr>
               <a:t>Séptimo nivel del esquema</a:t>
             </a:r>
-            <a:endParaRPr b="0" lang="es-CO" sz="1800" spc="-1" strike="noStrike">
+            <a:endParaRPr b="0" lang="es-CO" sz="2000" spc="-1" strike="noStrike">
               <a:solidFill>
                 <a:srgbClr val="000000"/>
               </a:solidFill>
@@ -5012,7 +5268,7 @@
       </p:sp>
       <p:sp>
         <p:nvSpPr>
-          <p:cNvPr id="16" name="PlaceHolder 3"/>
+          <p:cNvPr id="25" name="PlaceHolder 3"/>
           <p:cNvSpPr>
             <a:spLocks noGrp="1"/>
           </p:cNvSpPr>
@@ -5023,7 +5279,7 @@
         <p:spPr>
           <a:xfrm>
             <a:off x="4038480" y="6356520"/>
-            <a:ext cx="4113720" cy="363960"/>
+            <a:ext cx="4113360" cy="363600"/>
           </a:xfrm>
           <a:prstGeom prst="rect">
             <a:avLst/>
@@ -5084,7 +5340,7 @@
       </p:sp>
       <p:sp>
         <p:nvSpPr>
-          <p:cNvPr id="17" name="PlaceHolder 4"/>
+          <p:cNvPr id="26" name="PlaceHolder 4"/>
           <p:cNvSpPr>
             <a:spLocks noGrp="1"/>
           </p:cNvSpPr>
@@ -5095,7 +5351,7 @@
         <p:spPr>
           <a:xfrm>
             <a:off x="8610480" y="6356520"/>
-            <a:ext cx="2742120" cy="363960"/>
+            <a:ext cx="2741760" cy="363600"/>
           </a:xfrm>
           <a:prstGeom prst="rect">
             <a:avLst/>
@@ -5137,7 +5393,7 @@
                 <a:tab algn="l" pos="0"/>
               </a:tabLst>
             </a:pPr>
-            <a:fld id="{EBD453A2-17CA-4EF0-9893-62378110B933}" type="slidenum">
+            <a:fld id="{513408F4-F2D3-4CDE-8B54-465C69B6A5E0}" type="slidenum">
               <a:rPr b="0" lang="es-CO" sz="1200" spc="-1" strike="noStrike">
                 <a:solidFill>
                   <a:srgbClr val="888888"/>
@@ -5158,7 +5414,7 @@
       </p:sp>
       <p:sp>
         <p:nvSpPr>
-          <p:cNvPr id="18" name="PlaceHolder 5"/>
+          <p:cNvPr id="27" name="PlaceHolder 5"/>
           <p:cNvSpPr>
             <a:spLocks noGrp="1"/>
           </p:cNvSpPr>
@@ -5169,7 +5425,7 @@
         <p:spPr>
           <a:xfrm>
             <a:off x="838080" y="6356520"/>
-            <a:ext cx="2742120" cy="363960"/>
+            <a:ext cx="2741760" cy="363600"/>
           </a:xfrm>
           <a:prstGeom prst="rect">
             <a:avLst/>
@@ -5220,7 +5476,7 @@
   </p:cSld>
   <p:clrMap bg1="lt1" bg2="lt2" tx1="dk1" tx2="dk2" accent1="accent1" accent2="accent2" accent3="accent3" accent4="accent4" accent5="accent5" accent6="accent6" hlink="hlink" folHlink="folHlink"/>
   <p:sldLayoutIdLst>
-    <p:sldLayoutId id="2147483655" r:id="rId2"/>
+    <p:sldLayoutId id="2147483657" r:id="rId2"/>
   </p:sldLayoutIdLst>
 </p:sldMaster>
 </file>
@@ -5251,7 +5507,7 @@
       </p:grpSpPr>
       <p:sp>
         <p:nvSpPr>
-          <p:cNvPr id="21" name="PlaceHolder 1"/>
+          <p:cNvPr id="31" name="PlaceHolder 1"/>
           <p:cNvSpPr>
             <a:spLocks noGrp="1"/>
           </p:cNvSpPr>
@@ -5262,7 +5518,7 @@
         <p:spPr>
           <a:xfrm>
             <a:off x="4038480" y="6356520"/>
-            <a:ext cx="4113720" cy="363960"/>
+            <a:ext cx="4113360" cy="363600"/>
           </a:xfrm>
           <a:prstGeom prst="rect">
             <a:avLst/>
@@ -5323,7 +5579,7 @@
       </p:sp>
       <p:sp>
         <p:nvSpPr>
-          <p:cNvPr id="22" name="PlaceHolder 2"/>
+          <p:cNvPr id="32" name="PlaceHolder 2"/>
           <p:cNvSpPr>
             <a:spLocks noGrp="1"/>
           </p:cNvSpPr>
@@ -5334,7 +5590,7 @@
         <p:spPr>
           <a:xfrm>
             <a:off x="8610480" y="6356520"/>
-            <a:ext cx="2742120" cy="363960"/>
+            <a:ext cx="2741760" cy="363600"/>
           </a:xfrm>
           <a:prstGeom prst="rect">
             <a:avLst/>
@@ -5376,7 +5632,7 @@
                 <a:tab algn="l" pos="0"/>
               </a:tabLst>
             </a:pPr>
-            <a:fld id="{7D42DAB5-F564-419D-B84B-080B0C5B4EE4}" type="slidenum">
+            <a:fld id="{B3A6A8DB-A905-49EA-8A2B-CBB515E78464}" type="slidenum">
               <a:rPr b="0" lang="es-CO" sz="1200" spc="-1" strike="noStrike">
                 <a:solidFill>
                   <a:srgbClr val="888888"/>
@@ -5397,7 +5653,7 @@
       </p:sp>
       <p:sp>
         <p:nvSpPr>
-          <p:cNvPr id="23" name="PlaceHolder 3"/>
+          <p:cNvPr id="33" name="PlaceHolder 3"/>
           <p:cNvSpPr>
             <a:spLocks noGrp="1"/>
           </p:cNvSpPr>
@@ -5408,7 +5664,7 @@
         <p:spPr>
           <a:xfrm>
             <a:off x="838080" y="6356520"/>
-            <a:ext cx="2742120" cy="363960"/>
+            <a:ext cx="2741760" cy="363600"/>
           </a:xfrm>
           <a:prstGeom prst="rect">
             <a:avLst/>
@@ -5459,7 +5715,7 @@
   </p:cSld>
   <p:clrMap bg1="lt1" bg2="lt2" tx1="dk1" tx2="dk2" accent1="accent1" accent2="accent2" accent3="accent3" accent4="accent4" accent5="accent5" accent6="accent6" hlink="hlink" folHlink="folHlink"/>
   <p:sldLayoutIdLst>
-    <p:sldLayoutId id="2147483657" r:id="rId2"/>
+    <p:sldLayoutId id="2147483659" r:id="rId2"/>
   </p:sldLayoutIdLst>
 </p:sldMaster>
 </file>
@@ -5490,7 +5746,7 @@
       </p:grpSpPr>
       <p:sp>
         <p:nvSpPr>
-          <p:cNvPr id="24" name="PlaceHolder 1"/>
+          <p:cNvPr id="37" name="PlaceHolder 1"/>
           <p:cNvSpPr>
             <a:spLocks noGrp="1"/>
           </p:cNvSpPr>
@@ -5501,7 +5757,7 @@
         <p:spPr>
           <a:xfrm>
             <a:off x="838080" y="365040"/>
-            <a:ext cx="10514520" cy="1324440"/>
+            <a:ext cx="10514160" cy="1324080"/>
           </a:xfrm>
           <a:prstGeom prst="rect">
             <a:avLst/>
@@ -5516,11 +5772,11 @@
             <a:noAutofit/>
           </a:bodyPr>
           <a:p>
-            <a:pPr indent="0">
+            <a:pPr indent="0" algn="ctr">
               <a:buNone/>
             </a:pPr>
             <a:r>
-              <a:rPr b="0" lang="es-CO" sz="1800" spc="-1" strike="noStrike">
+              <a:rPr b="0" lang="es-CO" sz="4400" spc="-1" strike="noStrike">
                 <a:solidFill>
                   <a:srgbClr val="000000"/>
                 </a:solidFill>
@@ -5528,7 +5784,7 @@
               </a:rPr>
               <a:t>Pulse para editar el formato del texto de título</a:t>
             </a:r>
-            <a:endParaRPr b="0" lang="es-CO" sz="1800" spc="-1" strike="noStrike">
+            <a:endParaRPr b="0" lang="es-CO" sz="4400" spc="-1" strike="noStrike">
               <a:solidFill>
                 <a:srgbClr val="000000"/>
               </a:solidFill>
@@ -5539,7 +5795,7 @@
       </p:sp>
       <p:sp>
         <p:nvSpPr>
-          <p:cNvPr id="25" name="PlaceHolder 2"/>
+          <p:cNvPr id="38" name="PlaceHolder 2"/>
           <p:cNvSpPr>
             <a:spLocks noGrp="1"/>
           </p:cNvSpPr>
@@ -5550,7 +5806,7 @@
         <p:spPr>
           <a:xfrm>
             <a:off x="838080" y="1825560"/>
-            <a:ext cx="1233000" cy="4350240"/>
+            <a:ext cx="601200" cy="4349880"/>
           </a:xfrm>
           <a:prstGeom prst="rect">
             <a:avLst/>
@@ -5562,7 +5818,7 @@
         </p:spPr>
         <p:txBody>
           <a:bodyPr lIns="0" rIns="0" tIns="0" bIns="0" anchor="t">
-            <a:normAutofit fontScale="12222"/>
+            <a:normAutofit fontScale="7811" lnSpcReduction="10000"/>
           </a:bodyPr>
           <a:p>
             <a:pPr marL="432000" indent="-324000">
@@ -5577,7 +5833,7 @@
               <a:buChar char=""/>
             </a:pPr>
             <a:r>
-              <a:rPr b="0" lang="es-CO" sz="1800" spc="-1" strike="noStrike">
+              <a:rPr b="0" lang="es-CO" sz="3200" spc="-1" strike="noStrike">
                 <a:solidFill>
                   <a:srgbClr val="000000"/>
                 </a:solidFill>
@@ -5585,7 +5841,7 @@
               </a:rPr>
               <a:t>Pulse para editar el formato de texto del esquema</a:t>
             </a:r>
-            <a:endParaRPr b="0" lang="es-CO" sz="1800" spc="-1" strike="noStrike">
+            <a:endParaRPr b="0" lang="es-CO" sz="3200" spc="-1" strike="noStrike">
               <a:solidFill>
                 <a:srgbClr val="000000"/>
               </a:solidFill>
@@ -5605,7 +5861,7 @@
               <a:buChar char=""/>
             </a:pPr>
             <a:r>
-              <a:rPr b="0" lang="es-CO" sz="1800" spc="-1" strike="noStrike">
+              <a:rPr b="0" lang="es-CO" sz="2800" spc="-1" strike="noStrike">
                 <a:solidFill>
                   <a:srgbClr val="000000"/>
                 </a:solidFill>
@@ -5613,7 +5869,7 @@
               </a:rPr>
               <a:t>Segundo nivel del esquema</a:t>
             </a:r>
-            <a:endParaRPr b="0" lang="es-CO" sz="1800" spc="-1" strike="noStrike">
+            <a:endParaRPr b="0" lang="es-CO" sz="2800" spc="-1" strike="noStrike">
               <a:solidFill>
                 <a:srgbClr val="000000"/>
               </a:solidFill>
@@ -5633,7 +5889,7 @@
               <a:buChar char=""/>
             </a:pPr>
             <a:r>
-              <a:rPr b="0" lang="es-CO" sz="1800" spc="-1" strike="noStrike">
+              <a:rPr b="0" lang="es-CO" sz="2400" spc="-1" strike="noStrike">
                 <a:solidFill>
                   <a:srgbClr val="000000"/>
                 </a:solidFill>
@@ -5641,7 +5897,7 @@
               </a:rPr>
               <a:t>Tercer nivel del esquema</a:t>
             </a:r>
-            <a:endParaRPr b="0" lang="es-CO" sz="1800" spc="-1" strike="noStrike">
+            <a:endParaRPr b="0" lang="es-CO" sz="2400" spc="-1" strike="noStrike">
               <a:solidFill>
                 <a:srgbClr val="000000"/>
               </a:solidFill>
@@ -5661,7 +5917,7 @@
               <a:buChar char=""/>
             </a:pPr>
             <a:r>
-              <a:rPr b="0" lang="es-CO" sz="1800" spc="-1" strike="noStrike">
+              <a:rPr b="0" lang="es-CO" sz="2000" spc="-1" strike="noStrike">
                 <a:solidFill>
                   <a:srgbClr val="000000"/>
                 </a:solidFill>
@@ -5669,7 +5925,7 @@
               </a:rPr>
               <a:t>Cuarto nivel del esquema</a:t>
             </a:r>
-            <a:endParaRPr b="0" lang="es-CO" sz="1800" spc="-1" strike="noStrike">
+            <a:endParaRPr b="0" lang="es-CO" sz="2000" spc="-1" strike="noStrike">
               <a:solidFill>
                 <a:srgbClr val="000000"/>
               </a:solidFill>
@@ -5689,7 +5945,7 @@
               <a:buChar char=""/>
             </a:pPr>
             <a:r>
-              <a:rPr b="0" lang="es-CO" sz="1800" spc="-1" strike="noStrike">
+              <a:rPr b="0" lang="es-CO" sz="2000" spc="-1" strike="noStrike">
                 <a:solidFill>
                   <a:srgbClr val="000000"/>
                 </a:solidFill>
@@ -5697,7 +5953,7 @@
               </a:rPr>
               <a:t>Quinto nivel del esquema</a:t>
             </a:r>
-            <a:endParaRPr b="0" lang="es-CO" sz="1800" spc="-1" strike="noStrike">
+            <a:endParaRPr b="0" lang="es-CO" sz="2000" spc="-1" strike="noStrike">
               <a:solidFill>
                 <a:srgbClr val="000000"/>
               </a:solidFill>
@@ -5717,7 +5973,7 @@
               <a:buChar char=""/>
             </a:pPr>
             <a:r>
-              <a:rPr b="0" lang="es-CO" sz="1800" spc="-1" strike="noStrike">
+              <a:rPr b="0" lang="es-CO" sz="2000" spc="-1" strike="noStrike">
                 <a:solidFill>
                   <a:srgbClr val="000000"/>
                 </a:solidFill>
@@ -5725,7 +5981,7 @@
               </a:rPr>
               <a:t>Sexto nivel del esquema</a:t>
             </a:r>
-            <a:endParaRPr b="0" lang="es-CO" sz="1800" spc="-1" strike="noStrike">
+            <a:endParaRPr b="0" lang="es-CO" sz="2000" spc="-1" strike="noStrike">
               <a:solidFill>
                 <a:srgbClr val="000000"/>
               </a:solidFill>
@@ -5745,7 +6001,7 @@
               <a:buChar char=""/>
             </a:pPr>
             <a:r>
-              <a:rPr b="0" lang="es-CO" sz="1800" spc="-1" strike="noStrike">
+              <a:rPr b="0" lang="es-CO" sz="2000" spc="-1" strike="noStrike">
                 <a:solidFill>
                   <a:srgbClr val="000000"/>
                 </a:solidFill>
@@ -5753,7 +6009,7 @@
               </a:rPr>
               <a:t>Séptimo nivel del esquema</a:t>
             </a:r>
-            <a:endParaRPr b="0" lang="es-CO" sz="1800" spc="-1" strike="noStrike">
+            <a:endParaRPr b="0" lang="es-CO" sz="2000" spc="-1" strike="noStrike">
               <a:solidFill>
                 <a:srgbClr val="000000"/>
               </a:solidFill>
@@ -5764,7 +6020,7 @@
       </p:sp>
       <p:sp>
         <p:nvSpPr>
-          <p:cNvPr id="26" name="PlaceHolder 3"/>
+          <p:cNvPr id="39" name="PlaceHolder 3"/>
           <p:cNvSpPr>
             <a:spLocks noGrp="1"/>
           </p:cNvSpPr>
@@ -5774,8 +6030,8 @@
         </p:nvSpPr>
         <p:spPr>
           <a:xfrm>
-            <a:off x="2133360" y="1825560"/>
-            <a:ext cx="1233000" cy="4350240"/>
+            <a:off x="1470240" y="1825560"/>
+            <a:ext cx="601200" cy="4349880"/>
           </a:xfrm>
           <a:prstGeom prst="rect">
             <a:avLst/>
@@ -5787,7 +6043,7 @@
         </p:spPr>
         <p:txBody>
           <a:bodyPr lIns="0" rIns="0" tIns="0" bIns="0" anchor="t">
-            <a:normAutofit fontScale="12222"/>
+            <a:normAutofit fontScale="7811" lnSpcReduction="10000"/>
           </a:bodyPr>
           <a:p>
             <a:pPr marL="432000" indent="-324000">
@@ -5802,7 +6058,7 @@
               <a:buChar char=""/>
             </a:pPr>
             <a:r>
-              <a:rPr b="0" lang="es-CO" sz="1800" spc="-1" strike="noStrike">
+              <a:rPr b="0" lang="es-CO" sz="3200" spc="-1" strike="noStrike">
                 <a:solidFill>
                   <a:srgbClr val="000000"/>
                 </a:solidFill>
@@ -5810,7 +6066,7 @@
               </a:rPr>
               <a:t>Pulse para editar el formato de texto del esquema</a:t>
             </a:r>
-            <a:endParaRPr b="0" lang="es-CO" sz="1800" spc="-1" strike="noStrike">
+            <a:endParaRPr b="0" lang="es-CO" sz="3200" spc="-1" strike="noStrike">
               <a:solidFill>
                 <a:srgbClr val="000000"/>
               </a:solidFill>
@@ -5830,7 +6086,7 @@
               <a:buChar char=""/>
             </a:pPr>
             <a:r>
-              <a:rPr b="0" lang="es-CO" sz="1800" spc="-1" strike="noStrike">
+              <a:rPr b="0" lang="es-CO" sz="2800" spc="-1" strike="noStrike">
                 <a:solidFill>
                   <a:srgbClr val="000000"/>
                 </a:solidFill>
@@ -5838,7 +6094,7 @@
               </a:rPr>
               <a:t>Segundo nivel del esquema</a:t>
             </a:r>
-            <a:endParaRPr b="0" lang="es-CO" sz="1800" spc="-1" strike="noStrike">
+            <a:endParaRPr b="0" lang="es-CO" sz="2800" spc="-1" strike="noStrike">
               <a:solidFill>
                 <a:srgbClr val="000000"/>
               </a:solidFill>
@@ -5858,7 +6114,7 @@
               <a:buChar char=""/>
             </a:pPr>
             <a:r>
-              <a:rPr b="0" lang="es-CO" sz="1800" spc="-1" strike="noStrike">
+              <a:rPr b="0" lang="es-CO" sz="2400" spc="-1" strike="noStrike">
                 <a:solidFill>
                   <a:srgbClr val="000000"/>
                 </a:solidFill>
@@ -5866,7 +6122,7 @@
               </a:rPr>
               <a:t>Tercer nivel del esquema</a:t>
             </a:r>
-            <a:endParaRPr b="0" lang="es-CO" sz="1800" spc="-1" strike="noStrike">
+            <a:endParaRPr b="0" lang="es-CO" sz="2400" spc="-1" strike="noStrike">
               <a:solidFill>
                 <a:srgbClr val="000000"/>
               </a:solidFill>
@@ -5886,7 +6142,7 @@
               <a:buChar char=""/>
             </a:pPr>
             <a:r>
-              <a:rPr b="0" lang="es-CO" sz="1800" spc="-1" strike="noStrike">
+              <a:rPr b="0" lang="es-CO" sz="2000" spc="-1" strike="noStrike">
                 <a:solidFill>
                   <a:srgbClr val="000000"/>
                 </a:solidFill>
@@ -5894,7 +6150,7 @@
               </a:rPr>
               <a:t>Cuarto nivel del esquema</a:t>
             </a:r>
-            <a:endParaRPr b="0" lang="es-CO" sz="1800" spc="-1" strike="noStrike">
+            <a:endParaRPr b="0" lang="es-CO" sz="2000" spc="-1" strike="noStrike">
               <a:solidFill>
                 <a:srgbClr val="000000"/>
               </a:solidFill>
@@ -5914,7 +6170,7 @@
               <a:buChar char=""/>
             </a:pPr>
             <a:r>
-              <a:rPr b="0" lang="es-CO" sz="1800" spc="-1" strike="noStrike">
+              <a:rPr b="0" lang="es-CO" sz="2000" spc="-1" strike="noStrike">
                 <a:solidFill>
                   <a:srgbClr val="000000"/>
                 </a:solidFill>
@@ -5922,7 +6178,7 @@
               </a:rPr>
               <a:t>Quinto nivel del esquema</a:t>
             </a:r>
-            <a:endParaRPr b="0" lang="es-CO" sz="1800" spc="-1" strike="noStrike">
+            <a:endParaRPr b="0" lang="es-CO" sz="2000" spc="-1" strike="noStrike">
               <a:solidFill>
                 <a:srgbClr val="000000"/>
               </a:solidFill>
@@ -5942,7 +6198,7 @@
               <a:buChar char=""/>
             </a:pPr>
             <a:r>
-              <a:rPr b="0" lang="es-CO" sz="1800" spc="-1" strike="noStrike">
+              <a:rPr b="0" lang="es-CO" sz="2000" spc="-1" strike="noStrike">
                 <a:solidFill>
                   <a:srgbClr val="000000"/>
                 </a:solidFill>
@@ -5950,7 +6206,7 @@
               </a:rPr>
               <a:t>Sexto nivel del esquema</a:t>
             </a:r>
-            <a:endParaRPr b="0" lang="es-CO" sz="1800" spc="-1" strike="noStrike">
+            <a:endParaRPr b="0" lang="es-CO" sz="2000" spc="-1" strike="noStrike">
               <a:solidFill>
                 <a:srgbClr val="000000"/>
               </a:solidFill>
@@ -5970,7 +6226,7 @@
               <a:buChar char=""/>
             </a:pPr>
             <a:r>
-              <a:rPr b="0" lang="es-CO" sz="1800" spc="-1" strike="noStrike">
+              <a:rPr b="0" lang="es-CO" sz="2000" spc="-1" strike="noStrike">
                 <a:solidFill>
                   <a:srgbClr val="000000"/>
                 </a:solidFill>
@@ -5978,7 +6234,7 @@
               </a:rPr>
               <a:t>Séptimo nivel del esquema</a:t>
             </a:r>
-            <a:endParaRPr b="0" lang="es-CO" sz="1800" spc="-1" strike="noStrike">
+            <a:endParaRPr b="0" lang="es-CO" sz="2000" spc="-1" strike="noStrike">
               <a:solidFill>
                 <a:srgbClr val="000000"/>
               </a:solidFill>
@@ -5989,7 +6245,7 @@
       </p:sp>
       <p:sp>
         <p:nvSpPr>
-          <p:cNvPr id="27" name="PlaceHolder 4"/>
+          <p:cNvPr id="40" name="PlaceHolder 4"/>
           <p:cNvSpPr>
             <a:spLocks noGrp="1"/>
           </p:cNvSpPr>
@@ -6000,7 +6256,7 @@
         <p:spPr>
           <a:xfrm>
             <a:off x="4038480" y="6356520"/>
-            <a:ext cx="4113720" cy="363960"/>
+            <a:ext cx="4113360" cy="363600"/>
           </a:xfrm>
           <a:prstGeom prst="rect">
             <a:avLst/>
@@ -6061,7 +6317,7 @@
       </p:sp>
       <p:sp>
         <p:nvSpPr>
-          <p:cNvPr id="28" name="PlaceHolder 5"/>
+          <p:cNvPr id="41" name="PlaceHolder 5"/>
           <p:cNvSpPr>
             <a:spLocks noGrp="1"/>
           </p:cNvSpPr>
@@ -6072,7 +6328,7 @@
         <p:spPr>
           <a:xfrm>
             <a:off x="8610480" y="6356520"/>
-            <a:ext cx="2742120" cy="363960"/>
+            <a:ext cx="2741760" cy="363600"/>
           </a:xfrm>
           <a:prstGeom prst="rect">
             <a:avLst/>
@@ -6114,7 +6370,7 @@
                 <a:tab algn="l" pos="0"/>
               </a:tabLst>
             </a:pPr>
-            <a:fld id="{30DA4B78-4D3D-4634-B34F-2E429C742F72}" type="slidenum">
+            <a:fld id="{2D139368-EBB6-46DE-BEA7-F91260319DED}" type="slidenum">
               <a:rPr b="0" lang="es-CO" sz="1200" spc="-1" strike="noStrike">
                 <a:solidFill>
                   <a:srgbClr val="888888"/>
@@ -6135,7 +6391,7 @@
       </p:sp>
       <p:sp>
         <p:nvSpPr>
-          <p:cNvPr id="29" name="PlaceHolder 6"/>
+          <p:cNvPr id="42" name="PlaceHolder 6"/>
           <p:cNvSpPr>
             <a:spLocks noGrp="1"/>
           </p:cNvSpPr>
@@ -6146,7 +6402,7 @@
         <p:spPr>
           <a:xfrm>
             <a:off x="838080" y="6356520"/>
-            <a:ext cx="2742120" cy="363960"/>
+            <a:ext cx="2741760" cy="363600"/>
           </a:xfrm>
           <a:prstGeom prst="rect">
             <a:avLst/>
@@ -6197,7 +6453,7 @@
   </p:cSld>
   <p:clrMap bg1="lt1" bg2="lt2" tx1="dk1" tx2="dk2" accent1="accent1" accent2="accent2" accent3="accent3" accent4="accent4" accent5="accent5" accent6="accent6" hlink="hlink" folHlink="folHlink"/>
   <p:sldLayoutIdLst>
-    <p:sldLayoutId id="2147483659" r:id="rId2"/>
+    <p:sldLayoutId id="2147483661" r:id="rId2"/>
   </p:sldLayoutIdLst>
 </p:sldMaster>
 </file>
@@ -6228,7 +6484,7 @@
       </p:grpSpPr>
       <p:sp>
         <p:nvSpPr>
-          <p:cNvPr id="33" name="PlaceHolder 1"/>
+          <p:cNvPr id="46" name="PlaceHolder 1"/>
           <p:cNvSpPr>
             <a:spLocks noGrp="1"/>
           </p:cNvSpPr>
@@ -6239,7 +6495,7 @@
         <p:spPr>
           <a:xfrm>
             <a:off x="4038480" y="6356520"/>
-            <a:ext cx="4113720" cy="363960"/>
+            <a:ext cx="4113360" cy="363600"/>
           </a:xfrm>
           <a:prstGeom prst="rect">
             <a:avLst/>
@@ -6300,7 +6556,7 @@
       </p:sp>
       <p:sp>
         <p:nvSpPr>
-          <p:cNvPr id="34" name="PlaceHolder 2"/>
+          <p:cNvPr id="47" name="PlaceHolder 2"/>
           <p:cNvSpPr>
             <a:spLocks noGrp="1"/>
           </p:cNvSpPr>
@@ -6311,7 +6567,7 @@
         <p:spPr>
           <a:xfrm>
             <a:off x="8610480" y="6356520"/>
-            <a:ext cx="2742120" cy="363960"/>
+            <a:ext cx="2741760" cy="363600"/>
           </a:xfrm>
           <a:prstGeom prst="rect">
             <a:avLst/>
@@ -6353,7 +6609,7 @@
                 <a:tab algn="l" pos="0"/>
               </a:tabLst>
             </a:pPr>
-            <a:fld id="{DF6B3E62-7E6D-48B9-857D-29C0FD8903EE}" type="slidenum">
+            <a:fld id="{F5DD1FE2-25DE-4E72-A470-5CD9BE79D5CD}" type="slidenum">
               <a:rPr b="0" lang="es-CO" sz="1200" spc="-1" strike="noStrike">
                 <a:solidFill>
                   <a:srgbClr val="888888"/>
@@ -6374,7 +6630,7 @@
       </p:sp>
       <p:sp>
         <p:nvSpPr>
-          <p:cNvPr id="35" name="PlaceHolder 3"/>
+          <p:cNvPr id="48" name="PlaceHolder 3"/>
           <p:cNvSpPr>
             <a:spLocks noGrp="1"/>
           </p:cNvSpPr>
@@ -6385,7 +6641,7 @@
         <p:spPr>
           <a:xfrm>
             <a:off x="838080" y="6356520"/>
-            <a:ext cx="2742120" cy="363960"/>
+            <a:ext cx="2741760" cy="363600"/>
           </a:xfrm>
           <a:prstGeom prst="rect">
             <a:avLst/>
@@ -6435,9 +6691,7 @@
     </p:spTree>
   </p:cSld>
   <p:clrMap bg1="lt1" bg2="lt2" tx1="dk1" tx2="dk2" accent1="accent1" accent2="accent2" accent3="accent3" accent4="accent4" accent5="accent5" accent6="accent6" hlink="hlink" folHlink="folHlink"/>
-  <p:sldLayoutIdLst>
-    <p:sldLayoutId id="2147483661" r:id="rId2"/>
-  </p:sldLayoutIdLst>
+  <p:sldLayoutIdLst/>
 </p:sldMaster>
 </file>
 
@@ -6467,7 +6721,7 @@
       </p:grpSpPr>
       <p:sp>
         <p:nvSpPr>
-          <p:cNvPr id="36" name="PlaceHolder 1"/>
+          <p:cNvPr id="49" name="PlaceHolder 1"/>
           <p:cNvSpPr>
             <a:spLocks noGrp="1"/>
           </p:cNvSpPr>
@@ -6478,7 +6732,7 @@
         <p:spPr>
           <a:xfrm>
             <a:off x="838080" y="365040"/>
-            <a:ext cx="10514520" cy="1324440"/>
+            <a:ext cx="10514160" cy="1324080"/>
           </a:xfrm>
           <a:prstGeom prst="rect">
             <a:avLst/>
@@ -6493,11 +6747,11 @@
             <a:noAutofit/>
           </a:bodyPr>
           <a:p>
-            <a:pPr indent="0">
+            <a:pPr indent="0" algn="ctr">
               <a:buNone/>
             </a:pPr>
             <a:r>
-              <a:rPr b="0" lang="es-CO" sz="1800" spc="-1" strike="noStrike">
+              <a:rPr b="0" lang="es-CO" sz="4400" spc="-1" strike="noStrike">
                 <a:solidFill>
                   <a:srgbClr val="000000"/>
                 </a:solidFill>
@@ -6505,7 +6759,7 @@
               </a:rPr>
               <a:t>Pulse para editar el formato del texto de título</a:t>
             </a:r>
-            <a:endParaRPr b="0" lang="es-CO" sz="1800" spc="-1" strike="noStrike">
+            <a:endParaRPr b="0" lang="es-CO" sz="4400" spc="-1" strike="noStrike">
               <a:solidFill>
                 <a:srgbClr val="000000"/>
               </a:solidFill>
@@ -6516,7 +6770,7 @@
       </p:sp>
       <p:sp>
         <p:nvSpPr>
-          <p:cNvPr id="37" name="PlaceHolder 2"/>
+          <p:cNvPr id="50" name="PlaceHolder 2"/>
           <p:cNvSpPr>
             <a:spLocks noGrp="1"/>
           </p:cNvSpPr>
@@ -6527,7 +6781,7 @@
         <p:spPr>
           <a:xfrm>
             <a:off x="4038480" y="6356520"/>
-            <a:ext cx="4113720" cy="363960"/>
+            <a:ext cx="4113360" cy="363600"/>
           </a:xfrm>
           <a:prstGeom prst="rect">
             <a:avLst/>
@@ -6588,7 +6842,7 @@
       </p:sp>
       <p:sp>
         <p:nvSpPr>
-          <p:cNvPr id="38" name="PlaceHolder 3"/>
+          <p:cNvPr id="51" name="PlaceHolder 3"/>
           <p:cNvSpPr>
             <a:spLocks noGrp="1"/>
           </p:cNvSpPr>
@@ -6599,7 +6853,7 @@
         <p:spPr>
           <a:xfrm>
             <a:off x="8610480" y="6356520"/>
-            <a:ext cx="2742120" cy="363960"/>
+            <a:ext cx="2741760" cy="363600"/>
           </a:xfrm>
           <a:prstGeom prst="rect">
             <a:avLst/>
@@ -6641,7 +6895,7 @@
                 <a:tab algn="l" pos="0"/>
               </a:tabLst>
             </a:pPr>
-            <a:fld id="{ABDD29C0-7400-4574-A0B1-807DD63CE6E7}" type="slidenum">
+            <a:fld id="{59043B6B-B2FF-4471-9190-3B5F0E44AC0D}" type="slidenum">
               <a:rPr b="0" lang="es-CO" sz="1200" spc="-1" strike="noStrike">
                 <a:solidFill>
                   <a:srgbClr val="888888"/>
@@ -6662,7 +6916,7 @@
       </p:sp>
       <p:sp>
         <p:nvSpPr>
-          <p:cNvPr id="39" name="PlaceHolder 4"/>
+          <p:cNvPr id="52" name="PlaceHolder 4"/>
           <p:cNvSpPr>
             <a:spLocks noGrp="1"/>
           </p:cNvSpPr>
@@ -6673,7 +6927,7 @@
         <p:spPr>
           <a:xfrm>
             <a:off x="838080" y="6356520"/>
-            <a:ext cx="2742120" cy="363960"/>
+            <a:ext cx="2741760" cy="363600"/>
           </a:xfrm>
           <a:prstGeom prst="rect">
             <a:avLst/>
@@ -6723,9 +6977,7 @@
     </p:spTree>
   </p:cSld>
   <p:clrMap bg1="lt1" bg2="lt2" tx1="dk1" tx2="dk2" accent1="accent1" accent2="accent2" accent3="accent3" accent4="accent4" accent5="accent5" accent6="accent6" hlink="hlink" folHlink="folHlink"/>
-  <p:sldLayoutIdLst>
-    <p:sldLayoutId id="2147483663" r:id="rId2"/>
-  </p:sldLayoutIdLst>
+  <p:sldLayoutIdLst/>
 </p:sldMaster>
 </file>
 
@@ -6755,7 +7007,7 @@
       </p:grpSpPr>
       <p:sp>
         <p:nvSpPr>
-          <p:cNvPr id="41" name="PlaceHolder 1"/>
+          <p:cNvPr id="53" name="PlaceHolder 1"/>
           <p:cNvSpPr>
             <a:spLocks noGrp="1"/>
           </p:cNvSpPr>
@@ -6766,7 +7018,7 @@
         <p:spPr>
           <a:xfrm>
             <a:off x="4038480" y="6356520"/>
-            <a:ext cx="4113720" cy="363960"/>
+            <a:ext cx="4113360" cy="363600"/>
           </a:xfrm>
           <a:prstGeom prst="rect">
             <a:avLst/>
@@ -6827,7 +7079,7 @@
       </p:sp>
       <p:sp>
         <p:nvSpPr>
-          <p:cNvPr id="42" name="PlaceHolder 2"/>
+          <p:cNvPr id="54" name="PlaceHolder 2"/>
           <p:cNvSpPr>
             <a:spLocks noGrp="1"/>
           </p:cNvSpPr>
@@ -6838,7 +7090,7 @@
         <p:spPr>
           <a:xfrm>
             <a:off x="8610480" y="6356520"/>
-            <a:ext cx="2742120" cy="363960"/>
+            <a:ext cx="2741760" cy="363600"/>
           </a:xfrm>
           <a:prstGeom prst="rect">
             <a:avLst/>
@@ -6880,7 +7132,7 @@
                 <a:tab algn="l" pos="0"/>
               </a:tabLst>
             </a:pPr>
-            <a:fld id="{20BCDE0A-C10C-4058-AB47-84A3F1875FF2}" type="slidenum">
+            <a:fld id="{529A37C1-8897-45DA-A4E3-A0D485D1AA62}" type="slidenum">
               <a:rPr b="0" lang="es-CO" sz="1200" spc="-1" strike="noStrike">
                 <a:solidFill>
                   <a:srgbClr val="888888"/>
@@ -6901,7 +7153,7 @@
       </p:sp>
       <p:sp>
         <p:nvSpPr>
-          <p:cNvPr id="43" name="PlaceHolder 3"/>
+          <p:cNvPr id="55" name="PlaceHolder 3"/>
           <p:cNvSpPr>
             <a:spLocks noGrp="1"/>
           </p:cNvSpPr>
@@ -6912,7 +7164,7 @@
         <p:spPr>
           <a:xfrm>
             <a:off x="838080" y="6356520"/>
-            <a:ext cx="2742120" cy="363960"/>
+            <a:ext cx="2741760" cy="363600"/>
           </a:xfrm>
           <a:prstGeom prst="rect">
             <a:avLst/>
@@ -6962,9 +7214,7 @@
     </p:spTree>
   </p:cSld>
   <p:clrMap bg1="lt1" bg2="lt2" tx1="dk1" tx2="dk2" accent1="accent1" accent2="accent2" accent3="accent3" accent4="accent4" accent5="accent5" accent6="accent6" hlink="hlink" folHlink="folHlink"/>
-  <p:sldLayoutIdLst>
-    <p:sldLayoutId id="2147483665" r:id="rId2"/>
-  </p:sldLayoutIdLst>
+  <p:sldLayoutIdLst/>
 </p:sldMaster>
 </file>
 
@@ -6987,21 +7237,21 @@
       </p:grpSpPr>
       <p:grpSp>
         <p:nvGrpSpPr>
-          <p:cNvPr id="56" name="Google Shape;89;g1f213c8c16b_0_0"/>
+          <p:cNvPr id="68" name="Google Shape;89;g1f213c8c16b_0_0"/>
           <p:cNvGrpSpPr/>
           <p:nvPr/>
         </p:nvGrpSpPr>
         <p:grpSpPr>
           <a:xfrm>
             <a:off x="0" y="0"/>
-            <a:ext cx="12191040" cy="6856920"/>
+            <a:ext cx="12190680" cy="6856560"/>
             <a:chOff x="0" y="0"/>
-            <a:chExt cx="12191040" cy="6856920"/>
+            <a:chExt cx="12190680" cy="6856560"/>
           </a:xfrm>
         </p:grpSpPr>
         <p:pic>
           <p:nvPicPr>
-            <p:cNvPr id="57" name="Google Shape;90;g1f213c8c16b_0_0" descr=""/>
+            <p:cNvPr id="69" name="Google Shape;90;g1f213c8c16b_0_0" descr=""/>
             <p:cNvPicPr/>
             <p:nvPr/>
           </p:nvPicPr>
@@ -7013,7 +7263,7 @@
           <p:spPr>
             <a:xfrm>
               <a:off x="0" y="0"/>
-              <a:ext cx="12191040" cy="6856920"/>
+              <a:ext cx="12190680" cy="6856560"/>
             </a:xfrm>
             <a:prstGeom prst="rect">
               <a:avLst/>
@@ -7025,7 +7275,7 @@
         </p:pic>
         <p:pic>
           <p:nvPicPr>
-            <p:cNvPr id="58" name="Google Shape;91;g1f213c8c16b_0_0" descr=""/>
+            <p:cNvPr id="70" name="Google Shape;91;g1f213c8c16b_0_0" descr=""/>
             <p:cNvPicPr/>
             <p:nvPr/>
           </p:nvPicPr>
@@ -7036,7 +7286,7 @@
           <p:spPr>
             <a:xfrm>
               <a:off x="0" y="0"/>
-              <a:ext cx="12191040" cy="6856920"/>
+              <a:ext cx="12190680" cy="6856560"/>
             </a:xfrm>
             <a:prstGeom prst="rect">
               <a:avLst/>
@@ -7049,7 +7299,7 @@
       </p:grpSp>
       <p:pic>
         <p:nvPicPr>
-          <p:cNvPr id="59" name="Google Shape;92;g1f213c8c16b_0_0" descr=""/>
+          <p:cNvPr id="71" name="Google Shape;92;g1f213c8c16b_0_0" descr=""/>
           <p:cNvPicPr/>
           <p:nvPr/>
         </p:nvPicPr>
@@ -7060,7 +7310,7 @@
         <p:spPr>
           <a:xfrm>
             <a:off x="4219200" y="647640"/>
-            <a:ext cx="3753000" cy="1797840"/>
+            <a:ext cx="3752640" cy="1797480"/>
           </a:xfrm>
           <a:prstGeom prst="rect">
             <a:avLst/>
@@ -7072,14 +7322,14 @@
       </p:pic>
       <p:sp>
         <p:nvSpPr>
-          <p:cNvPr id="60" name="Google Shape;93;g1f213c8c16b_0_0"/>
+          <p:cNvPr id="72" name="Google Shape;93;g1f213c8c16b_0_0"/>
           <p:cNvSpPr/>
           <p:nvPr/>
         </p:nvSpPr>
         <p:spPr>
           <a:xfrm>
             <a:off x="2158560" y="2392560"/>
-            <a:ext cx="7873560" cy="1156320"/>
+            <a:ext cx="7873200" cy="1157040"/>
           </a:xfrm>
           <a:prstGeom prst="rect">
             <a:avLst/>
@@ -7129,14 +7379,14 @@
       </p:sp>
       <p:sp>
         <p:nvSpPr>
-          <p:cNvPr id="61" name="Google Shape;94;g1f213c8c16b_0_0"/>
+          <p:cNvPr id="73" name="Google Shape;94;g1f213c8c16b_0_0"/>
           <p:cNvSpPr/>
           <p:nvPr/>
         </p:nvSpPr>
         <p:spPr>
           <a:xfrm>
             <a:off x="2185200" y="3582000"/>
-            <a:ext cx="7873560" cy="699120"/>
+            <a:ext cx="7873200" cy="699840"/>
           </a:xfrm>
           <a:prstGeom prst="rect">
             <a:avLst/>
@@ -7196,7 +7446,7 @@
       </p:sp>
       <p:pic>
         <p:nvPicPr>
-          <p:cNvPr id="62" name="Google Shape;95;g1f213c8c16b_0_0" descr=""/>
+          <p:cNvPr id="74" name="Google Shape;95;g1f213c8c16b_0_0" descr=""/>
           <p:cNvPicPr/>
           <p:nvPr/>
         </p:nvPicPr>
@@ -7207,7 +7457,7 @@
         <p:spPr>
           <a:xfrm>
             <a:off x="9712800" y="5933520"/>
-            <a:ext cx="2163960" cy="668520"/>
+            <a:ext cx="2163600" cy="668160"/>
           </a:xfrm>
           <a:prstGeom prst="rect">
             <a:avLst/>
@@ -7219,21 +7469,21 @@
       </p:pic>
       <p:grpSp>
         <p:nvGrpSpPr>
-          <p:cNvPr id="63" name="Google Shape;96;g1f213c8c16b_0_0"/>
+          <p:cNvPr id="75" name="Google Shape;96;g1f213c8c16b_0_0"/>
           <p:cNvGrpSpPr/>
           <p:nvPr/>
         </p:nvGrpSpPr>
         <p:grpSpPr>
           <a:xfrm>
             <a:off x="626400" y="254520"/>
-            <a:ext cx="11250360" cy="982080"/>
+            <a:ext cx="11250000" cy="981720"/>
             <a:chOff x="626400" y="254520"/>
-            <a:chExt cx="11250360" cy="982080"/>
+            <a:chExt cx="11250000" cy="981720"/>
           </a:xfrm>
         </p:grpSpPr>
         <p:pic>
           <p:nvPicPr>
-            <p:cNvPr id="64" name="Google Shape;97;g1f213c8c16b_0_0" descr=""/>
+            <p:cNvPr id="76" name="Google Shape;97;g1f213c8c16b_0_0" descr=""/>
             <p:cNvPicPr/>
             <p:nvPr/>
           </p:nvPicPr>
@@ -7244,7 +7494,7 @@
           <p:spPr>
             <a:xfrm>
               <a:off x="10059840" y="254520"/>
-              <a:ext cx="1816920" cy="982080"/>
+              <a:ext cx="1816560" cy="981720"/>
             </a:xfrm>
             <a:prstGeom prst="rect">
               <a:avLst/>
@@ -7256,7 +7506,7 @@
         </p:pic>
         <p:pic>
           <p:nvPicPr>
-            <p:cNvPr id="65" name="Google Shape;98;g1f213c8c16b_0_0" descr=""/>
+            <p:cNvPr id="77" name="Google Shape;98;g1f213c8c16b_0_0" descr=""/>
             <p:cNvPicPr/>
             <p:nvPr/>
           </p:nvPicPr>
@@ -7267,7 +7517,7 @@
           <p:spPr>
             <a:xfrm>
               <a:off x="626400" y="484200"/>
-              <a:ext cx="1504800" cy="523440"/>
+              <a:ext cx="1504440" cy="523080"/>
             </a:xfrm>
             <a:prstGeom prst="rect">
               <a:avLst/>
@@ -7280,14 +7530,14 @@
       </p:grpSp>
       <p:sp>
         <p:nvSpPr>
-          <p:cNvPr id="66" name="Google Shape;99;g1f213c8c16b_0_0"/>
+          <p:cNvPr id="78" name="Google Shape;99;g1f213c8c16b_0_0"/>
           <p:cNvSpPr/>
           <p:nvPr/>
         </p:nvSpPr>
         <p:spPr>
           <a:xfrm>
             <a:off x="4545360" y="4447800"/>
-            <a:ext cx="2818800" cy="922320"/>
+            <a:ext cx="2818440" cy="921960"/>
           </a:xfrm>
           <a:prstGeom prst="rect">
             <a:avLst/>
@@ -7419,21 +7669,21 @@
       </p:grpSpPr>
       <p:grpSp>
         <p:nvGrpSpPr>
-          <p:cNvPr id="146" name="Google Shape;132;g1f213c8c16b_0_ 7"/>
+          <p:cNvPr id="158" name="Google Shape;132;g1f213c8c16b_0_ 7"/>
           <p:cNvGrpSpPr/>
           <p:nvPr/>
         </p:nvGrpSpPr>
         <p:grpSpPr>
           <a:xfrm>
             <a:off x="0" y="0"/>
-            <a:ext cx="12191040" cy="6856920"/>
+            <a:ext cx="12190680" cy="6856560"/>
             <a:chOff x="0" y="0"/>
-            <a:chExt cx="12191040" cy="6856920"/>
+            <a:chExt cx="12190680" cy="6856560"/>
           </a:xfrm>
         </p:grpSpPr>
         <p:pic>
           <p:nvPicPr>
-            <p:cNvPr id="147" name="Google Shape;133;g1f213c8c16b_0_ 7" descr=""/>
+            <p:cNvPr id="159" name="Google Shape;133;g1f213c8c16b_0_ 7" descr=""/>
             <p:cNvPicPr/>
             <p:nvPr/>
           </p:nvPicPr>
@@ -7445,7 +7695,7 @@
           <p:spPr>
             <a:xfrm>
               <a:off x="0" y="0"/>
-              <a:ext cx="12191040" cy="6856920"/>
+              <a:ext cx="12190680" cy="6856560"/>
             </a:xfrm>
             <a:prstGeom prst="rect">
               <a:avLst/>
@@ -7457,7 +7707,7 @@
         </p:pic>
         <p:pic>
           <p:nvPicPr>
-            <p:cNvPr id="148" name="Google Shape;134;g1f213c8c16b_0_ 7" descr=""/>
+            <p:cNvPr id="160" name="Google Shape;134;g1f213c8c16b_0_ 7" descr=""/>
             <p:cNvPicPr/>
             <p:nvPr/>
           </p:nvPicPr>
@@ -7468,7 +7718,7 @@
           <p:spPr>
             <a:xfrm>
               <a:off x="0" y="0"/>
-              <a:ext cx="12191040" cy="6856920"/>
+              <a:ext cx="12190680" cy="6856560"/>
             </a:xfrm>
             <a:prstGeom prst="rect">
               <a:avLst/>
@@ -7481,7 +7731,7 @@
       </p:grpSp>
       <p:pic>
         <p:nvPicPr>
-          <p:cNvPr id="149" name="Google Shape;136;g1f213c8c16b_0_ 7" descr=""/>
+          <p:cNvPr id="161" name="Google Shape;136;g1f213c8c16b_0_ 7" descr=""/>
           <p:cNvPicPr/>
           <p:nvPr/>
         </p:nvPicPr>
@@ -7492,7 +7742,7 @@
         <p:spPr>
           <a:xfrm>
             <a:off x="601200" y="390600"/>
-            <a:ext cx="1086840" cy="378000"/>
+            <a:ext cx="1086480" cy="377640"/>
           </a:xfrm>
           <a:prstGeom prst="rect">
             <a:avLst/>
@@ -7504,7 +7754,7 @@
       </p:pic>
       <p:pic>
         <p:nvPicPr>
-          <p:cNvPr id="150" name="Google Shape;137;g1f213c8c16b_0_ 7" descr=""/>
+          <p:cNvPr id="162" name="Google Shape;137;g1f213c8c16b_0_ 7" descr=""/>
           <p:cNvPicPr/>
           <p:nvPr/>
         </p:nvPicPr>
@@ -7515,7 +7765,7 @@
         <p:spPr>
           <a:xfrm>
             <a:off x="10231920" y="195120"/>
-            <a:ext cx="1422720" cy="768960"/>
+            <a:ext cx="1422360" cy="768600"/>
           </a:xfrm>
           <a:prstGeom prst="rect">
             <a:avLst/>
@@ -7527,7 +7777,7 @@
       </p:pic>
       <p:sp>
         <p:nvSpPr>
-          <p:cNvPr id="151" name="PlaceHolder 1"/>
+          <p:cNvPr id="163" name="PlaceHolder 1"/>
           <p:cNvSpPr>
             <a:spLocks noGrp="1"/>
           </p:cNvSpPr>
@@ -7538,7 +7788,7 @@
         <p:spPr>
           <a:xfrm>
             <a:off x="838080" y="365040"/>
-            <a:ext cx="10514520" cy="1324440"/>
+            <a:ext cx="10514160" cy="1324080"/>
           </a:xfrm>
           <a:prstGeom prst="rect">
             <a:avLst/>
@@ -7583,7 +7833,7 @@
       </p:sp>
       <p:pic>
         <p:nvPicPr>
-          <p:cNvPr id="152" name="" descr=""/>
+          <p:cNvPr id="164" name="" descr=""/>
           <p:cNvPicPr/>
           <p:nvPr/>
         </p:nvPicPr>
@@ -7594,7 +7844,7 @@
         <p:spPr>
           <a:xfrm>
             <a:off x="2340000" y="1980000"/>
-            <a:ext cx="7671240" cy="4414320"/>
+            <a:ext cx="7670880" cy="4413960"/>
           </a:xfrm>
           <a:prstGeom prst="rect">
             <a:avLst/>
@@ -7636,21 +7886,21 @@
       </p:grpSpPr>
       <p:grpSp>
         <p:nvGrpSpPr>
-          <p:cNvPr id="67" name="Google Shape;105;g1f213c8c16b_0_15"/>
+          <p:cNvPr id="79" name="Google Shape;105;g1f213c8c16b_0_15"/>
           <p:cNvGrpSpPr/>
           <p:nvPr/>
         </p:nvGrpSpPr>
         <p:grpSpPr>
           <a:xfrm>
             <a:off x="0" y="0"/>
-            <a:ext cx="12191040" cy="6856920"/>
+            <a:ext cx="12190680" cy="6856560"/>
             <a:chOff x="0" y="0"/>
-            <a:chExt cx="12191040" cy="6856920"/>
+            <a:chExt cx="12190680" cy="6856560"/>
           </a:xfrm>
         </p:grpSpPr>
         <p:pic>
           <p:nvPicPr>
-            <p:cNvPr id="68" name="Google Shape;106;g1f213c8c16b_0_15" descr=""/>
+            <p:cNvPr id="80" name="Google Shape;106;g1f213c8c16b_0_15" descr=""/>
             <p:cNvPicPr/>
             <p:nvPr/>
           </p:nvPicPr>
@@ -7662,7 +7912,7 @@
           <p:spPr>
             <a:xfrm>
               <a:off x="0" y="0"/>
-              <a:ext cx="12191040" cy="6856920"/>
+              <a:ext cx="12190680" cy="6856560"/>
             </a:xfrm>
             <a:prstGeom prst="rect">
               <a:avLst/>
@@ -7674,7 +7924,7 @@
         </p:pic>
         <p:pic>
           <p:nvPicPr>
-            <p:cNvPr id="69" name="Google Shape;107;g1f213c8c16b_0_15" descr=""/>
+            <p:cNvPr id="81" name="Google Shape;107;g1f213c8c16b_0_15" descr=""/>
             <p:cNvPicPr/>
             <p:nvPr/>
           </p:nvPicPr>
@@ -7685,7 +7935,7 @@
           <p:spPr>
             <a:xfrm>
               <a:off x="0" y="0"/>
-              <a:ext cx="12191040" cy="6856920"/>
+              <a:ext cx="12190680" cy="6856560"/>
             </a:xfrm>
             <a:prstGeom prst="rect">
               <a:avLst/>
@@ -7698,7 +7948,7 @@
       </p:grpSp>
       <p:pic>
         <p:nvPicPr>
-          <p:cNvPr id="70" name="Google Shape;108;g1f213c8c16b_0_15" descr=""/>
+          <p:cNvPr id="82" name="Google Shape;108;g1f213c8c16b_0_15" descr=""/>
           <p:cNvPicPr/>
           <p:nvPr/>
         </p:nvPicPr>
@@ -7709,7 +7959,7 @@
         <p:spPr>
           <a:xfrm>
             <a:off x="4815360" y="165600"/>
-            <a:ext cx="2338200" cy="1119600"/>
+            <a:ext cx="2337840" cy="1119240"/>
           </a:xfrm>
           <a:prstGeom prst="rect">
             <a:avLst/>
@@ -7721,14 +7971,14 @@
       </p:pic>
       <p:sp>
         <p:nvSpPr>
-          <p:cNvPr id="71" name="Google Shape;109;g1f213c8c16b_0_15"/>
+          <p:cNvPr id="83" name="Google Shape;109;g1f213c8c16b_0_15"/>
           <p:cNvSpPr/>
           <p:nvPr/>
         </p:nvSpPr>
         <p:spPr>
           <a:xfrm>
             <a:off x="2753640" y="1352160"/>
-            <a:ext cx="7106040" cy="851760"/>
+            <a:ext cx="7105680" cy="852480"/>
           </a:xfrm>
           <a:prstGeom prst="rect">
             <a:avLst/>
@@ -7778,14 +8028,14 @@
       </p:sp>
       <p:sp>
         <p:nvSpPr>
-          <p:cNvPr id="72" name="Google Shape;110;g1f213c8c16b_0_15"/>
+          <p:cNvPr id="84" name="Google Shape;110;g1f213c8c16b_0_15"/>
           <p:cNvSpPr/>
           <p:nvPr/>
         </p:nvSpPr>
         <p:spPr>
           <a:xfrm>
             <a:off x="3476160" y="2461320"/>
-            <a:ext cx="789120" cy="789120"/>
+            <a:ext cx="788760" cy="788760"/>
           </a:xfrm>
           <a:prstGeom prst="ellipse">
             <a:avLst/>
@@ -7793,7 +8043,7 @@
           <a:solidFill>
             <a:srgbClr val="adf6fe"/>
           </a:solidFill>
-          <a:ln w="12700">
+          <a:ln w="12600">
             <a:solidFill>
               <a:srgbClr val="31538f"/>
             </a:solidFill>
@@ -7831,14 +8081,14 @@
       </p:sp>
       <p:sp>
         <p:nvSpPr>
-          <p:cNvPr id="73" name="Google Shape;111;g1f213c8c16b_0_15"/>
+          <p:cNvPr id="85" name="Google Shape;111;g1f213c8c16b_0_15"/>
           <p:cNvSpPr/>
           <p:nvPr/>
         </p:nvSpPr>
         <p:spPr>
           <a:xfrm>
             <a:off x="3476160" y="3603960"/>
-            <a:ext cx="789120" cy="789120"/>
+            <a:ext cx="788760" cy="788760"/>
           </a:xfrm>
           <a:prstGeom prst="ellipse">
             <a:avLst/>
@@ -7846,7 +8096,7 @@
           <a:solidFill>
             <a:srgbClr val="adf6fe"/>
           </a:solidFill>
-          <a:ln w="12700">
+          <a:ln w="12600">
             <a:solidFill>
               <a:srgbClr val="31538f"/>
             </a:solidFill>
@@ -7884,14 +8134,14 @@
       </p:sp>
       <p:sp>
         <p:nvSpPr>
-          <p:cNvPr id="74" name="Google Shape;112;g1f213c8c16b_0_15"/>
+          <p:cNvPr id="86" name="Google Shape;112;g1f213c8c16b_0_15"/>
           <p:cNvSpPr/>
           <p:nvPr/>
         </p:nvSpPr>
         <p:spPr>
           <a:xfrm>
             <a:off x="3476160" y="4757760"/>
-            <a:ext cx="789120" cy="789120"/>
+            <a:ext cx="788760" cy="788760"/>
           </a:xfrm>
           <a:prstGeom prst="ellipse">
             <a:avLst/>
@@ -7899,7 +8149,7 @@
           <a:solidFill>
             <a:srgbClr val="adf6fe"/>
           </a:solidFill>
-          <a:ln w="12700">
+          <a:ln w="12600">
             <a:solidFill>
               <a:srgbClr val="31538f"/>
             </a:solidFill>
@@ -7915,6 +8165,187 @@
         <p:txBody>
           <a:bodyPr lIns="90000" rIns="90000" tIns="45000" bIns="45000" anchor="ctr">
             <a:noAutofit/>
+          </a:bodyPr>
+          <a:p>
+            <a:endParaRPr b="0" lang="es-CO" sz="1800" spc="-1" strike="noStrike">
+              <a:solidFill>
+                <a:schemeClr val="lt1"/>
+              </a:solidFill>
+              <a:latin typeface="Calibri"/>
+              <a:ea typeface="Calibri"/>
+            </a:endParaRPr>
+          </a:p>
+        </p:txBody>
+      </p:sp>
+      <p:sp>
+        <p:nvSpPr>
+          <p:cNvPr id="87" name="Google Shape;113;g1f213c8c16b_0_15"/>
+          <p:cNvSpPr/>
+          <p:nvPr/>
+        </p:nvSpPr>
+        <p:spPr>
+          <a:xfrm>
+            <a:off x="4630320" y="2580840"/>
+            <a:ext cx="4189680" cy="659160"/>
+          </a:xfrm>
+          <a:prstGeom prst="roundRect">
+            <a:avLst>
+              <a:gd name="adj" fmla="val 16667"/>
+            </a:avLst>
+          </a:prstGeom>
+          <a:solidFill>
+            <a:srgbClr val="adf6fe"/>
+          </a:solidFill>
+          <a:ln w="12600">
+            <a:solidFill>
+              <a:srgbClr val="31538f"/>
+            </a:solidFill>
+            <a:miter/>
+          </a:ln>
+        </p:spPr>
+        <p:style>
+          <a:lnRef idx="0"/>
+          <a:fillRef idx="0"/>
+          <a:effectRef idx="0"/>
+          <a:fontRef idx="minor"/>
+        </p:style>
+        <p:txBody>
+          <a:bodyPr lIns="90000" rIns="90000" tIns="45000" bIns="45000" anchor="ctr">
+            <a:noAutofit/>
+          </a:bodyPr>
+          <a:p>
+            <a:endParaRPr b="0" lang="es-CO" sz="1800" spc="-1" strike="noStrike">
+              <a:solidFill>
+                <a:srgbClr val="adf6fe"/>
+              </a:solidFill>
+              <a:latin typeface="Calibri"/>
+              <a:ea typeface="Calibri"/>
+            </a:endParaRPr>
+          </a:p>
+        </p:txBody>
+      </p:sp>
+      <p:sp>
+        <p:nvSpPr>
+          <p:cNvPr id="88" name="Google Shape;114;g1f213c8c16b_0_15"/>
+          <p:cNvSpPr/>
+          <p:nvPr/>
+        </p:nvSpPr>
+        <p:spPr>
+          <a:xfrm>
+            <a:off x="4630320" y="3668760"/>
+            <a:ext cx="4189680" cy="659160"/>
+          </a:xfrm>
+          <a:prstGeom prst="roundRect">
+            <a:avLst>
+              <a:gd name="adj" fmla="val 16667"/>
+            </a:avLst>
+          </a:prstGeom>
+          <a:solidFill>
+            <a:srgbClr val="adf6fe"/>
+          </a:solidFill>
+          <a:ln w="12600">
+            <a:solidFill>
+              <a:srgbClr val="31538f"/>
+            </a:solidFill>
+            <a:miter/>
+          </a:ln>
+        </p:spPr>
+        <p:style>
+          <a:lnRef idx="0"/>
+          <a:fillRef idx="0"/>
+          <a:effectRef idx="0"/>
+          <a:fontRef idx="minor"/>
+        </p:style>
+        <p:txBody>
+          <a:bodyPr lIns="90000" rIns="90000" tIns="45000" bIns="45000" anchor="ctr">
+            <a:noAutofit/>
+          </a:bodyPr>
+          <a:p>
+            <a:endParaRPr b="0" lang="es-CO" sz="1800" spc="-1" strike="noStrike">
+              <a:solidFill>
+                <a:srgbClr val="adf6fe"/>
+              </a:solidFill>
+              <a:latin typeface="Calibri"/>
+              <a:ea typeface="Calibri"/>
+            </a:endParaRPr>
+          </a:p>
+        </p:txBody>
+      </p:sp>
+      <p:sp>
+        <p:nvSpPr>
+          <p:cNvPr id="89" name="Google Shape;115;g1f213c8c16b_0_15"/>
+          <p:cNvSpPr/>
+          <p:nvPr/>
+        </p:nvSpPr>
+        <p:spPr>
+          <a:xfrm>
+            <a:off x="4630320" y="4822560"/>
+            <a:ext cx="4189680" cy="659160"/>
+          </a:xfrm>
+          <a:prstGeom prst="roundRect">
+            <a:avLst>
+              <a:gd name="adj" fmla="val 16667"/>
+            </a:avLst>
+          </a:prstGeom>
+          <a:solidFill>
+            <a:srgbClr val="adf6fe"/>
+          </a:solidFill>
+          <a:ln w="12600">
+            <a:solidFill>
+              <a:srgbClr val="31538f"/>
+            </a:solidFill>
+            <a:miter/>
+          </a:ln>
+        </p:spPr>
+        <p:style>
+          <a:lnRef idx="0"/>
+          <a:fillRef idx="0"/>
+          <a:effectRef idx="0"/>
+          <a:fontRef idx="minor"/>
+        </p:style>
+        <p:txBody>
+          <a:bodyPr lIns="90000" rIns="90000" tIns="45000" bIns="45000" anchor="ctr">
+            <a:noAutofit/>
+          </a:bodyPr>
+          <a:p>
+            <a:endParaRPr b="0" lang="es-CO" sz="1800" spc="-1" strike="noStrike">
+              <a:solidFill>
+                <a:srgbClr val="adf6fe"/>
+              </a:solidFill>
+              <a:latin typeface="Calibri"/>
+              <a:ea typeface="Calibri"/>
+            </a:endParaRPr>
+          </a:p>
+        </p:txBody>
+      </p:sp>
+      <p:sp>
+        <p:nvSpPr>
+          <p:cNvPr id="90" name="Google Shape;116;g1f213c8c16b_0_15"/>
+          <p:cNvSpPr/>
+          <p:nvPr/>
+        </p:nvSpPr>
+        <p:spPr>
+          <a:xfrm>
+            <a:off x="3587040" y="2520000"/>
+            <a:ext cx="585360" cy="699840"/>
+          </a:xfrm>
+          <a:prstGeom prst="rect">
+            <a:avLst/>
+          </a:prstGeom>
+          <a:noFill/>
+          <a:ln w="0">
+            <a:noFill/>
+          </a:ln>
+        </p:spPr>
+        <p:style>
+          <a:lnRef idx="0"/>
+          <a:fillRef idx="0"/>
+          <a:effectRef idx="0"/>
+          <a:fontRef idx="minor"/>
+        </p:style>
+        <p:txBody>
+          <a:bodyPr lIns="90000" rIns="90000" tIns="45000" bIns="45000" anchor="t">
+            <a:spAutoFit/>
           </a:bodyPr>
           <a:p>
             <a:pPr algn="ctr">
@@ -7925,40 +8356,42 @@
                 <a:tab algn="l" pos="0"/>
               </a:tabLst>
             </a:pPr>
-            <a:endParaRPr b="0" lang="es-CO" sz="1800" spc="-1" strike="noStrike">
-              <a:solidFill>
-                <a:schemeClr val="lt1"/>
-              </a:solidFill>
-              <a:latin typeface="Calibri"/>
-              <a:ea typeface="Calibri"/>
-            </a:endParaRPr>
-          </a:p>
-        </p:txBody>
-      </p:sp>
-      <p:sp>
-        <p:nvSpPr>
-          <p:cNvPr id="75" name="Google Shape;113;g1f213c8c16b_0_15"/>
+            <a:r>
+              <a:rPr b="0" lang="es-CO" sz="4000" spc="-1" strike="noStrike">
+                <a:solidFill>
+                  <a:srgbClr val="001059"/>
+                </a:solidFill>
+                <a:latin typeface="Nunito Sans Black"/>
+                <a:ea typeface="Nunito Sans Black"/>
+              </a:rPr>
+              <a:t>1</a:t>
+            </a:r>
+            <a:endParaRPr b="0" lang="es-CO" sz="4000" spc="-1" strike="noStrike">
+              <a:solidFill>
+                <a:srgbClr val="000000"/>
+              </a:solidFill>
+              <a:latin typeface="Arial"/>
+            </a:endParaRPr>
+          </a:p>
+        </p:txBody>
+      </p:sp>
+      <p:sp>
+        <p:nvSpPr>
+          <p:cNvPr id="91" name="Google Shape;117;g1f213c8c16b_0_15"/>
           <p:cNvSpPr/>
           <p:nvPr/>
         </p:nvSpPr>
         <p:spPr>
           <a:xfrm>
-            <a:off x="4630320" y="2580840"/>
-            <a:ext cx="4190040" cy="659520"/>
-          </a:xfrm>
-          <a:prstGeom prst="roundRect">
-            <a:avLst>
-              <a:gd name="adj" fmla="val 16667"/>
-            </a:avLst>
-          </a:prstGeom>
-          <a:solidFill>
-            <a:srgbClr val="adf6fe"/>
-          </a:solidFill>
-          <a:ln w="12700">
-            <a:solidFill>
-              <a:srgbClr val="31538f"/>
-            </a:solidFill>
-            <a:miter/>
+            <a:off x="3594960" y="3687480"/>
+            <a:ext cx="585360" cy="699840"/>
+          </a:xfrm>
+          <a:prstGeom prst="rect">
+            <a:avLst/>
+          </a:prstGeom>
+          <a:noFill/>
+          <a:ln w="0">
+            <a:noFill/>
           </a:ln>
         </p:spPr>
         <p:style>
@@ -7968,8 +8401,8 @@
           <a:fontRef idx="minor"/>
         </p:style>
         <p:txBody>
-          <a:bodyPr lIns="90000" rIns="90000" tIns="45000" bIns="45000" anchor="ctr">
-            <a:noAutofit/>
+          <a:bodyPr lIns="90000" rIns="90000" tIns="45000" bIns="45000" anchor="t">
+            <a:spAutoFit/>
           </a:bodyPr>
           <a:p>
             <a:pPr algn="ctr">
@@ -7980,40 +8413,42 @@
                 <a:tab algn="l" pos="0"/>
               </a:tabLst>
             </a:pPr>
-            <a:endParaRPr b="0" lang="es-CO" sz="1800" spc="-1" strike="noStrike">
-              <a:solidFill>
-                <a:srgbClr val="adf6fe"/>
-              </a:solidFill>
-              <a:latin typeface="Calibri"/>
-              <a:ea typeface="Calibri"/>
-            </a:endParaRPr>
-          </a:p>
-        </p:txBody>
-      </p:sp>
-      <p:sp>
-        <p:nvSpPr>
-          <p:cNvPr id="76" name="Google Shape;114;g1f213c8c16b_0_15"/>
+            <a:r>
+              <a:rPr b="0" lang="es-CO" sz="4000" spc="-1" strike="noStrike">
+                <a:solidFill>
+                  <a:srgbClr val="001059"/>
+                </a:solidFill>
+                <a:latin typeface="Nunito Sans Black"/>
+                <a:ea typeface="Nunito Sans Black"/>
+              </a:rPr>
+              <a:t>2</a:t>
+            </a:r>
+            <a:endParaRPr b="0" lang="es-CO" sz="4000" spc="-1" strike="noStrike">
+              <a:solidFill>
+                <a:srgbClr val="000000"/>
+              </a:solidFill>
+              <a:latin typeface="Arial"/>
+            </a:endParaRPr>
+          </a:p>
+        </p:txBody>
+      </p:sp>
+      <p:sp>
+        <p:nvSpPr>
+          <p:cNvPr id="92" name="Google Shape;118;g1f213c8c16b_0_15"/>
           <p:cNvSpPr/>
           <p:nvPr/>
         </p:nvSpPr>
         <p:spPr>
           <a:xfrm>
-            <a:off x="4630320" y="3668760"/>
-            <a:ext cx="4190040" cy="659520"/>
-          </a:xfrm>
-          <a:prstGeom prst="roundRect">
-            <a:avLst>
-              <a:gd name="adj" fmla="val 16667"/>
-            </a:avLst>
-          </a:prstGeom>
-          <a:solidFill>
-            <a:srgbClr val="adf6fe"/>
-          </a:solidFill>
-          <a:ln w="12700">
-            <a:solidFill>
-              <a:srgbClr val="31538f"/>
-            </a:solidFill>
-            <a:miter/>
+            <a:off x="3578040" y="4822560"/>
+            <a:ext cx="585360" cy="699840"/>
+          </a:xfrm>
+          <a:prstGeom prst="rect">
+            <a:avLst/>
+          </a:prstGeom>
+          <a:noFill/>
+          <a:ln w="0">
+            <a:noFill/>
           </a:ln>
         </p:spPr>
         <p:style>
@@ -8023,8 +8458,8 @@
           <a:fontRef idx="minor"/>
         </p:style>
         <p:txBody>
-          <a:bodyPr lIns="90000" rIns="90000" tIns="45000" bIns="45000" anchor="ctr">
-            <a:noAutofit/>
+          <a:bodyPr lIns="90000" rIns="90000" tIns="45000" bIns="45000" anchor="t">
+            <a:spAutoFit/>
           </a:bodyPr>
           <a:p>
             <a:pPr algn="ctr">
@@ -8035,40 +8470,42 @@
                 <a:tab algn="l" pos="0"/>
               </a:tabLst>
             </a:pPr>
-            <a:endParaRPr b="0" lang="es-CO" sz="1800" spc="-1" strike="noStrike">
-              <a:solidFill>
-                <a:srgbClr val="adf6fe"/>
-              </a:solidFill>
-              <a:latin typeface="Calibri"/>
-              <a:ea typeface="Calibri"/>
-            </a:endParaRPr>
-          </a:p>
-        </p:txBody>
-      </p:sp>
-      <p:sp>
-        <p:nvSpPr>
-          <p:cNvPr id="77" name="Google Shape;115;g1f213c8c16b_0_15"/>
+            <a:r>
+              <a:rPr b="0" lang="es-CO" sz="4000" spc="-1" strike="noStrike">
+                <a:solidFill>
+                  <a:srgbClr val="001059"/>
+                </a:solidFill>
+                <a:latin typeface="Nunito Sans Black"/>
+                <a:ea typeface="Nunito Sans Black"/>
+              </a:rPr>
+              <a:t>3</a:t>
+            </a:r>
+            <a:endParaRPr b="0" lang="es-CO" sz="4000" spc="-1" strike="noStrike">
+              <a:solidFill>
+                <a:srgbClr val="000000"/>
+              </a:solidFill>
+              <a:latin typeface="Arial"/>
+            </a:endParaRPr>
+          </a:p>
+        </p:txBody>
+      </p:sp>
+      <p:sp>
+        <p:nvSpPr>
+          <p:cNvPr id="93" name="Google Shape;119;g1f213c8c16b_0_15"/>
           <p:cNvSpPr/>
           <p:nvPr/>
         </p:nvSpPr>
         <p:spPr>
           <a:xfrm>
-            <a:off x="4630320" y="4822560"/>
-            <a:ext cx="4190040" cy="659520"/>
-          </a:xfrm>
-          <a:prstGeom prst="roundRect">
-            <a:avLst>
-              <a:gd name="adj" fmla="val 16667"/>
-            </a:avLst>
-          </a:prstGeom>
-          <a:solidFill>
-            <a:srgbClr val="adf6fe"/>
-          </a:solidFill>
-          <a:ln w="12700">
-            <a:solidFill>
-              <a:srgbClr val="31538f"/>
-            </a:solidFill>
-            <a:miter/>
+            <a:off x="4630320" y="2582640"/>
+            <a:ext cx="4263480" cy="639000"/>
+          </a:xfrm>
+          <a:prstGeom prst="rect">
+            <a:avLst/>
+          </a:prstGeom>
+          <a:noFill/>
+          <a:ln w="0">
+            <a:noFill/>
           </a:ln>
         </p:spPr>
         <p:style>
@@ -8078,8 +8515,8 @@
           <a:fontRef idx="minor"/>
         </p:style>
         <p:txBody>
-          <a:bodyPr lIns="90000" rIns="90000" tIns="45000" bIns="45000" anchor="ctr">
-            <a:noAutofit/>
+          <a:bodyPr lIns="90000" rIns="90000" tIns="45000" bIns="45000" anchor="t">
+            <a:spAutoFit/>
           </a:bodyPr>
           <a:p>
             <a:pPr algn="ctr">
@@ -8090,26 +8527,89 @@
                 <a:tab algn="l" pos="0"/>
               </a:tabLst>
             </a:pPr>
-            <a:endParaRPr b="0" lang="es-CO" sz="1800" spc="-1" strike="noStrike">
-              <a:solidFill>
-                <a:srgbClr val="adf6fe"/>
-              </a:solidFill>
-              <a:latin typeface="Calibri"/>
-              <a:ea typeface="Calibri"/>
-            </a:endParaRPr>
-          </a:p>
-        </p:txBody>
-      </p:sp>
-      <p:sp>
-        <p:nvSpPr>
-          <p:cNvPr id="78" name="Google Shape;116;g1f213c8c16b_0_15"/>
+            <a:r>
+              <a:rPr b="0" lang="es-CO" sz="3600" spc="-1" strike="noStrike">
+                <a:solidFill>
+                  <a:srgbClr val="001059"/>
+                </a:solidFill>
+                <a:latin typeface="Nunito Sans Black"/>
+                <a:ea typeface="Nunito Sans Black"/>
+              </a:rPr>
+              <a:t>Diseño en POO</a:t>
+            </a:r>
+            <a:endParaRPr b="0" lang="es-CO" sz="3600" spc="-1" strike="noStrike">
+              <a:solidFill>
+                <a:srgbClr val="000000"/>
+              </a:solidFill>
+              <a:latin typeface="Arial"/>
+            </a:endParaRPr>
+          </a:p>
+        </p:txBody>
+      </p:sp>
+      <p:sp>
+        <p:nvSpPr>
+          <p:cNvPr id="94" name="Google Shape;120;g1f213c8c16b_0_15"/>
           <p:cNvSpPr/>
           <p:nvPr/>
         </p:nvSpPr>
         <p:spPr>
           <a:xfrm>
-            <a:off x="3587040" y="2520000"/>
-            <a:ext cx="585720" cy="699120"/>
+            <a:off x="4828320" y="3687480"/>
+            <a:ext cx="3793680" cy="699840"/>
+          </a:xfrm>
+          <a:prstGeom prst="rect">
+            <a:avLst/>
+          </a:prstGeom>
+          <a:noFill/>
+          <a:ln w="0">
+            <a:noFill/>
+          </a:ln>
+        </p:spPr>
+        <p:style>
+          <a:lnRef idx="0"/>
+          <a:fillRef idx="0"/>
+          <a:effectRef idx="0"/>
+          <a:fontRef idx="minor"/>
+        </p:style>
+        <p:txBody>
+          <a:bodyPr lIns="90000" rIns="90000" tIns="45000" bIns="45000" anchor="t">
+            <a:spAutoFit/>
+          </a:bodyPr>
+          <a:p>
+            <a:pPr algn="ctr">
+              <a:lnSpc>
+                <a:spcPct val="100000"/>
+              </a:lnSpc>
+            </a:pPr>
+            <a:r>
+              <a:rPr b="0" lang="es-CO" sz="4000" spc="-1" strike="noStrike">
+                <a:solidFill>
+                  <a:srgbClr val="001059"/>
+                </a:solidFill>
+                <a:latin typeface="Nunito Sans Black"/>
+                <a:ea typeface="Nunito Sans Black"/>
+              </a:rPr>
+              <a:t>UML</a:t>
+            </a:r>
+            <a:endParaRPr b="0" lang="es-CO" sz="4000" spc="-1" strike="noStrike">
+              <a:solidFill>
+                <a:srgbClr val="000000"/>
+              </a:solidFill>
+              <a:latin typeface="Arial"/>
+            </a:endParaRPr>
+          </a:p>
+        </p:txBody>
+      </p:sp>
+      <p:sp>
+        <p:nvSpPr>
+          <p:cNvPr id="95" name="Google Shape;121;g1f213c8c16b_0_15"/>
+          <p:cNvSpPr/>
+          <p:nvPr/>
+        </p:nvSpPr>
+        <p:spPr>
+          <a:xfrm>
+            <a:off x="4630320" y="4844880"/>
+            <a:ext cx="4189680" cy="517320"/>
           </a:xfrm>
           <a:prstGeom prst="rect">
             <a:avLst/>
@@ -8139,288 +8639,6 @@
               </a:tabLst>
             </a:pPr>
             <a:r>
-              <a:rPr b="0" lang="es-CO" sz="4000" spc="-1" strike="noStrike">
-                <a:solidFill>
-                  <a:srgbClr val="001059"/>
-                </a:solidFill>
-                <a:latin typeface="Nunito Sans Black"/>
-                <a:ea typeface="Nunito Sans Black"/>
-              </a:rPr>
-              <a:t>1</a:t>
-            </a:r>
-            <a:endParaRPr b="0" lang="es-CO" sz="4000" spc="-1" strike="noStrike">
-              <a:solidFill>
-                <a:srgbClr val="000000"/>
-              </a:solidFill>
-              <a:latin typeface="Arial"/>
-            </a:endParaRPr>
-          </a:p>
-        </p:txBody>
-      </p:sp>
-      <p:sp>
-        <p:nvSpPr>
-          <p:cNvPr id="79" name="Google Shape;117;g1f213c8c16b_0_15"/>
-          <p:cNvSpPr/>
-          <p:nvPr/>
-        </p:nvSpPr>
-        <p:spPr>
-          <a:xfrm>
-            <a:off x="3594960" y="3687480"/>
-            <a:ext cx="585720" cy="699120"/>
-          </a:xfrm>
-          <a:prstGeom prst="rect">
-            <a:avLst/>
-          </a:prstGeom>
-          <a:noFill/>
-          <a:ln w="0">
-            <a:noFill/>
-          </a:ln>
-        </p:spPr>
-        <p:style>
-          <a:lnRef idx="0"/>
-          <a:fillRef idx="0"/>
-          <a:effectRef idx="0"/>
-          <a:fontRef idx="minor"/>
-        </p:style>
-        <p:txBody>
-          <a:bodyPr lIns="90000" rIns="90000" tIns="45000" bIns="45000" anchor="t">
-            <a:spAutoFit/>
-          </a:bodyPr>
-          <a:p>
-            <a:pPr algn="ctr">
-              <a:lnSpc>
-                <a:spcPct val="100000"/>
-              </a:lnSpc>
-              <a:tabLst>
-                <a:tab algn="l" pos="0"/>
-              </a:tabLst>
-            </a:pPr>
-            <a:r>
-              <a:rPr b="0" lang="es-CO" sz="4000" spc="-1" strike="noStrike">
-                <a:solidFill>
-                  <a:srgbClr val="001059"/>
-                </a:solidFill>
-                <a:latin typeface="Nunito Sans Black"/>
-                <a:ea typeface="Nunito Sans Black"/>
-              </a:rPr>
-              <a:t>2</a:t>
-            </a:r>
-            <a:endParaRPr b="0" lang="es-CO" sz="4000" spc="-1" strike="noStrike">
-              <a:solidFill>
-                <a:srgbClr val="000000"/>
-              </a:solidFill>
-              <a:latin typeface="Arial"/>
-            </a:endParaRPr>
-          </a:p>
-        </p:txBody>
-      </p:sp>
-      <p:sp>
-        <p:nvSpPr>
-          <p:cNvPr id="80" name="Google Shape;118;g1f213c8c16b_0_15"/>
-          <p:cNvSpPr/>
-          <p:nvPr/>
-        </p:nvSpPr>
-        <p:spPr>
-          <a:xfrm>
-            <a:off x="3578040" y="4822560"/>
-            <a:ext cx="585720" cy="699120"/>
-          </a:xfrm>
-          <a:prstGeom prst="rect">
-            <a:avLst/>
-          </a:prstGeom>
-          <a:noFill/>
-          <a:ln w="0">
-            <a:noFill/>
-          </a:ln>
-        </p:spPr>
-        <p:style>
-          <a:lnRef idx="0"/>
-          <a:fillRef idx="0"/>
-          <a:effectRef idx="0"/>
-          <a:fontRef idx="minor"/>
-        </p:style>
-        <p:txBody>
-          <a:bodyPr lIns="90000" rIns="90000" tIns="45000" bIns="45000" anchor="t">
-            <a:spAutoFit/>
-          </a:bodyPr>
-          <a:p>
-            <a:pPr algn="ctr">
-              <a:lnSpc>
-                <a:spcPct val="100000"/>
-              </a:lnSpc>
-              <a:tabLst>
-                <a:tab algn="l" pos="0"/>
-              </a:tabLst>
-            </a:pPr>
-            <a:r>
-              <a:rPr b="0" lang="es-CO" sz="4000" spc="-1" strike="noStrike">
-                <a:solidFill>
-                  <a:srgbClr val="001059"/>
-                </a:solidFill>
-                <a:latin typeface="Nunito Sans Black"/>
-                <a:ea typeface="Nunito Sans Black"/>
-              </a:rPr>
-              <a:t>3</a:t>
-            </a:r>
-            <a:endParaRPr b="0" lang="es-CO" sz="4000" spc="-1" strike="noStrike">
-              <a:solidFill>
-                <a:srgbClr val="000000"/>
-              </a:solidFill>
-              <a:latin typeface="Arial"/>
-            </a:endParaRPr>
-          </a:p>
-        </p:txBody>
-      </p:sp>
-      <p:sp>
-        <p:nvSpPr>
-          <p:cNvPr id="81" name="Google Shape;119;g1f213c8c16b_0_15"/>
-          <p:cNvSpPr/>
-          <p:nvPr/>
-        </p:nvSpPr>
-        <p:spPr>
-          <a:xfrm>
-            <a:off x="4630320" y="2582640"/>
-            <a:ext cx="4263840" cy="638280"/>
-          </a:xfrm>
-          <a:prstGeom prst="rect">
-            <a:avLst/>
-          </a:prstGeom>
-          <a:noFill/>
-          <a:ln w="0">
-            <a:noFill/>
-          </a:ln>
-        </p:spPr>
-        <p:style>
-          <a:lnRef idx="0"/>
-          <a:fillRef idx="0"/>
-          <a:effectRef idx="0"/>
-          <a:fontRef idx="minor"/>
-        </p:style>
-        <p:txBody>
-          <a:bodyPr lIns="90000" rIns="90000" tIns="45000" bIns="45000" anchor="t">
-            <a:spAutoFit/>
-          </a:bodyPr>
-          <a:p>
-            <a:pPr algn="ctr">
-              <a:lnSpc>
-                <a:spcPct val="100000"/>
-              </a:lnSpc>
-              <a:tabLst>
-                <a:tab algn="l" pos="0"/>
-              </a:tabLst>
-            </a:pPr>
-            <a:r>
-              <a:rPr b="0" lang="es-CO" sz="3600" spc="-1" strike="noStrike">
-                <a:solidFill>
-                  <a:srgbClr val="001059"/>
-                </a:solidFill>
-                <a:latin typeface="Nunito Sans Black"/>
-                <a:ea typeface="Nunito Sans Black"/>
-              </a:rPr>
-              <a:t>Diseño en POO</a:t>
-            </a:r>
-            <a:endParaRPr b="0" lang="es-CO" sz="3600" spc="-1" strike="noStrike">
-              <a:solidFill>
-                <a:srgbClr val="000000"/>
-              </a:solidFill>
-              <a:latin typeface="Arial"/>
-            </a:endParaRPr>
-          </a:p>
-        </p:txBody>
-      </p:sp>
-      <p:sp>
-        <p:nvSpPr>
-          <p:cNvPr id="82" name="Google Shape;120;g1f213c8c16b_0_15"/>
-          <p:cNvSpPr/>
-          <p:nvPr/>
-        </p:nvSpPr>
-        <p:spPr>
-          <a:xfrm>
-            <a:off x="4828320" y="3687480"/>
-            <a:ext cx="3794040" cy="699120"/>
-          </a:xfrm>
-          <a:prstGeom prst="rect">
-            <a:avLst/>
-          </a:prstGeom>
-          <a:noFill/>
-          <a:ln w="0">
-            <a:noFill/>
-          </a:ln>
-        </p:spPr>
-        <p:style>
-          <a:lnRef idx="0"/>
-          <a:fillRef idx="0"/>
-          <a:effectRef idx="0"/>
-          <a:fontRef idx="minor"/>
-        </p:style>
-        <p:txBody>
-          <a:bodyPr lIns="90000" rIns="90000" tIns="45000" bIns="45000" anchor="t">
-            <a:spAutoFit/>
-          </a:bodyPr>
-          <a:p>
-            <a:pPr algn="ctr">
-              <a:lnSpc>
-                <a:spcPct val="100000"/>
-              </a:lnSpc>
-            </a:pPr>
-            <a:r>
-              <a:rPr b="0" lang="es-CO" sz="4000" spc="-1" strike="noStrike">
-                <a:solidFill>
-                  <a:srgbClr val="001059"/>
-                </a:solidFill>
-                <a:latin typeface="Nunito Sans Black"/>
-                <a:ea typeface="Nunito Sans Black"/>
-              </a:rPr>
-              <a:t>UML</a:t>
-            </a:r>
-            <a:endParaRPr b="0" lang="es-CO" sz="4000" spc="-1" strike="noStrike">
-              <a:solidFill>
-                <a:srgbClr val="000000"/>
-              </a:solidFill>
-              <a:latin typeface="Arial"/>
-            </a:endParaRPr>
-          </a:p>
-        </p:txBody>
-      </p:sp>
-      <p:sp>
-        <p:nvSpPr>
-          <p:cNvPr id="83" name="Google Shape;121;g1f213c8c16b_0_15"/>
-          <p:cNvSpPr/>
-          <p:nvPr/>
-        </p:nvSpPr>
-        <p:spPr>
-          <a:xfrm>
-            <a:off x="4630320" y="4844880"/>
-            <a:ext cx="4190040" cy="516600"/>
-          </a:xfrm>
-          <a:prstGeom prst="rect">
-            <a:avLst/>
-          </a:prstGeom>
-          <a:noFill/>
-          <a:ln w="0">
-            <a:noFill/>
-          </a:ln>
-        </p:spPr>
-        <p:style>
-          <a:lnRef idx="0"/>
-          <a:fillRef idx="0"/>
-          <a:effectRef idx="0"/>
-          <a:fontRef idx="minor"/>
-        </p:style>
-        <p:txBody>
-          <a:bodyPr lIns="90000" rIns="90000" tIns="45000" bIns="45000" anchor="t">
-            <a:spAutoFit/>
-          </a:bodyPr>
-          <a:p>
-            <a:pPr algn="ctr">
-              <a:lnSpc>
-                <a:spcPct val="100000"/>
-              </a:lnSpc>
-              <a:tabLst>
-                <a:tab algn="l" pos="0"/>
-              </a:tabLst>
-            </a:pPr>
-            <a:r>
               <a:rPr b="0" lang="es-CO" sz="2800" spc="-1" strike="noStrike">
                 <a:solidFill>
                   <a:srgbClr val="001059"/>
@@ -8441,22 +8659,22 @@
       </p:sp>
       <p:cxnSp>
         <p:nvCxnSpPr>
-          <p:cNvPr id="84" name="Google Shape;122;g1f213c8c16b_0_15"/>
+          <p:cNvPr id="96" name="Google Shape;122;g1f213c8c16b_0_15"/>
           <p:cNvCxnSpPr>
-            <a:stCxn id="72" idx="4"/>
-            <a:endCxn id="73" idx="0"/>
+            <a:stCxn id="84" idx="4"/>
+            <a:endCxn id="85" idx="0"/>
           </p:cNvCxnSpPr>
           <p:nvPr/>
         </p:nvCxnSpPr>
         <p:spPr>
           <a:xfrm>
-            <a:off x="3870720" y="3250440"/>
-            <a:ext cx="360" cy="353880"/>
+            <a:off x="3870720" y="3250080"/>
+            <a:ext cx="360" cy="354240"/>
           </a:xfrm>
           <a:prstGeom prst="straightConnector1">
             <a:avLst/>
           </a:prstGeom>
-          <a:ln w="38100">
+          <a:ln w="38160">
             <a:solidFill>
               <a:srgbClr val="d2a6ff"/>
             </a:solidFill>
@@ -8466,21 +8684,21 @@
       </p:cxnSp>
       <p:cxnSp>
         <p:nvCxnSpPr>
-          <p:cNvPr id="85" name="Google Shape;123;g1f213c8c16b_0_15"/>
+          <p:cNvPr id="97" name="Google Shape;123;g1f213c8c16b_0_15"/>
           <p:cNvCxnSpPr>
-            <a:stCxn id="79" idx="2"/>
+            <a:stCxn id="91" idx="2"/>
           </p:cNvCxnSpPr>
           <p:nvPr/>
         </p:nvCxnSpPr>
         <p:spPr>
           <a:xfrm>
-            <a:off x="3887640" y="4386600"/>
-            <a:ext cx="1800" cy="354600"/>
+            <a:off x="3887640" y="4387320"/>
+            <a:ext cx="2160" cy="354240"/>
           </a:xfrm>
           <a:prstGeom prst="straightConnector1">
             <a:avLst/>
           </a:prstGeom>
-          <a:ln w="38100">
+          <a:ln w="38160">
             <a:solidFill>
               <a:srgbClr val="d2a6ff"/>
             </a:solidFill>
@@ -8490,21 +8708,21 @@
       </p:cxnSp>
       <p:grpSp>
         <p:nvGrpSpPr>
-          <p:cNvPr id="86" name="Google Shape;124;g1f213c8c16b_0_15"/>
+          <p:cNvPr id="98" name="Google Shape;124;g1f213c8c16b_0_15"/>
           <p:cNvGrpSpPr/>
           <p:nvPr/>
         </p:nvGrpSpPr>
         <p:grpSpPr>
           <a:xfrm>
             <a:off x="626400" y="254520"/>
-            <a:ext cx="11250360" cy="982080"/>
+            <a:ext cx="11250000" cy="981720"/>
             <a:chOff x="626400" y="254520"/>
-            <a:chExt cx="11250360" cy="982080"/>
+            <a:chExt cx="11250000" cy="981720"/>
           </a:xfrm>
         </p:grpSpPr>
         <p:pic>
           <p:nvPicPr>
-            <p:cNvPr id="87" name="Google Shape;125;g1f213c8c16b_0_15" descr=""/>
+            <p:cNvPr id="99" name="Google Shape;125;g1f213c8c16b_0_15" descr=""/>
             <p:cNvPicPr/>
             <p:nvPr/>
           </p:nvPicPr>
@@ -8515,7 +8733,7 @@
           <p:spPr>
             <a:xfrm>
               <a:off x="10059840" y="254520"/>
-              <a:ext cx="1816920" cy="982080"/>
+              <a:ext cx="1816560" cy="981720"/>
             </a:xfrm>
             <a:prstGeom prst="rect">
               <a:avLst/>
@@ -8527,7 +8745,7 @@
         </p:pic>
         <p:pic>
           <p:nvPicPr>
-            <p:cNvPr id="88" name="Google Shape;126;g1f213c8c16b_0_15" descr=""/>
+            <p:cNvPr id="100" name="Google Shape;126;g1f213c8c16b_0_15" descr=""/>
             <p:cNvPicPr/>
             <p:nvPr/>
           </p:nvPicPr>
@@ -8538,7 +8756,7 @@
           <p:spPr>
             <a:xfrm>
               <a:off x="626400" y="484200"/>
-              <a:ext cx="1504800" cy="523440"/>
+              <a:ext cx="1504440" cy="523080"/>
             </a:xfrm>
             <a:prstGeom prst="rect">
               <a:avLst/>
@@ -8581,21 +8799,21 @@
       </p:grpSpPr>
       <p:grpSp>
         <p:nvGrpSpPr>
-          <p:cNvPr id="89" name="Google Shape;132;g1f213c8c16b_0_41"/>
+          <p:cNvPr id="101" name="Google Shape;132;g1f213c8c16b_0_41"/>
           <p:cNvGrpSpPr/>
           <p:nvPr/>
         </p:nvGrpSpPr>
         <p:grpSpPr>
           <a:xfrm>
             <a:off x="0" y="0"/>
-            <a:ext cx="12191040" cy="6856920"/>
+            <a:ext cx="12190680" cy="6856560"/>
             <a:chOff x="0" y="0"/>
-            <a:chExt cx="12191040" cy="6856920"/>
+            <a:chExt cx="12190680" cy="6856560"/>
           </a:xfrm>
         </p:grpSpPr>
         <p:pic>
           <p:nvPicPr>
-            <p:cNvPr id="90" name="Google Shape;133;g1f213c8c16b_0_41" descr=""/>
+            <p:cNvPr id="102" name="Google Shape;133;g1f213c8c16b_0_41" descr=""/>
             <p:cNvPicPr/>
             <p:nvPr/>
           </p:nvPicPr>
@@ -8607,7 +8825,7 @@
           <p:spPr>
             <a:xfrm>
               <a:off x="0" y="0"/>
-              <a:ext cx="12191040" cy="6856920"/>
+              <a:ext cx="12190680" cy="6856560"/>
             </a:xfrm>
             <a:prstGeom prst="rect">
               <a:avLst/>
@@ -8619,7 +8837,7 @@
         </p:pic>
         <p:pic>
           <p:nvPicPr>
-            <p:cNvPr id="91" name="Google Shape;134;g1f213c8c16b_0_41" descr=""/>
+            <p:cNvPr id="103" name="Google Shape;134;g1f213c8c16b_0_41" descr=""/>
             <p:cNvPicPr/>
             <p:nvPr/>
           </p:nvPicPr>
@@ -8630,7 +8848,7 @@
           <p:spPr>
             <a:xfrm>
               <a:off x="0" y="0"/>
-              <a:ext cx="12191040" cy="6856920"/>
+              <a:ext cx="12190680" cy="6856560"/>
             </a:xfrm>
             <a:prstGeom prst="rect">
               <a:avLst/>
@@ -8643,7 +8861,7 @@
       </p:grpSp>
       <p:pic>
         <p:nvPicPr>
-          <p:cNvPr id="92" name="Google Shape;136;g1f213c8c16b_0_41" descr=""/>
+          <p:cNvPr id="104" name="Google Shape;136;g1f213c8c16b_0_41" descr=""/>
           <p:cNvPicPr/>
           <p:nvPr/>
         </p:nvPicPr>
@@ -8654,7 +8872,7 @@
         <p:spPr>
           <a:xfrm>
             <a:off x="601200" y="390600"/>
-            <a:ext cx="1086840" cy="378000"/>
+            <a:ext cx="1086480" cy="377640"/>
           </a:xfrm>
           <a:prstGeom prst="rect">
             <a:avLst/>
@@ -8666,7 +8884,7 @@
       </p:pic>
       <p:pic>
         <p:nvPicPr>
-          <p:cNvPr id="93" name="Google Shape;137;g1f213c8c16b_0_41" descr=""/>
+          <p:cNvPr id="105" name="Google Shape;137;g1f213c8c16b_0_41" descr=""/>
           <p:cNvPicPr/>
           <p:nvPr/>
         </p:nvPicPr>
@@ -8677,7 +8895,7 @@
         <p:spPr>
           <a:xfrm>
             <a:off x="10231920" y="195120"/>
-            <a:ext cx="1422720" cy="768960"/>
+            <a:ext cx="1422360" cy="768600"/>
           </a:xfrm>
           <a:prstGeom prst="rect">
             <a:avLst/>
@@ -8689,7 +8907,7 @@
       </p:pic>
       <p:sp>
         <p:nvSpPr>
-          <p:cNvPr id="94" name="PlaceHolder 1"/>
+          <p:cNvPr id="106" name="PlaceHolder 1"/>
           <p:cNvSpPr>
             <a:spLocks noGrp="1"/>
           </p:cNvSpPr>
@@ -8700,7 +8918,7 @@
         <p:spPr>
           <a:xfrm>
             <a:off x="838080" y="365040"/>
-            <a:ext cx="10514520" cy="1324440"/>
+            <a:ext cx="10514160" cy="1324080"/>
           </a:xfrm>
           <a:prstGeom prst="rect">
             <a:avLst/>
@@ -8745,7 +8963,7 @@
       </p:sp>
       <p:sp>
         <p:nvSpPr>
-          <p:cNvPr id="95" name="PlaceHolder 2"/>
+          <p:cNvPr id="107" name="PlaceHolder 2"/>
           <p:cNvSpPr>
             <a:spLocks noGrp="1"/>
           </p:cNvSpPr>
@@ -8756,7 +8974,7 @@
         <p:spPr>
           <a:xfrm>
             <a:off x="838080" y="1825560"/>
-            <a:ext cx="5180400" cy="4350240"/>
+            <a:ext cx="5180040" cy="4349880"/>
           </a:xfrm>
           <a:prstGeom prst="rect">
             <a:avLst/>
@@ -8904,7 +9122,7 @@
       </p:sp>
       <p:pic>
         <p:nvPicPr>
-          <p:cNvPr id="96" name="" descr=""/>
+          <p:cNvPr id="108" name="" descr=""/>
           <p:cNvPicPr/>
           <p:nvPr/>
         </p:nvPicPr>
@@ -8915,7 +9133,7 @@
         <p:spPr>
           <a:xfrm>
             <a:off x="6018840" y="2488680"/>
-            <a:ext cx="5398560" cy="3090960"/>
+            <a:ext cx="5398200" cy="3090600"/>
           </a:xfrm>
           <a:prstGeom prst="rect">
             <a:avLst/>
@@ -8957,21 +9175,21 @@
       </p:grpSpPr>
       <p:grpSp>
         <p:nvGrpSpPr>
-          <p:cNvPr id="97" name="Google Shape;132;g1f213c8c16b_0_ 2"/>
+          <p:cNvPr id="109" name="Google Shape;132;g1f213c8c16b_0_ 2"/>
           <p:cNvGrpSpPr/>
           <p:nvPr/>
         </p:nvGrpSpPr>
         <p:grpSpPr>
           <a:xfrm>
             <a:off x="0" y="0"/>
-            <a:ext cx="12191040" cy="6856920"/>
+            <a:ext cx="12190680" cy="6856560"/>
             <a:chOff x="0" y="0"/>
-            <a:chExt cx="12191040" cy="6856920"/>
+            <a:chExt cx="12190680" cy="6856560"/>
           </a:xfrm>
         </p:grpSpPr>
         <p:pic>
           <p:nvPicPr>
-            <p:cNvPr id="98" name="Google Shape;133;g1f213c8c16b_0_ 2" descr=""/>
+            <p:cNvPr id="110" name="Google Shape;133;g1f213c8c16b_0_ 2" descr=""/>
             <p:cNvPicPr/>
             <p:nvPr/>
           </p:nvPicPr>
@@ -8983,7 +9201,7 @@
           <p:spPr>
             <a:xfrm>
               <a:off x="0" y="0"/>
-              <a:ext cx="12191040" cy="6856920"/>
+              <a:ext cx="12190680" cy="6856560"/>
             </a:xfrm>
             <a:prstGeom prst="rect">
               <a:avLst/>
@@ -8995,7 +9213,7 @@
         </p:pic>
         <p:pic>
           <p:nvPicPr>
-            <p:cNvPr id="99" name="Google Shape;134;g1f213c8c16b_0_ 2" descr=""/>
+            <p:cNvPr id="111" name="Google Shape;134;g1f213c8c16b_0_ 2" descr=""/>
             <p:cNvPicPr/>
             <p:nvPr/>
           </p:nvPicPr>
@@ -9006,7 +9224,7 @@
           <p:spPr>
             <a:xfrm>
               <a:off x="0" y="0"/>
-              <a:ext cx="12191040" cy="6856920"/>
+              <a:ext cx="12190680" cy="6856560"/>
             </a:xfrm>
             <a:prstGeom prst="rect">
               <a:avLst/>
@@ -9019,7 +9237,7 @@
       </p:grpSp>
       <p:pic>
         <p:nvPicPr>
-          <p:cNvPr id="100" name="Google Shape;136;g1f213c8c16b_0_ 2" descr=""/>
+          <p:cNvPr id="112" name="Google Shape;136;g1f213c8c16b_0_ 2" descr=""/>
           <p:cNvPicPr/>
           <p:nvPr/>
         </p:nvPicPr>
@@ -9030,7 +9248,7 @@
         <p:spPr>
           <a:xfrm>
             <a:off x="601200" y="390600"/>
-            <a:ext cx="1086840" cy="378000"/>
+            <a:ext cx="1086480" cy="377640"/>
           </a:xfrm>
           <a:prstGeom prst="rect">
             <a:avLst/>
@@ -9042,7 +9260,7 @@
       </p:pic>
       <p:pic>
         <p:nvPicPr>
-          <p:cNvPr id="101" name="Google Shape;137;g1f213c8c16b_0_ 2" descr=""/>
+          <p:cNvPr id="113" name="Google Shape;137;g1f213c8c16b_0_ 2" descr=""/>
           <p:cNvPicPr/>
           <p:nvPr/>
         </p:nvPicPr>
@@ -9053,7 +9271,7 @@
         <p:spPr>
           <a:xfrm>
             <a:off x="10231920" y="195120"/>
-            <a:ext cx="1422720" cy="768960"/>
+            <a:ext cx="1422360" cy="768600"/>
           </a:xfrm>
           <a:prstGeom prst="rect">
             <a:avLst/>
@@ -9065,7 +9283,7 @@
       </p:pic>
       <p:sp>
         <p:nvSpPr>
-          <p:cNvPr id="102" name="PlaceHolder 1"/>
+          <p:cNvPr id="114" name="PlaceHolder 1"/>
           <p:cNvSpPr>
             <a:spLocks noGrp="1"/>
           </p:cNvSpPr>
@@ -9076,7 +9294,7 @@
         <p:spPr>
           <a:xfrm>
             <a:off x="838080" y="365040"/>
-            <a:ext cx="10514520" cy="1324440"/>
+            <a:ext cx="10514160" cy="1324080"/>
           </a:xfrm>
           <a:prstGeom prst="rect">
             <a:avLst/>
@@ -9121,7 +9339,7 @@
       </p:sp>
       <p:sp>
         <p:nvSpPr>
-          <p:cNvPr id="103" name="PlaceHolder 2"/>
+          <p:cNvPr id="115" name="PlaceHolder 2"/>
           <p:cNvSpPr>
             <a:spLocks noGrp="1"/>
           </p:cNvSpPr>
@@ -9132,7 +9350,7 @@
         <p:spPr>
           <a:xfrm>
             <a:off x="838080" y="1825560"/>
-            <a:ext cx="5180400" cy="4350240"/>
+            <a:ext cx="5180040" cy="4349880"/>
           </a:xfrm>
           <a:prstGeom prst="rect">
             <a:avLst/>
@@ -9350,7 +9568,7 @@
       </p:sp>
       <p:pic>
         <p:nvPicPr>
-          <p:cNvPr id="104" name="" descr=""/>
+          <p:cNvPr id="116" name="" descr=""/>
           <p:cNvPicPr/>
           <p:nvPr/>
         </p:nvPicPr>
@@ -9360,8 +9578,8 @@
         </p:blipFill>
         <p:spPr>
           <a:xfrm>
-            <a:off x="5940000" y="1620000"/>
-            <a:ext cx="1685160" cy="2047320"/>
+            <a:off x="5400000" y="1553040"/>
+            <a:ext cx="1684800" cy="2046960"/>
           </a:xfrm>
           <a:prstGeom prst="rect">
             <a:avLst/>
@@ -9373,7 +9591,7 @@
       </p:pic>
       <p:pic>
         <p:nvPicPr>
-          <p:cNvPr id="105" name="" descr=""/>
+          <p:cNvPr id="117" name="" descr=""/>
           <p:cNvPicPr/>
           <p:nvPr/>
         </p:nvPicPr>
@@ -9384,7 +9602,7 @@
         <p:spPr>
           <a:xfrm>
             <a:off x="8100000" y="1620000"/>
-            <a:ext cx="3885840" cy="1847160"/>
+            <a:ext cx="3885480" cy="1846800"/>
           </a:xfrm>
           <a:prstGeom prst="rect">
             <a:avLst/>
@@ -9396,7 +9614,7 @@
       </p:pic>
       <p:pic>
         <p:nvPicPr>
-          <p:cNvPr id="106" name="" descr=""/>
+          <p:cNvPr id="118" name="" descr=""/>
           <p:cNvPicPr/>
           <p:nvPr/>
         </p:nvPicPr>
@@ -9407,7 +9625,7 @@
         <p:spPr>
           <a:xfrm>
             <a:off x="5760000" y="3780000"/>
-            <a:ext cx="2145960" cy="1077480"/>
+            <a:ext cx="2145600" cy="1077120"/>
           </a:xfrm>
           <a:prstGeom prst="rect">
             <a:avLst/>
@@ -9419,7 +9637,7 @@
       </p:pic>
       <p:pic>
         <p:nvPicPr>
-          <p:cNvPr id="107" name="" descr=""/>
+          <p:cNvPr id="119" name="" descr=""/>
           <p:cNvPicPr/>
           <p:nvPr/>
         </p:nvPicPr>
@@ -9430,7 +9648,7 @@
         <p:spPr>
           <a:xfrm>
             <a:off x="8156880" y="3574440"/>
-            <a:ext cx="3542760" cy="1285200"/>
+            <a:ext cx="3542400" cy="1284840"/>
           </a:xfrm>
           <a:prstGeom prst="rect">
             <a:avLst/>
@@ -9442,7 +9660,7 @@
       </p:pic>
       <p:pic>
         <p:nvPicPr>
-          <p:cNvPr id="108" name="" descr=""/>
+          <p:cNvPr id="120" name="" descr=""/>
           <p:cNvPicPr/>
           <p:nvPr/>
         </p:nvPicPr>
@@ -9453,7 +9671,7 @@
         <p:spPr>
           <a:xfrm>
             <a:off x="6660000" y="5146920"/>
-            <a:ext cx="3428280" cy="1332720"/>
+            <a:ext cx="3427920" cy="1332360"/>
           </a:xfrm>
           <a:prstGeom prst="rect">
             <a:avLst/>
@@ -9495,21 +9713,21 @@
       </p:grpSpPr>
       <p:grpSp>
         <p:nvGrpSpPr>
-          <p:cNvPr id="109" name="Google Shape;132;g1f213c8c16b_0_ 3"/>
+          <p:cNvPr id="121" name="Google Shape;132;g1f213c8c16b_0_ 3"/>
           <p:cNvGrpSpPr/>
           <p:nvPr/>
         </p:nvGrpSpPr>
         <p:grpSpPr>
           <a:xfrm>
             <a:off x="0" y="0"/>
-            <a:ext cx="12191040" cy="6856920"/>
+            <a:ext cx="12190680" cy="6856560"/>
             <a:chOff x="0" y="0"/>
-            <a:chExt cx="12191040" cy="6856920"/>
+            <a:chExt cx="12190680" cy="6856560"/>
           </a:xfrm>
         </p:grpSpPr>
         <p:pic>
           <p:nvPicPr>
-            <p:cNvPr id="110" name="Google Shape;133;g1f213c8c16b_0_ 3" descr=""/>
+            <p:cNvPr id="122" name="Google Shape;133;g1f213c8c16b_0_ 3" descr=""/>
             <p:cNvPicPr/>
             <p:nvPr/>
           </p:nvPicPr>
@@ -9521,7 +9739,7 @@
           <p:spPr>
             <a:xfrm>
               <a:off x="0" y="0"/>
-              <a:ext cx="12191040" cy="6856920"/>
+              <a:ext cx="12190680" cy="6856560"/>
             </a:xfrm>
             <a:prstGeom prst="rect">
               <a:avLst/>
@@ -9533,7 +9751,7 @@
         </p:pic>
         <p:pic>
           <p:nvPicPr>
-            <p:cNvPr id="111" name="Google Shape;134;g1f213c8c16b_0_ 3" descr=""/>
+            <p:cNvPr id="123" name="Google Shape;134;g1f213c8c16b_0_ 3" descr=""/>
             <p:cNvPicPr/>
             <p:nvPr/>
           </p:nvPicPr>
@@ -9544,7 +9762,7 @@
           <p:spPr>
             <a:xfrm>
               <a:off x="0" y="0"/>
-              <a:ext cx="12191040" cy="6856920"/>
+              <a:ext cx="12190680" cy="6856560"/>
             </a:xfrm>
             <a:prstGeom prst="rect">
               <a:avLst/>
@@ -9557,7 +9775,7 @@
       </p:grpSp>
       <p:pic>
         <p:nvPicPr>
-          <p:cNvPr id="112" name="Google Shape;136;g1f213c8c16b_0_ 3" descr=""/>
+          <p:cNvPr id="124" name="Google Shape;136;g1f213c8c16b_0_ 3" descr=""/>
           <p:cNvPicPr/>
           <p:nvPr/>
         </p:nvPicPr>
@@ -9568,7 +9786,7 @@
         <p:spPr>
           <a:xfrm>
             <a:off x="601200" y="390600"/>
-            <a:ext cx="1086840" cy="378000"/>
+            <a:ext cx="1086480" cy="377640"/>
           </a:xfrm>
           <a:prstGeom prst="rect">
             <a:avLst/>
@@ -9580,7 +9798,7 @@
       </p:pic>
       <p:pic>
         <p:nvPicPr>
-          <p:cNvPr id="113" name="Google Shape;137;g1f213c8c16b_0_ 3" descr=""/>
+          <p:cNvPr id="125" name="Google Shape;137;g1f213c8c16b_0_ 3" descr=""/>
           <p:cNvPicPr/>
           <p:nvPr/>
         </p:nvPicPr>
@@ -9591,7 +9809,7 @@
         <p:spPr>
           <a:xfrm>
             <a:off x="10231920" y="195120"/>
-            <a:ext cx="1422720" cy="768960"/>
+            <a:ext cx="1422360" cy="768600"/>
           </a:xfrm>
           <a:prstGeom prst="rect">
             <a:avLst/>
@@ -9603,7 +9821,7 @@
       </p:pic>
       <p:sp>
         <p:nvSpPr>
-          <p:cNvPr id="114" name="PlaceHolder 1"/>
+          <p:cNvPr id="126" name="PlaceHolder 1"/>
           <p:cNvSpPr>
             <a:spLocks noGrp="1"/>
           </p:cNvSpPr>
@@ -9614,7 +9832,7 @@
         <p:spPr>
           <a:xfrm>
             <a:off x="838080" y="365040"/>
-            <a:ext cx="10514520" cy="1324440"/>
+            <a:ext cx="10514160" cy="1324080"/>
           </a:xfrm>
           <a:prstGeom prst="rect">
             <a:avLst/>
@@ -9659,7 +9877,7 @@
       </p:sp>
       <p:pic>
         <p:nvPicPr>
-          <p:cNvPr id="115" name="" descr=""/>
+          <p:cNvPr id="127" name="" descr=""/>
           <p:cNvPicPr/>
           <p:nvPr/>
         </p:nvPicPr>
@@ -9670,7 +9888,7 @@
         <p:spPr>
           <a:xfrm>
             <a:off x="4191480" y="2536560"/>
-            <a:ext cx="3188160" cy="2323080"/>
+            <a:ext cx="3187800" cy="2322720"/>
           </a:xfrm>
           <a:prstGeom prst="rect">
             <a:avLst/>
@@ -9682,7 +9900,7 @@
       </p:pic>
       <p:pic>
         <p:nvPicPr>
-          <p:cNvPr id="116" name="" descr=""/>
+          <p:cNvPr id="128" name="" descr=""/>
           <p:cNvPicPr/>
           <p:nvPr/>
         </p:nvPicPr>
@@ -9693,7 +9911,7 @@
         <p:spPr>
           <a:xfrm>
             <a:off x="32040" y="2316600"/>
-            <a:ext cx="3927600" cy="3083040"/>
+            <a:ext cx="3927240" cy="3082680"/>
           </a:xfrm>
           <a:prstGeom prst="rect">
             <a:avLst/>
@@ -9705,7 +9923,7 @@
       </p:pic>
       <p:pic>
         <p:nvPicPr>
-          <p:cNvPr id="117" name="" descr=""/>
+          <p:cNvPr id="129" name="" descr=""/>
           <p:cNvPicPr/>
           <p:nvPr/>
         </p:nvPicPr>
@@ -9716,7 +9934,7 @@
         <p:spPr>
           <a:xfrm>
             <a:off x="7732080" y="2115720"/>
-            <a:ext cx="4147560" cy="3638160"/>
+            <a:ext cx="4147200" cy="3637800"/>
           </a:xfrm>
           <a:prstGeom prst="rect">
             <a:avLst/>
@@ -9758,21 +9976,21 @@
       </p:grpSpPr>
       <p:grpSp>
         <p:nvGrpSpPr>
-          <p:cNvPr id="118" name="Google Shape;132;g1f213c8c16b_0_ 4"/>
+          <p:cNvPr id="130" name="Google Shape;132;g1f213c8c16b_0_ 4"/>
           <p:cNvGrpSpPr/>
           <p:nvPr/>
         </p:nvGrpSpPr>
         <p:grpSpPr>
           <a:xfrm>
             <a:off x="0" y="0"/>
-            <a:ext cx="12191040" cy="6856920"/>
+            <a:ext cx="12190680" cy="6856560"/>
             <a:chOff x="0" y="0"/>
-            <a:chExt cx="12191040" cy="6856920"/>
+            <a:chExt cx="12190680" cy="6856560"/>
           </a:xfrm>
         </p:grpSpPr>
         <p:pic>
           <p:nvPicPr>
-            <p:cNvPr id="119" name="Google Shape;133;g1f213c8c16b_0_ 4" descr=""/>
+            <p:cNvPr id="131" name="Google Shape;133;g1f213c8c16b_0_ 4" descr=""/>
             <p:cNvPicPr/>
             <p:nvPr/>
           </p:nvPicPr>
@@ -9784,7 +10002,7 @@
           <p:spPr>
             <a:xfrm>
               <a:off x="0" y="0"/>
-              <a:ext cx="12191040" cy="6856920"/>
+              <a:ext cx="12190680" cy="6856560"/>
             </a:xfrm>
             <a:prstGeom prst="rect">
               <a:avLst/>
@@ -9796,7 +10014,7 @@
         </p:pic>
         <p:pic>
           <p:nvPicPr>
-            <p:cNvPr id="120" name="Google Shape;134;g1f213c8c16b_0_ 4" descr=""/>
+            <p:cNvPr id="132" name="Google Shape;134;g1f213c8c16b_0_ 4" descr=""/>
             <p:cNvPicPr/>
             <p:nvPr/>
           </p:nvPicPr>
@@ -9807,7 +10025,7 @@
           <p:spPr>
             <a:xfrm>
               <a:off x="0" y="0"/>
-              <a:ext cx="12191040" cy="6856920"/>
+              <a:ext cx="12190680" cy="6856560"/>
             </a:xfrm>
             <a:prstGeom prst="rect">
               <a:avLst/>
@@ -9820,7 +10038,7 @@
       </p:grpSp>
       <p:pic>
         <p:nvPicPr>
-          <p:cNvPr id="121" name="Google Shape;136;g1f213c8c16b_0_ 4" descr=""/>
+          <p:cNvPr id="133" name="Google Shape;136;g1f213c8c16b_0_ 4" descr=""/>
           <p:cNvPicPr/>
           <p:nvPr/>
         </p:nvPicPr>
@@ -9831,7 +10049,7 @@
         <p:spPr>
           <a:xfrm>
             <a:off x="601200" y="390600"/>
-            <a:ext cx="1086840" cy="378000"/>
+            <a:ext cx="1086480" cy="377640"/>
           </a:xfrm>
           <a:prstGeom prst="rect">
             <a:avLst/>
@@ -9843,7 +10061,7 @@
       </p:pic>
       <p:pic>
         <p:nvPicPr>
-          <p:cNvPr id="122" name="Google Shape;137;g1f213c8c16b_0_ 4" descr=""/>
+          <p:cNvPr id="134" name="Google Shape;137;g1f213c8c16b_0_ 4" descr=""/>
           <p:cNvPicPr/>
           <p:nvPr/>
         </p:nvPicPr>
@@ -9854,7 +10072,7 @@
         <p:spPr>
           <a:xfrm>
             <a:off x="10231920" y="195120"/>
-            <a:ext cx="1422720" cy="768960"/>
+            <a:ext cx="1422360" cy="768600"/>
           </a:xfrm>
           <a:prstGeom prst="rect">
             <a:avLst/>
@@ -9866,7 +10084,7 @@
       </p:pic>
       <p:sp>
         <p:nvSpPr>
-          <p:cNvPr id="123" name="PlaceHolder 1"/>
+          <p:cNvPr id="135" name="PlaceHolder 1"/>
           <p:cNvSpPr>
             <a:spLocks noGrp="1"/>
           </p:cNvSpPr>
@@ -9877,7 +10095,7 @@
         <p:spPr>
           <a:xfrm>
             <a:off x="838080" y="365040"/>
-            <a:ext cx="10514520" cy="1324440"/>
+            <a:ext cx="10514160" cy="1324080"/>
           </a:xfrm>
           <a:prstGeom prst="rect">
             <a:avLst/>
@@ -9922,7 +10140,7 @@
       </p:sp>
       <p:pic>
         <p:nvPicPr>
-          <p:cNvPr id="124" name="" descr=""/>
+          <p:cNvPr id="136" name="" descr=""/>
           <p:cNvPicPr/>
           <p:nvPr/>
         </p:nvPicPr>
@@ -9933,7 +10151,7 @@
         <p:spPr>
           <a:xfrm>
             <a:off x="3539880" y="1741320"/>
-            <a:ext cx="5115240" cy="3371760"/>
+            <a:ext cx="5114880" cy="3371400"/>
           </a:xfrm>
           <a:prstGeom prst="rect">
             <a:avLst/>
@@ -9975,21 +10193,21 @@
       </p:grpSpPr>
       <p:grpSp>
         <p:nvGrpSpPr>
-          <p:cNvPr id="125" name="Google Shape;132;g1f213c8c16b_0_ 5"/>
+          <p:cNvPr id="137" name="Google Shape;132;g1f213c8c16b_0_ 5"/>
           <p:cNvGrpSpPr/>
           <p:nvPr/>
         </p:nvGrpSpPr>
         <p:grpSpPr>
           <a:xfrm>
             <a:off x="0" y="0"/>
-            <a:ext cx="12191040" cy="6856920"/>
+            <a:ext cx="12190680" cy="6856560"/>
             <a:chOff x="0" y="0"/>
-            <a:chExt cx="12191040" cy="6856920"/>
+            <a:chExt cx="12190680" cy="6856560"/>
           </a:xfrm>
         </p:grpSpPr>
         <p:pic>
           <p:nvPicPr>
-            <p:cNvPr id="126" name="Google Shape;133;g1f213c8c16b_0_ 5" descr=""/>
+            <p:cNvPr id="138" name="Google Shape;133;g1f213c8c16b_0_ 5" descr=""/>
             <p:cNvPicPr/>
             <p:nvPr/>
           </p:nvPicPr>
@@ -10001,7 +10219,7 @@
           <p:spPr>
             <a:xfrm>
               <a:off x="0" y="0"/>
-              <a:ext cx="12191040" cy="6856920"/>
+              <a:ext cx="12190680" cy="6856560"/>
             </a:xfrm>
             <a:prstGeom prst="rect">
               <a:avLst/>
@@ -10013,7 +10231,7 @@
         </p:pic>
         <p:pic>
           <p:nvPicPr>
-            <p:cNvPr id="127" name="Google Shape;134;g1f213c8c16b_0_ 5" descr=""/>
+            <p:cNvPr id="139" name="Google Shape;134;g1f213c8c16b_0_ 5" descr=""/>
             <p:cNvPicPr/>
             <p:nvPr/>
           </p:nvPicPr>
@@ -10024,7 +10242,7 @@
           <p:spPr>
             <a:xfrm>
               <a:off x="0" y="0"/>
-              <a:ext cx="12191040" cy="6856920"/>
+              <a:ext cx="12190680" cy="6856560"/>
             </a:xfrm>
             <a:prstGeom prst="rect">
               <a:avLst/>
@@ -10037,7 +10255,7 @@
       </p:grpSp>
       <p:pic>
         <p:nvPicPr>
-          <p:cNvPr id="128" name="Google Shape;136;g1f213c8c16b_0_ 5" descr=""/>
+          <p:cNvPr id="140" name="Google Shape;136;g1f213c8c16b_0_ 5" descr=""/>
           <p:cNvPicPr/>
           <p:nvPr/>
         </p:nvPicPr>
@@ -10048,7 +10266,7 @@
         <p:spPr>
           <a:xfrm>
             <a:off x="601200" y="390600"/>
-            <a:ext cx="1086840" cy="378000"/>
+            <a:ext cx="1086480" cy="377640"/>
           </a:xfrm>
           <a:prstGeom prst="rect">
             <a:avLst/>
@@ -10060,7 +10278,7 @@
       </p:pic>
       <p:pic>
         <p:nvPicPr>
-          <p:cNvPr id="129" name="Google Shape;137;g1f213c8c16b_0_ 5" descr=""/>
+          <p:cNvPr id="141" name="Google Shape;137;g1f213c8c16b_0_ 5" descr=""/>
           <p:cNvPicPr/>
           <p:nvPr/>
         </p:nvPicPr>
@@ -10071,7 +10289,7 @@
         <p:spPr>
           <a:xfrm>
             <a:off x="10231920" y="195120"/>
-            <a:ext cx="1422720" cy="768960"/>
+            <a:ext cx="1422360" cy="768600"/>
           </a:xfrm>
           <a:prstGeom prst="rect">
             <a:avLst/>
@@ -10083,7 +10301,7 @@
       </p:pic>
       <p:sp>
         <p:nvSpPr>
-          <p:cNvPr id="130" name="PlaceHolder 1"/>
+          <p:cNvPr id="142" name="PlaceHolder 1"/>
           <p:cNvSpPr>
             <a:spLocks noGrp="1"/>
           </p:cNvSpPr>
@@ -10094,7 +10312,7 @@
         <p:spPr>
           <a:xfrm>
             <a:off x="838080" y="365040"/>
-            <a:ext cx="10514520" cy="1324440"/>
+            <a:ext cx="10514160" cy="1324080"/>
           </a:xfrm>
           <a:prstGeom prst="rect">
             <a:avLst/>
@@ -10139,7 +10357,7 @@
       </p:sp>
       <p:pic>
         <p:nvPicPr>
-          <p:cNvPr id="131" name="" descr=""/>
+          <p:cNvPr id="143" name="" descr=""/>
           <p:cNvPicPr/>
           <p:nvPr/>
         </p:nvPicPr>
@@ -10150,7 +10368,7 @@
         <p:spPr>
           <a:xfrm>
             <a:off x="2968920" y="1850760"/>
-            <a:ext cx="6257520" cy="3152520"/>
+            <a:ext cx="6257160" cy="3152160"/>
           </a:xfrm>
           <a:prstGeom prst="rect">
             <a:avLst/>
@@ -10192,21 +10410,21 @@
       </p:grpSpPr>
       <p:grpSp>
         <p:nvGrpSpPr>
-          <p:cNvPr id="132" name="Google Shape;132;g1f213c8c16b_0_ 6"/>
+          <p:cNvPr id="144" name="Google Shape;132;g1f213c8c16b_0_ 6"/>
           <p:cNvGrpSpPr/>
           <p:nvPr/>
         </p:nvGrpSpPr>
         <p:grpSpPr>
           <a:xfrm>
             <a:off x="0" y="0"/>
-            <a:ext cx="12191040" cy="6856920"/>
+            <a:ext cx="12190680" cy="6856560"/>
             <a:chOff x="0" y="0"/>
-            <a:chExt cx="12191040" cy="6856920"/>
+            <a:chExt cx="12190680" cy="6856560"/>
           </a:xfrm>
         </p:grpSpPr>
         <p:pic>
           <p:nvPicPr>
-            <p:cNvPr id="133" name="Google Shape;133;g1f213c8c16b_0_ 6" descr=""/>
+            <p:cNvPr id="145" name="Google Shape;133;g1f213c8c16b_0_ 6" descr=""/>
             <p:cNvPicPr/>
             <p:nvPr/>
           </p:nvPicPr>
@@ -10218,7 +10436,7 @@
           <p:spPr>
             <a:xfrm>
               <a:off x="0" y="0"/>
-              <a:ext cx="12191040" cy="6856920"/>
+              <a:ext cx="12190680" cy="6856560"/>
             </a:xfrm>
             <a:prstGeom prst="rect">
               <a:avLst/>
@@ -10230,7 +10448,7 @@
         </p:pic>
         <p:pic>
           <p:nvPicPr>
-            <p:cNvPr id="134" name="Google Shape;134;g1f213c8c16b_0_ 6" descr=""/>
+            <p:cNvPr id="146" name="Google Shape;134;g1f213c8c16b_0_ 6" descr=""/>
             <p:cNvPicPr/>
             <p:nvPr/>
           </p:nvPicPr>
@@ -10241,7 +10459,7 @@
           <p:spPr>
             <a:xfrm>
               <a:off x="0" y="0"/>
-              <a:ext cx="12191040" cy="6856920"/>
+              <a:ext cx="12190680" cy="6856560"/>
             </a:xfrm>
             <a:prstGeom prst="rect">
               <a:avLst/>
@@ -10254,7 +10472,7 @@
       </p:grpSp>
       <p:pic>
         <p:nvPicPr>
-          <p:cNvPr id="135" name="Google Shape;136;g1f213c8c16b_0_ 6" descr=""/>
+          <p:cNvPr id="147" name="Google Shape;136;g1f213c8c16b_0_ 6" descr=""/>
           <p:cNvPicPr/>
           <p:nvPr/>
         </p:nvPicPr>
@@ -10265,7 +10483,7 @@
         <p:spPr>
           <a:xfrm>
             <a:off x="601200" y="390600"/>
-            <a:ext cx="1086840" cy="378000"/>
+            <a:ext cx="1086480" cy="377640"/>
           </a:xfrm>
           <a:prstGeom prst="rect">
             <a:avLst/>
@@ -10277,7 +10495,7 @@
       </p:pic>
       <p:pic>
         <p:nvPicPr>
-          <p:cNvPr id="136" name="Google Shape;137;g1f213c8c16b_0_ 6" descr=""/>
+          <p:cNvPr id="148" name="Google Shape;137;g1f213c8c16b_0_ 6" descr=""/>
           <p:cNvPicPr/>
           <p:nvPr/>
         </p:nvPicPr>
@@ -10288,7 +10506,7 @@
         <p:spPr>
           <a:xfrm>
             <a:off x="10231920" y="195120"/>
-            <a:ext cx="1422720" cy="768960"/>
+            <a:ext cx="1422360" cy="768600"/>
           </a:xfrm>
           <a:prstGeom prst="rect">
             <a:avLst/>
@@ -10300,7 +10518,7 @@
       </p:pic>
       <p:sp>
         <p:nvSpPr>
-          <p:cNvPr id="137" name="PlaceHolder 1"/>
+          <p:cNvPr id="149" name="PlaceHolder 1"/>
           <p:cNvSpPr>
             <a:spLocks noGrp="1"/>
           </p:cNvSpPr>
@@ -10311,7 +10529,7 @@
         <p:spPr>
           <a:xfrm>
             <a:off x="838080" y="365040"/>
-            <a:ext cx="10514520" cy="1324440"/>
+            <a:ext cx="10514160" cy="1324080"/>
           </a:xfrm>
           <a:prstGeom prst="rect">
             <a:avLst/>
@@ -10356,7 +10574,7 @@
       </p:sp>
       <p:pic>
         <p:nvPicPr>
-          <p:cNvPr id="138" name="" descr=""/>
+          <p:cNvPr id="150" name="" descr=""/>
           <p:cNvPicPr/>
           <p:nvPr/>
         </p:nvPicPr>
@@ -10367,7 +10585,7 @@
         <p:spPr>
           <a:xfrm>
             <a:off x="2559240" y="1804680"/>
-            <a:ext cx="7076880" cy="4495320"/>
+            <a:ext cx="7076520" cy="4494960"/>
           </a:xfrm>
           <a:prstGeom prst="rect">
             <a:avLst/>
@@ -10409,21 +10627,21 @@
       </p:grpSpPr>
       <p:grpSp>
         <p:nvGrpSpPr>
-          <p:cNvPr id="139" name="Google Shape;132;g1f213c8c16b_0_ 1"/>
+          <p:cNvPr id="151" name="Google Shape;132;g1f213c8c16b_0_ 1"/>
           <p:cNvGrpSpPr/>
           <p:nvPr/>
         </p:nvGrpSpPr>
         <p:grpSpPr>
           <a:xfrm>
             <a:off x="0" y="0"/>
-            <a:ext cx="12191040" cy="6856920"/>
+            <a:ext cx="12190680" cy="6856560"/>
             <a:chOff x="0" y="0"/>
-            <a:chExt cx="12191040" cy="6856920"/>
+            <a:chExt cx="12190680" cy="6856560"/>
           </a:xfrm>
         </p:grpSpPr>
         <p:pic>
           <p:nvPicPr>
-            <p:cNvPr id="140" name="Google Shape;133;g1f213c8c16b_0_ 1" descr=""/>
+            <p:cNvPr id="152" name="Google Shape;133;g1f213c8c16b_0_ 1" descr=""/>
             <p:cNvPicPr/>
             <p:nvPr/>
           </p:nvPicPr>
@@ -10435,7 +10653,7 @@
           <p:spPr>
             <a:xfrm>
               <a:off x="0" y="0"/>
-              <a:ext cx="12191040" cy="6856920"/>
+              <a:ext cx="12190680" cy="6856560"/>
             </a:xfrm>
             <a:prstGeom prst="rect">
               <a:avLst/>
@@ -10447,7 +10665,7 @@
         </p:pic>
         <p:pic>
           <p:nvPicPr>
-            <p:cNvPr id="141" name="Google Shape;134;g1f213c8c16b_0_ 1" descr=""/>
+            <p:cNvPr id="153" name="Google Shape;134;g1f213c8c16b_0_ 1" descr=""/>
             <p:cNvPicPr/>
             <p:nvPr/>
           </p:nvPicPr>
@@ -10458,7 +10676,7 @@
           <p:spPr>
             <a:xfrm>
               <a:off x="0" y="0"/>
-              <a:ext cx="12191040" cy="6856920"/>
+              <a:ext cx="12190680" cy="6856560"/>
             </a:xfrm>
             <a:prstGeom prst="rect">
               <a:avLst/>
@@ -10471,7 +10689,7 @@
       </p:grpSp>
       <p:pic>
         <p:nvPicPr>
-          <p:cNvPr id="142" name="Google Shape;136;g1f213c8c16b_0_ 1" descr=""/>
+          <p:cNvPr id="154" name="Google Shape;136;g1f213c8c16b_0_ 1" descr=""/>
           <p:cNvPicPr/>
           <p:nvPr/>
         </p:nvPicPr>
@@ -10482,7 +10700,7 @@
         <p:spPr>
           <a:xfrm>
             <a:off x="601200" y="390600"/>
-            <a:ext cx="1086840" cy="378000"/>
+            <a:ext cx="1086480" cy="377640"/>
           </a:xfrm>
           <a:prstGeom prst="rect">
             <a:avLst/>
@@ -10494,7 +10712,7 @@
       </p:pic>
       <p:pic>
         <p:nvPicPr>
-          <p:cNvPr id="143" name="Google Shape;137;g1f213c8c16b_0_ 1" descr=""/>
+          <p:cNvPr id="155" name="Google Shape;137;g1f213c8c16b_0_ 1" descr=""/>
           <p:cNvPicPr/>
           <p:nvPr/>
         </p:nvPicPr>
@@ -10505,7 +10723,7 @@
         <p:spPr>
           <a:xfrm>
             <a:off x="10231920" y="195120"/>
-            <a:ext cx="1422720" cy="768960"/>
+            <a:ext cx="1422360" cy="768600"/>
           </a:xfrm>
           <a:prstGeom prst="rect">
             <a:avLst/>
@@ -10517,7 +10735,7 @@
       </p:pic>
       <p:sp>
         <p:nvSpPr>
-          <p:cNvPr id="144" name="PlaceHolder 1"/>
+          <p:cNvPr id="156" name="PlaceHolder 1"/>
           <p:cNvSpPr>
             <a:spLocks noGrp="1"/>
           </p:cNvSpPr>
@@ -10528,7 +10746,7 @@
         <p:spPr>
           <a:xfrm>
             <a:off x="838080" y="365040"/>
-            <a:ext cx="10514520" cy="1324440"/>
+            <a:ext cx="10514160" cy="1324080"/>
           </a:xfrm>
           <a:prstGeom prst="rect">
             <a:avLst/>
@@ -10573,7 +10791,7 @@
       </p:sp>
       <p:sp>
         <p:nvSpPr>
-          <p:cNvPr id="145" name="PlaceHolder 2"/>
+          <p:cNvPr id="157" name="PlaceHolder 2"/>
           <p:cNvSpPr>
             <a:spLocks noGrp="1"/>
           </p:cNvSpPr>
@@ -10584,7 +10802,7 @@
         <p:spPr>
           <a:xfrm>
             <a:off x="838080" y="1825560"/>
-            <a:ext cx="10861200" cy="4350240"/>
+            <a:ext cx="10860840" cy="4349880"/>
           </a:xfrm>
           <a:prstGeom prst="rect">
             <a:avLst/>
@@ -10813,13 +11031,13 @@
     <a:fontScheme name="Office">
       <a:majorFont>
         <a:latin typeface="Arial" pitchFamily="0" charset="1"/>
-        <a:ea typeface=""/>
-        <a:cs typeface=""/>
+        <a:ea typeface="DejaVu Sans" pitchFamily="0" charset="1"/>
+        <a:cs typeface="DejaVu Sans" pitchFamily="0" charset="1"/>
       </a:majorFont>
       <a:minorFont>
         <a:latin typeface="Arial" pitchFamily="0" charset="1"/>
-        <a:ea typeface=""/>
-        <a:cs typeface=""/>
+        <a:ea typeface="DejaVu Sans" pitchFamily="0" charset="1"/>
+        <a:cs typeface="DejaVu Sans" pitchFamily="0" charset="1"/>
       </a:minorFont>
     </a:fontScheme>
     <a:fmtScheme>
@@ -10827,55 +11045,25 @@
         <a:solidFill>
           <a:schemeClr val="phClr"/>
         </a:solidFill>
-        <a:gradFill>
-          <a:gsLst>
-            <a:gs pos="0">
-              <a:schemeClr val="phClr">
-                <a:tint val="50000"/>
-              </a:schemeClr>
-            </a:gs>
-            <a:gs pos="35000">
-              <a:schemeClr val="phClr">
-                <a:tint val="37000"/>
-              </a:schemeClr>
-            </a:gs>
-            <a:gs pos="100000">
-              <a:schemeClr val="phClr">
-                <a:tint val="15000"/>
-              </a:schemeClr>
-            </a:gs>
-          </a:gsLst>
-          <a:lin ang="16200000" scaled="1"/>
-          <a:tileRect l="0" t="0" r="0" b="0"/>
-        </a:gradFill>
-        <a:gradFill>
-          <a:gsLst>
-            <a:gs pos="0">
-              <a:schemeClr val="phClr">
-                <a:tint val="100000"/>
-                <a:shade val="100000"/>
-              </a:schemeClr>
-            </a:gs>
-            <a:gs pos="100000">
-              <a:schemeClr val="phClr">
-                <a:tint val="50000"/>
-                <a:shade val="100000"/>
-              </a:schemeClr>
-            </a:gs>
-          </a:gsLst>
-          <a:lin ang="16200000" scaled="0"/>
-          <a:tileRect l="0" t="0" r="0" b="0"/>
-        </a:gradFill>
+        <a:solidFill>
+          <a:schemeClr val="phClr"/>
+        </a:solidFill>
+        <a:solidFill>
+          <a:schemeClr val="phClr"/>
+        </a:solidFill>
       </a:fillStyleLst>
       <a:lnStyleLst>
-        <a:ln w="9525" cap="flat" cmpd="sng" algn="ctr">
+        <a:ln w="6350" cap="flat" cmpd="sng" algn="ctr">
           <a:prstDash val="solid"/>
+          <a:miter/>
         </a:ln>
-        <a:ln w="25400" cap="flat" cmpd="sng" algn="ctr">
+        <a:ln w="6350" cap="flat" cmpd="sng" algn="ctr">
           <a:prstDash val="solid"/>
+          <a:miter/>
         </a:ln>
-        <a:ln w="38100" cap="flat" cmpd="sng" algn="ctr">
+        <a:ln w="6350" cap="flat" cmpd="sng" algn="ctr">
           <a:prstDash val="solid"/>
+          <a:miter/>
         </a:ln>
       </a:lnStyleLst>
       <a:effectStyleLst>
@@ -10893,48 +11081,12 @@
         <a:solidFill>
           <a:schemeClr val="phClr"/>
         </a:solidFill>
-        <a:gradFill>
-          <a:gsLst>
-            <a:gs pos="0">
-              <a:schemeClr val="phClr">
-                <a:tint val="40000"/>
-              </a:schemeClr>
-            </a:gs>
-            <a:gs pos="40000">
-              <a:schemeClr val="phClr">
-                <a:tint val="45000"/>
-                <a:shade val="99000"/>
-              </a:schemeClr>
-            </a:gs>
-            <a:gs pos="100000">
-              <a:schemeClr val="phClr">
-                <a:shade val="20000"/>
-              </a:schemeClr>
-            </a:gs>
-          </a:gsLst>
-          <a:path path="circle">
-            <a:fillToRect l="50000" t="-80000" r="50000" b="180000"/>
-          </a:path>
-          <a:tileRect l="0" t="0" r="0" b="0"/>
-        </a:gradFill>
-        <a:gradFill>
-          <a:gsLst>
-            <a:gs pos="0">
-              <a:schemeClr val="phClr">
-                <a:tint val="80000"/>
-              </a:schemeClr>
-            </a:gs>
-            <a:gs pos="100000">
-              <a:schemeClr val="phClr">
-                <a:shade val="30000"/>
-              </a:schemeClr>
-            </a:gs>
-          </a:gsLst>
-          <a:path path="circle">
-            <a:fillToRect l="50000" t="50000" r="50000" b="50000"/>
-          </a:path>
-          <a:tileRect l="0" t="0" r="0" b="0"/>
-        </a:gradFill>
+        <a:solidFill>
+          <a:schemeClr val="phClr"/>
+        </a:solidFill>
+        <a:solidFill>
+          <a:schemeClr val="phClr"/>
+        </a:solidFill>
       </a:bgFillStyleLst>
     </a:fmtScheme>
   </a:themeElements>
@@ -10985,13 +11137,13 @@
     <a:fontScheme name="Office">
       <a:majorFont>
         <a:latin typeface="Arial" pitchFamily="0" charset="1"/>
-        <a:ea typeface=""/>
-        <a:cs typeface=""/>
+        <a:ea typeface="DejaVu Sans" pitchFamily="0" charset="1"/>
+        <a:cs typeface="DejaVu Sans" pitchFamily="0" charset="1"/>
       </a:majorFont>
       <a:minorFont>
         <a:latin typeface="Arial" pitchFamily="0" charset="1"/>
-        <a:ea typeface=""/>
-        <a:cs typeface=""/>
+        <a:ea typeface="DejaVu Sans" pitchFamily="0" charset="1"/>
+        <a:cs typeface="DejaVu Sans" pitchFamily="0" charset="1"/>
       </a:minorFont>
     </a:fontScheme>
     <a:fmtScheme>
@@ -10999,55 +11151,25 @@
         <a:solidFill>
           <a:schemeClr val="phClr"/>
         </a:solidFill>
-        <a:gradFill>
-          <a:gsLst>
-            <a:gs pos="0">
-              <a:schemeClr val="phClr">
-                <a:tint val="50000"/>
-              </a:schemeClr>
-            </a:gs>
-            <a:gs pos="35000">
-              <a:schemeClr val="phClr">
-                <a:tint val="37000"/>
-              </a:schemeClr>
-            </a:gs>
-            <a:gs pos="100000">
-              <a:schemeClr val="phClr">
-                <a:tint val="15000"/>
-              </a:schemeClr>
-            </a:gs>
-          </a:gsLst>
-          <a:lin ang="16200000" scaled="1"/>
-          <a:tileRect l="0" t="0" r="0" b="0"/>
-        </a:gradFill>
-        <a:gradFill>
-          <a:gsLst>
-            <a:gs pos="0">
-              <a:schemeClr val="phClr">
-                <a:tint val="100000"/>
-                <a:shade val="100000"/>
-              </a:schemeClr>
-            </a:gs>
-            <a:gs pos="100000">
-              <a:schemeClr val="phClr">
-                <a:tint val="50000"/>
-                <a:shade val="100000"/>
-              </a:schemeClr>
-            </a:gs>
-          </a:gsLst>
-          <a:lin ang="16200000" scaled="0"/>
-          <a:tileRect l="0" t="0" r="0" b="0"/>
-        </a:gradFill>
+        <a:solidFill>
+          <a:schemeClr val="phClr"/>
+        </a:solidFill>
+        <a:solidFill>
+          <a:schemeClr val="phClr"/>
+        </a:solidFill>
       </a:fillStyleLst>
       <a:lnStyleLst>
-        <a:ln w="9525" cap="flat" cmpd="sng" algn="ctr">
+        <a:ln w="6350" cap="flat" cmpd="sng" algn="ctr">
           <a:prstDash val="solid"/>
+          <a:miter/>
         </a:ln>
-        <a:ln w="25400" cap="flat" cmpd="sng" algn="ctr">
+        <a:ln w="6350" cap="flat" cmpd="sng" algn="ctr">
           <a:prstDash val="solid"/>
+          <a:miter/>
         </a:ln>
-        <a:ln w="38100" cap="flat" cmpd="sng" algn="ctr">
+        <a:ln w="6350" cap="flat" cmpd="sng" algn="ctr">
           <a:prstDash val="solid"/>
+          <a:miter/>
         </a:ln>
       </a:lnStyleLst>
       <a:effectStyleLst>
@@ -11065,48 +11187,12 @@
         <a:solidFill>
           <a:schemeClr val="phClr"/>
         </a:solidFill>
-        <a:gradFill>
-          <a:gsLst>
-            <a:gs pos="0">
-              <a:schemeClr val="phClr">
-                <a:tint val="40000"/>
-              </a:schemeClr>
-            </a:gs>
-            <a:gs pos="40000">
-              <a:schemeClr val="phClr">
-                <a:tint val="45000"/>
-                <a:shade val="99000"/>
-              </a:schemeClr>
-            </a:gs>
-            <a:gs pos="100000">
-              <a:schemeClr val="phClr">
-                <a:shade val="20000"/>
-              </a:schemeClr>
-            </a:gs>
-          </a:gsLst>
-          <a:path path="circle">
-            <a:fillToRect l="50000" t="-80000" r="50000" b="180000"/>
-          </a:path>
-          <a:tileRect l="0" t="0" r="0" b="0"/>
-        </a:gradFill>
-        <a:gradFill>
-          <a:gsLst>
-            <a:gs pos="0">
-              <a:schemeClr val="phClr">
-                <a:tint val="80000"/>
-              </a:schemeClr>
-            </a:gs>
-            <a:gs pos="100000">
-              <a:schemeClr val="phClr">
-                <a:shade val="30000"/>
-              </a:schemeClr>
-            </a:gs>
-          </a:gsLst>
-          <a:path path="circle">
-            <a:fillToRect l="50000" t="50000" r="50000" b="50000"/>
-          </a:path>
-          <a:tileRect l="0" t="0" r="0" b="0"/>
-        </a:gradFill>
+        <a:solidFill>
+          <a:schemeClr val="phClr"/>
+        </a:solidFill>
+        <a:solidFill>
+          <a:schemeClr val="phClr"/>
+        </a:solidFill>
       </a:bgFillStyleLst>
     </a:fmtScheme>
   </a:themeElements>
@@ -11157,13 +11243,13 @@
     <a:fontScheme name="Office">
       <a:majorFont>
         <a:latin typeface="Arial" pitchFamily="0" charset="1"/>
-        <a:ea typeface=""/>
-        <a:cs typeface=""/>
+        <a:ea typeface="DejaVu Sans" pitchFamily="0" charset="1"/>
+        <a:cs typeface="DejaVu Sans" pitchFamily="0" charset="1"/>
       </a:majorFont>
       <a:minorFont>
         <a:latin typeface="Arial" pitchFamily="0" charset="1"/>
-        <a:ea typeface=""/>
-        <a:cs typeface=""/>
+        <a:ea typeface="DejaVu Sans" pitchFamily="0" charset="1"/>
+        <a:cs typeface="DejaVu Sans" pitchFamily="0" charset="1"/>
       </a:minorFont>
     </a:fontScheme>
     <a:fmtScheme>
@@ -11171,55 +11257,25 @@
         <a:solidFill>
           <a:schemeClr val="phClr"/>
         </a:solidFill>
-        <a:gradFill>
-          <a:gsLst>
-            <a:gs pos="0">
-              <a:schemeClr val="phClr">
-                <a:tint val="50000"/>
-              </a:schemeClr>
-            </a:gs>
-            <a:gs pos="35000">
-              <a:schemeClr val="phClr">
-                <a:tint val="37000"/>
-              </a:schemeClr>
-            </a:gs>
-            <a:gs pos="100000">
-              <a:schemeClr val="phClr">
-                <a:tint val="15000"/>
-              </a:schemeClr>
-            </a:gs>
-          </a:gsLst>
-          <a:lin ang="16200000" scaled="1"/>
-          <a:tileRect l="0" t="0" r="0" b="0"/>
-        </a:gradFill>
-        <a:gradFill>
-          <a:gsLst>
-            <a:gs pos="0">
-              <a:schemeClr val="phClr">
-                <a:tint val="100000"/>
-                <a:shade val="100000"/>
-              </a:schemeClr>
-            </a:gs>
-            <a:gs pos="100000">
-              <a:schemeClr val="phClr">
-                <a:tint val="50000"/>
-                <a:shade val="100000"/>
-              </a:schemeClr>
-            </a:gs>
-          </a:gsLst>
-          <a:lin ang="16200000" scaled="0"/>
-          <a:tileRect l="0" t="0" r="0" b="0"/>
-        </a:gradFill>
+        <a:solidFill>
+          <a:schemeClr val="phClr"/>
+        </a:solidFill>
+        <a:solidFill>
+          <a:schemeClr val="phClr"/>
+        </a:solidFill>
       </a:fillStyleLst>
       <a:lnStyleLst>
-        <a:ln w="9525" cap="flat" cmpd="sng" algn="ctr">
+        <a:ln w="6350" cap="flat" cmpd="sng" algn="ctr">
           <a:prstDash val="solid"/>
+          <a:miter/>
         </a:ln>
-        <a:ln w="25400" cap="flat" cmpd="sng" algn="ctr">
+        <a:ln w="6350" cap="flat" cmpd="sng" algn="ctr">
           <a:prstDash val="solid"/>
+          <a:miter/>
         </a:ln>
-        <a:ln w="38100" cap="flat" cmpd="sng" algn="ctr">
+        <a:ln w="6350" cap="flat" cmpd="sng" algn="ctr">
           <a:prstDash val="solid"/>
+          <a:miter/>
         </a:ln>
       </a:lnStyleLst>
       <a:effectStyleLst>
@@ -11237,48 +11293,12 @@
         <a:solidFill>
           <a:schemeClr val="phClr"/>
         </a:solidFill>
-        <a:gradFill>
-          <a:gsLst>
-            <a:gs pos="0">
-              <a:schemeClr val="phClr">
-                <a:tint val="40000"/>
-              </a:schemeClr>
-            </a:gs>
-            <a:gs pos="40000">
-              <a:schemeClr val="phClr">
-                <a:tint val="45000"/>
-                <a:shade val="99000"/>
-              </a:schemeClr>
-            </a:gs>
-            <a:gs pos="100000">
-              <a:schemeClr val="phClr">
-                <a:shade val="20000"/>
-              </a:schemeClr>
-            </a:gs>
-          </a:gsLst>
-          <a:path path="circle">
-            <a:fillToRect l="50000" t="-80000" r="50000" b="180000"/>
-          </a:path>
-          <a:tileRect l="0" t="0" r="0" b="0"/>
-        </a:gradFill>
-        <a:gradFill>
-          <a:gsLst>
-            <a:gs pos="0">
-              <a:schemeClr val="phClr">
-                <a:tint val="80000"/>
-              </a:schemeClr>
-            </a:gs>
-            <a:gs pos="100000">
-              <a:schemeClr val="phClr">
-                <a:shade val="30000"/>
-              </a:schemeClr>
-            </a:gs>
-          </a:gsLst>
-          <a:path path="circle">
-            <a:fillToRect l="50000" t="50000" r="50000" b="50000"/>
-          </a:path>
-          <a:tileRect l="0" t="0" r="0" b="0"/>
-        </a:gradFill>
+        <a:solidFill>
+          <a:schemeClr val="phClr"/>
+        </a:solidFill>
+        <a:solidFill>
+          <a:schemeClr val="phClr"/>
+        </a:solidFill>
       </a:bgFillStyleLst>
     </a:fmtScheme>
   </a:themeElements>
@@ -11435,13 +11455,13 @@
     <a:fontScheme name="Office">
       <a:majorFont>
         <a:latin typeface="Arial" pitchFamily="0" charset="1"/>
-        <a:ea typeface=""/>
-        <a:cs typeface=""/>
+        <a:ea typeface="DejaVu Sans" pitchFamily="0" charset="1"/>
+        <a:cs typeface="DejaVu Sans" pitchFamily="0" charset="1"/>
       </a:majorFont>
       <a:minorFont>
         <a:latin typeface="Arial" pitchFamily="0" charset="1"/>
-        <a:ea typeface=""/>
-        <a:cs typeface=""/>
+        <a:ea typeface="DejaVu Sans" pitchFamily="0" charset="1"/>
+        <a:cs typeface="DejaVu Sans" pitchFamily="0" charset="1"/>
       </a:minorFont>
     </a:fontScheme>
     <a:fmtScheme>
@@ -11449,55 +11469,25 @@
         <a:solidFill>
           <a:schemeClr val="phClr"/>
         </a:solidFill>
-        <a:gradFill>
-          <a:gsLst>
-            <a:gs pos="0">
-              <a:schemeClr val="phClr">
-                <a:tint val="50000"/>
-              </a:schemeClr>
-            </a:gs>
-            <a:gs pos="35000">
-              <a:schemeClr val="phClr">
-                <a:tint val="37000"/>
-              </a:schemeClr>
-            </a:gs>
-            <a:gs pos="100000">
-              <a:schemeClr val="phClr">
-                <a:tint val="15000"/>
-              </a:schemeClr>
-            </a:gs>
-          </a:gsLst>
-          <a:lin ang="16200000" scaled="1"/>
-          <a:tileRect l="0" t="0" r="0" b="0"/>
-        </a:gradFill>
-        <a:gradFill>
-          <a:gsLst>
-            <a:gs pos="0">
-              <a:schemeClr val="phClr">
-                <a:tint val="100000"/>
-                <a:shade val="100000"/>
-              </a:schemeClr>
-            </a:gs>
-            <a:gs pos="100000">
-              <a:schemeClr val="phClr">
-                <a:tint val="50000"/>
-                <a:shade val="100000"/>
-              </a:schemeClr>
-            </a:gs>
-          </a:gsLst>
-          <a:lin ang="16200000" scaled="0"/>
-          <a:tileRect l="0" t="0" r="0" b="0"/>
-        </a:gradFill>
+        <a:solidFill>
+          <a:schemeClr val="phClr"/>
+        </a:solidFill>
+        <a:solidFill>
+          <a:schemeClr val="phClr"/>
+        </a:solidFill>
       </a:fillStyleLst>
       <a:lnStyleLst>
-        <a:ln w="9525" cap="flat" cmpd="sng" algn="ctr">
+        <a:ln w="6350" cap="flat" cmpd="sng" algn="ctr">
           <a:prstDash val="solid"/>
+          <a:miter/>
         </a:ln>
-        <a:ln w="25400" cap="flat" cmpd="sng" algn="ctr">
+        <a:ln w="6350" cap="flat" cmpd="sng" algn="ctr">
           <a:prstDash val="solid"/>
+          <a:miter/>
         </a:ln>
-        <a:ln w="38100" cap="flat" cmpd="sng" algn="ctr">
+        <a:ln w="6350" cap="flat" cmpd="sng" algn="ctr">
           <a:prstDash val="solid"/>
+          <a:miter/>
         </a:ln>
       </a:lnStyleLst>
       <a:effectStyleLst>
@@ -11515,48 +11505,12 @@
         <a:solidFill>
           <a:schemeClr val="phClr"/>
         </a:solidFill>
-        <a:gradFill>
-          <a:gsLst>
-            <a:gs pos="0">
-              <a:schemeClr val="phClr">
-                <a:tint val="40000"/>
-              </a:schemeClr>
-            </a:gs>
-            <a:gs pos="40000">
-              <a:schemeClr val="phClr">
-                <a:tint val="45000"/>
-                <a:shade val="99000"/>
-              </a:schemeClr>
-            </a:gs>
-            <a:gs pos="100000">
-              <a:schemeClr val="phClr">
-                <a:shade val="20000"/>
-              </a:schemeClr>
-            </a:gs>
-          </a:gsLst>
-          <a:path path="circle">
-            <a:fillToRect l="50000" t="-80000" r="50000" b="180000"/>
-          </a:path>
-          <a:tileRect l="0" t="0" r="0" b="0"/>
-        </a:gradFill>
-        <a:gradFill>
-          <a:gsLst>
-            <a:gs pos="0">
-              <a:schemeClr val="phClr">
-                <a:tint val="80000"/>
-              </a:schemeClr>
-            </a:gs>
-            <a:gs pos="100000">
-              <a:schemeClr val="phClr">
-                <a:shade val="30000"/>
-              </a:schemeClr>
-            </a:gs>
-          </a:gsLst>
-          <a:path path="circle">
-            <a:fillToRect l="50000" t="50000" r="50000" b="50000"/>
-          </a:path>
-          <a:tileRect l="0" t="0" r="0" b="0"/>
-        </a:gradFill>
+        <a:solidFill>
+          <a:schemeClr val="phClr"/>
+        </a:solidFill>
+        <a:solidFill>
+          <a:schemeClr val="phClr"/>
+        </a:solidFill>
       </a:bgFillStyleLst>
     </a:fmtScheme>
   </a:themeElements>
@@ -11607,13 +11561,13 @@
     <a:fontScheme name="Office">
       <a:majorFont>
         <a:latin typeface="Arial" pitchFamily="0" charset="1"/>
-        <a:ea typeface=""/>
-        <a:cs typeface=""/>
+        <a:ea typeface="DejaVu Sans" pitchFamily="0" charset="1"/>
+        <a:cs typeface="DejaVu Sans" pitchFamily="0" charset="1"/>
       </a:majorFont>
       <a:minorFont>
         <a:latin typeface="Arial" pitchFamily="0" charset="1"/>
-        <a:ea typeface=""/>
-        <a:cs typeface=""/>
+        <a:ea typeface="DejaVu Sans" pitchFamily="0" charset="1"/>
+        <a:cs typeface="DejaVu Sans" pitchFamily="0" charset="1"/>
       </a:minorFont>
     </a:fontScheme>
     <a:fmtScheme>
@@ -11621,55 +11575,25 @@
         <a:solidFill>
           <a:schemeClr val="phClr"/>
         </a:solidFill>
-        <a:gradFill>
-          <a:gsLst>
-            <a:gs pos="0">
-              <a:schemeClr val="phClr">
-                <a:tint val="50000"/>
-              </a:schemeClr>
-            </a:gs>
-            <a:gs pos="35000">
-              <a:schemeClr val="phClr">
-                <a:tint val="37000"/>
-              </a:schemeClr>
-            </a:gs>
-            <a:gs pos="100000">
-              <a:schemeClr val="phClr">
-                <a:tint val="15000"/>
-              </a:schemeClr>
-            </a:gs>
-          </a:gsLst>
-          <a:lin ang="16200000" scaled="1"/>
-          <a:tileRect l="0" t="0" r="0" b="0"/>
-        </a:gradFill>
-        <a:gradFill>
-          <a:gsLst>
-            <a:gs pos="0">
-              <a:schemeClr val="phClr">
-                <a:tint val="100000"/>
-                <a:shade val="100000"/>
-              </a:schemeClr>
-            </a:gs>
-            <a:gs pos="100000">
-              <a:schemeClr val="phClr">
-                <a:tint val="50000"/>
-                <a:shade val="100000"/>
-              </a:schemeClr>
-            </a:gs>
-          </a:gsLst>
-          <a:lin ang="16200000" scaled="0"/>
-          <a:tileRect l="0" t="0" r="0" b="0"/>
-        </a:gradFill>
+        <a:solidFill>
+          <a:schemeClr val="phClr"/>
+        </a:solidFill>
+        <a:solidFill>
+          <a:schemeClr val="phClr"/>
+        </a:solidFill>
       </a:fillStyleLst>
       <a:lnStyleLst>
-        <a:ln w="9525" cap="flat" cmpd="sng" algn="ctr">
+        <a:ln w="6350" cap="flat" cmpd="sng" algn="ctr">
           <a:prstDash val="solid"/>
+          <a:miter/>
         </a:ln>
-        <a:ln w="25400" cap="flat" cmpd="sng" algn="ctr">
+        <a:ln w="6350" cap="flat" cmpd="sng" algn="ctr">
           <a:prstDash val="solid"/>
+          <a:miter/>
         </a:ln>
-        <a:ln w="38100" cap="flat" cmpd="sng" algn="ctr">
+        <a:ln w="6350" cap="flat" cmpd="sng" algn="ctr">
           <a:prstDash val="solid"/>
+          <a:miter/>
         </a:ln>
       </a:lnStyleLst>
       <a:effectStyleLst>
@@ -11687,48 +11611,12 @@
         <a:solidFill>
           <a:schemeClr val="phClr"/>
         </a:solidFill>
-        <a:gradFill>
-          <a:gsLst>
-            <a:gs pos="0">
-              <a:schemeClr val="phClr">
-                <a:tint val="40000"/>
-              </a:schemeClr>
-            </a:gs>
-            <a:gs pos="40000">
-              <a:schemeClr val="phClr">
-                <a:tint val="45000"/>
-                <a:shade val="99000"/>
-              </a:schemeClr>
-            </a:gs>
-            <a:gs pos="100000">
-              <a:schemeClr val="phClr">
-                <a:shade val="20000"/>
-              </a:schemeClr>
-            </a:gs>
-          </a:gsLst>
-          <a:path path="circle">
-            <a:fillToRect l="50000" t="-80000" r="50000" b="180000"/>
-          </a:path>
-          <a:tileRect l="0" t="0" r="0" b="0"/>
-        </a:gradFill>
-        <a:gradFill>
-          <a:gsLst>
-            <a:gs pos="0">
-              <a:schemeClr val="phClr">
-                <a:tint val="80000"/>
-              </a:schemeClr>
-            </a:gs>
-            <a:gs pos="100000">
-              <a:schemeClr val="phClr">
-                <a:shade val="30000"/>
-              </a:schemeClr>
-            </a:gs>
-          </a:gsLst>
-          <a:path path="circle">
-            <a:fillToRect l="50000" t="50000" r="50000" b="50000"/>
-          </a:path>
-          <a:tileRect l="0" t="0" r="0" b="0"/>
-        </a:gradFill>
+        <a:solidFill>
+          <a:schemeClr val="phClr"/>
+        </a:solidFill>
+        <a:solidFill>
+          <a:schemeClr val="phClr"/>
+        </a:solidFill>
       </a:bgFillStyleLst>
     </a:fmtScheme>
   </a:themeElements>
@@ -11779,13 +11667,13 @@
     <a:fontScheme name="Office">
       <a:majorFont>
         <a:latin typeface="Arial" pitchFamily="0" charset="1"/>
-        <a:ea typeface=""/>
-        <a:cs typeface=""/>
+        <a:ea typeface="DejaVu Sans" pitchFamily="0" charset="1"/>
+        <a:cs typeface="DejaVu Sans" pitchFamily="0" charset="1"/>
       </a:majorFont>
       <a:minorFont>
         <a:latin typeface="Arial" pitchFamily="0" charset="1"/>
-        <a:ea typeface=""/>
-        <a:cs typeface=""/>
+        <a:ea typeface="DejaVu Sans" pitchFamily="0" charset="1"/>
+        <a:cs typeface="DejaVu Sans" pitchFamily="0" charset="1"/>
       </a:minorFont>
     </a:fontScheme>
     <a:fmtScheme>
@@ -11793,55 +11681,25 @@
         <a:solidFill>
           <a:schemeClr val="phClr"/>
         </a:solidFill>
-        <a:gradFill>
-          <a:gsLst>
-            <a:gs pos="0">
-              <a:schemeClr val="phClr">
-                <a:tint val="50000"/>
-              </a:schemeClr>
-            </a:gs>
-            <a:gs pos="35000">
-              <a:schemeClr val="phClr">
-                <a:tint val="37000"/>
-              </a:schemeClr>
-            </a:gs>
-            <a:gs pos="100000">
-              <a:schemeClr val="phClr">
-                <a:tint val="15000"/>
-              </a:schemeClr>
-            </a:gs>
-          </a:gsLst>
-          <a:lin ang="16200000" scaled="1"/>
-          <a:tileRect l="0" t="0" r="0" b="0"/>
-        </a:gradFill>
-        <a:gradFill>
-          <a:gsLst>
-            <a:gs pos="0">
-              <a:schemeClr val="phClr">
-                <a:tint val="100000"/>
-                <a:shade val="100000"/>
-              </a:schemeClr>
-            </a:gs>
-            <a:gs pos="100000">
-              <a:schemeClr val="phClr">
-                <a:tint val="50000"/>
-                <a:shade val="100000"/>
-              </a:schemeClr>
-            </a:gs>
-          </a:gsLst>
-          <a:lin ang="16200000" scaled="0"/>
-          <a:tileRect l="0" t="0" r="0" b="0"/>
-        </a:gradFill>
+        <a:solidFill>
+          <a:schemeClr val="phClr"/>
+        </a:solidFill>
+        <a:solidFill>
+          <a:schemeClr val="phClr"/>
+        </a:solidFill>
       </a:fillStyleLst>
       <a:lnStyleLst>
-        <a:ln w="9525" cap="flat" cmpd="sng" algn="ctr">
+        <a:ln w="6350" cap="flat" cmpd="sng" algn="ctr">
           <a:prstDash val="solid"/>
+          <a:miter/>
         </a:ln>
-        <a:ln w="25400" cap="flat" cmpd="sng" algn="ctr">
+        <a:ln w="6350" cap="flat" cmpd="sng" algn="ctr">
           <a:prstDash val="solid"/>
+          <a:miter/>
         </a:ln>
-        <a:ln w="38100" cap="flat" cmpd="sng" algn="ctr">
+        <a:ln w="6350" cap="flat" cmpd="sng" algn="ctr">
           <a:prstDash val="solid"/>
+          <a:miter/>
         </a:ln>
       </a:lnStyleLst>
       <a:effectStyleLst>
@@ -11859,48 +11717,12 @@
         <a:solidFill>
           <a:schemeClr val="phClr"/>
         </a:solidFill>
-        <a:gradFill>
-          <a:gsLst>
-            <a:gs pos="0">
-              <a:schemeClr val="phClr">
-                <a:tint val="40000"/>
-              </a:schemeClr>
-            </a:gs>
-            <a:gs pos="40000">
-              <a:schemeClr val="phClr">
-                <a:tint val="45000"/>
-                <a:shade val="99000"/>
-              </a:schemeClr>
-            </a:gs>
-            <a:gs pos="100000">
-              <a:schemeClr val="phClr">
-                <a:shade val="20000"/>
-              </a:schemeClr>
-            </a:gs>
-          </a:gsLst>
-          <a:path path="circle">
-            <a:fillToRect l="50000" t="-80000" r="50000" b="180000"/>
-          </a:path>
-          <a:tileRect l="0" t="0" r="0" b="0"/>
-        </a:gradFill>
-        <a:gradFill>
-          <a:gsLst>
-            <a:gs pos="0">
-              <a:schemeClr val="phClr">
-                <a:tint val="80000"/>
-              </a:schemeClr>
-            </a:gs>
-            <a:gs pos="100000">
-              <a:schemeClr val="phClr">
-                <a:shade val="30000"/>
-              </a:schemeClr>
-            </a:gs>
-          </a:gsLst>
-          <a:path path="circle">
-            <a:fillToRect l="50000" t="50000" r="50000" b="50000"/>
-          </a:path>
-          <a:tileRect l="0" t="0" r="0" b="0"/>
-        </a:gradFill>
+        <a:solidFill>
+          <a:schemeClr val="phClr"/>
+        </a:solidFill>
+        <a:solidFill>
+          <a:schemeClr val="phClr"/>
+        </a:solidFill>
       </a:bgFillStyleLst>
     </a:fmtScheme>
   </a:themeElements>
@@ -11951,13 +11773,13 @@
     <a:fontScheme name="Office">
       <a:majorFont>
         <a:latin typeface="Arial" pitchFamily="0" charset="1"/>
-        <a:ea typeface=""/>
-        <a:cs typeface=""/>
+        <a:ea typeface="DejaVu Sans" pitchFamily="0" charset="1"/>
+        <a:cs typeface="DejaVu Sans" pitchFamily="0" charset="1"/>
       </a:majorFont>
       <a:minorFont>
         <a:latin typeface="Arial" pitchFamily="0" charset="1"/>
-        <a:ea typeface=""/>
-        <a:cs typeface=""/>
+        <a:ea typeface="DejaVu Sans" pitchFamily="0" charset="1"/>
+        <a:cs typeface="DejaVu Sans" pitchFamily="0" charset="1"/>
       </a:minorFont>
     </a:fontScheme>
     <a:fmtScheme>
@@ -11965,55 +11787,25 @@
         <a:solidFill>
           <a:schemeClr val="phClr"/>
         </a:solidFill>
-        <a:gradFill>
-          <a:gsLst>
-            <a:gs pos="0">
-              <a:schemeClr val="phClr">
-                <a:tint val="50000"/>
-              </a:schemeClr>
-            </a:gs>
-            <a:gs pos="35000">
-              <a:schemeClr val="phClr">
-                <a:tint val="37000"/>
-              </a:schemeClr>
-            </a:gs>
-            <a:gs pos="100000">
-              <a:schemeClr val="phClr">
-                <a:tint val="15000"/>
-              </a:schemeClr>
-            </a:gs>
-          </a:gsLst>
-          <a:lin ang="16200000" scaled="1"/>
-          <a:tileRect l="0" t="0" r="0" b="0"/>
-        </a:gradFill>
-        <a:gradFill>
-          <a:gsLst>
-            <a:gs pos="0">
-              <a:schemeClr val="phClr">
-                <a:tint val="100000"/>
-                <a:shade val="100000"/>
-              </a:schemeClr>
-            </a:gs>
-            <a:gs pos="100000">
-              <a:schemeClr val="phClr">
-                <a:tint val="50000"/>
-                <a:shade val="100000"/>
-              </a:schemeClr>
-            </a:gs>
-          </a:gsLst>
-          <a:lin ang="16200000" scaled="0"/>
-          <a:tileRect l="0" t="0" r="0" b="0"/>
-        </a:gradFill>
+        <a:solidFill>
+          <a:schemeClr val="phClr"/>
+        </a:solidFill>
+        <a:solidFill>
+          <a:schemeClr val="phClr"/>
+        </a:solidFill>
       </a:fillStyleLst>
       <a:lnStyleLst>
-        <a:ln w="9525" cap="flat" cmpd="sng" algn="ctr">
+        <a:ln w="6350" cap="flat" cmpd="sng" algn="ctr">
           <a:prstDash val="solid"/>
+          <a:miter/>
         </a:ln>
-        <a:ln w="25400" cap="flat" cmpd="sng" algn="ctr">
+        <a:ln w="6350" cap="flat" cmpd="sng" algn="ctr">
           <a:prstDash val="solid"/>
+          <a:miter/>
         </a:ln>
-        <a:ln w="38100" cap="flat" cmpd="sng" algn="ctr">
+        <a:ln w="6350" cap="flat" cmpd="sng" algn="ctr">
           <a:prstDash val="solid"/>
+          <a:miter/>
         </a:ln>
       </a:lnStyleLst>
       <a:effectStyleLst>
@@ -12031,48 +11823,12 @@
         <a:solidFill>
           <a:schemeClr val="phClr"/>
         </a:solidFill>
-        <a:gradFill>
-          <a:gsLst>
-            <a:gs pos="0">
-              <a:schemeClr val="phClr">
-                <a:tint val="40000"/>
-              </a:schemeClr>
-            </a:gs>
-            <a:gs pos="40000">
-              <a:schemeClr val="phClr">
-                <a:tint val="45000"/>
-                <a:shade val="99000"/>
-              </a:schemeClr>
-            </a:gs>
-            <a:gs pos="100000">
-              <a:schemeClr val="phClr">
-                <a:shade val="20000"/>
-              </a:schemeClr>
-            </a:gs>
-          </a:gsLst>
-          <a:path path="circle">
-            <a:fillToRect l="50000" t="-80000" r="50000" b="180000"/>
-          </a:path>
-          <a:tileRect l="0" t="0" r="0" b="0"/>
-        </a:gradFill>
-        <a:gradFill>
-          <a:gsLst>
-            <a:gs pos="0">
-              <a:schemeClr val="phClr">
-                <a:tint val="80000"/>
-              </a:schemeClr>
-            </a:gs>
-            <a:gs pos="100000">
-              <a:schemeClr val="phClr">
-                <a:shade val="30000"/>
-              </a:schemeClr>
-            </a:gs>
-          </a:gsLst>
-          <a:path path="circle">
-            <a:fillToRect l="50000" t="50000" r="50000" b="50000"/>
-          </a:path>
-          <a:tileRect l="0" t="0" r="0" b="0"/>
-        </a:gradFill>
+        <a:solidFill>
+          <a:schemeClr val="phClr"/>
+        </a:solidFill>
+        <a:solidFill>
+          <a:schemeClr val="phClr"/>
+        </a:solidFill>
       </a:bgFillStyleLst>
     </a:fmtScheme>
   </a:themeElements>
@@ -12123,13 +11879,13 @@
     <a:fontScheme name="Office">
       <a:majorFont>
         <a:latin typeface="Arial" pitchFamily="0" charset="1"/>
-        <a:ea typeface=""/>
-        <a:cs typeface=""/>
+        <a:ea typeface="DejaVu Sans" pitchFamily="0" charset="1"/>
+        <a:cs typeface="DejaVu Sans" pitchFamily="0" charset="1"/>
       </a:majorFont>
       <a:minorFont>
         <a:latin typeface="Arial" pitchFamily="0" charset="1"/>
-        <a:ea typeface=""/>
-        <a:cs typeface=""/>
+        <a:ea typeface="DejaVu Sans" pitchFamily="0" charset="1"/>
+        <a:cs typeface="DejaVu Sans" pitchFamily="0" charset="1"/>
       </a:minorFont>
     </a:fontScheme>
     <a:fmtScheme>
@@ -12137,55 +11893,25 @@
         <a:solidFill>
           <a:schemeClr val="phClr"/>
         </a:solidFill>
-        <a:gradFill>
-          <a:gsLst>
-            <a:gs pos="0">
-              <a:schemeClr val="phClr">
-                <a:tint val="50000"/>
-              </a:schemeClr>
-            </a:gs>
-            <a:gs pos="35000">
-              <a:schemeClr val="phClr">
-                <a:tint val="37000"/>
-              </a:schemeClr>
-            </a:gs>
-            <a:gs pos="100000">
-              <a:schemeClr val="phClr">
-                <a:tint val="15000"/>
-              </a:schemeClr>
-            </a:gs>
-          </a:gsLst>
-          <a:lin ang="16200000" scaled="1"/>
-          <a:tileRect l="0" t="0" r="0" b="0"/>
-        </a:gradFill>
-        <a:gradFill>
-          <a:gsLst>
-            <a:gs pos="0">
-              <a:schemeClr val="phClr">
-                <a:tint val="100000"/>
-                <a:shade val="100000"/>
-              </a:schemeClr>
-            </a:gs>
-            <a:gs pos="100000">
-              <a:schemeClr val="phClr">
-                <a:tint val="50000"/>
-                <a:shade val="100000"/>
-              </a:schemeClr>
-            </a:gs>
-          </a:gsLst>
-          <a:lin ang="16200000" scaled="0"/>
-          <a:tileRect l="0" t="0" r="0" b="0"/>
-        </a:gradFill>
+        <a:solidFill>
+          <a:schemeClr val="phClr"/>
+        </a:solidFill>
+        <a:solidFill>
+          <a:schemeClr val="phClr"/>
+        </a:solidFill>
       </a:fillStyleLst>
       <a:lnStyleLst>
-        <a:ln w="9525" cap="flat" cmpd="sng" algn="ctr">
+        <a:ln w="6350" cap="flat" cmpd="sng" algn="ctr">
           <a:prstDash val="solid"/>
+          <a:miter/>
         </a:ln>
-        <a:ln w="25400" cap="flat" cmpd="sng" algn="ctr">
+        <a:ln w="6350" cap="flat" cmpd="sng" algn="ctr">
           <a:prstDash val="solid"/>
+          <a:miter/>
         </a:ln>
-        <a:ln w="38100" cap="flat" cmpd="sng" algn="ctr">
+        <a:ln w="6350" cap="flat" cmpd="sng" algn="ctr">
           <a:prstDash val="solid"/>
+          <a:miter/>
         </a:ln>
       </a:lnStyleLst>
       <a:effectStyleLst>
@@ -12203,48 +11929,12 @@
         <a:solidFill>
           <a:schemeClr val="phClr"/>
         </a:solidFill>
-        <a:gradFill>
-          <a:gsLst>
-            <a:gs pos="0">
-              <a:schemeClr val="phClr">
-                <a:tint val="40000"/>
-              </a:schemeClr>
-            </a:gs>
-            <a:gs pos="40000">
-              <a:schemeClr val="phClr">
-                <a:tint val="45000"/>
-                <a:shade val="99000"/>
-              </a:schemeClr>
-            </a:gs>
-            <a:gs pos="100000">
-              <a:schemeClr val="phClr">
-                <a:shade val="20000"/>
-              </a:schemeClr>
-            </a:gs>
-          </a:gsLst>
-          <a:path path="circle">
-            <a:fillToRect l="50000" t="-80000" r="50000" b="180000"/>
-          </a:path>
-          <a:tileRect l="0" t="0" r="0" b="0"/>
-        </a:gradFill>
-        <a:gradFill>
-          <a:gsLst>
-            <a:gs pos="0">
-              <a:schemeClr val="phClr">
-                <a:tint val="80000"/>
-              </a:schemeClr>
-            </a:gs>
-            <a:gs pos="100000">
-              <a:schemeClr val="phClr">
-                <a:shade val="30000"/>
-              </a:schemeClr>
-            </a:gs>
-          </a:gsLst>
-          <a:path path="circle">
-            <a:fillToRect l="50000" t="50000" r="50000" b="50000"/>
-          </a:path>
-          <a:tileRect l="0" t="0" r="0" b="0"/>
-        </a:gradFill>
+        <a:solidFill>
+          <a:schemeClr val="phClr"/>
+        </a:solidFill>
+        <a:solidFill>
+          <a:schemeClr val="phClr"/>
+        </a:solidFill>
       </a:bgFillStyleLst>
     </a:fmtScheme>
   </a:themeElements>
@@ -12295,13 +11985,13 @@
     <a:fontScheme name="Office">
       <a:majorFont>
         <a:latin typeface="Arial" pitchFamily="0" charset="1"/>
-        <a:ea typeface=""/>
-        <a:cs typeface=""/>
+        <a:ea typeface="DejaVu Sans" pitchFamily="0" charset="1"/>
+        <a:cs typeface="DejaVu Sans" pitchFamily="0" charset="1"/>
       </a:majorFont>
       <a:minorFont>
         <a:latin typeface="Arial" pitchFamily="0" charset="1"/>
-        <a:ea typeface=""/>
-        <a:cs typeface=""/>
+        <a:ea typeface="DejaVu Sans" pitchFamily="0" charset="1"/>
+        <a:cs typeface="DejaVu Sans" pitchFamily="0" charset="1"/>
       </a:minorFont>
     </a:fontScheme>
     <a:fmtScheme>
@@ -12309,55 +11999,25 @@
         <a:solidFill>
           <a:schemeClr val="phClr"/>
         </a:solidFill>
-        <a:gradFill>
-          <a:gsLst>
-            <a:gs pos="0">
-              <a:schemeClr val="phClr">
-                <a:tint val="50000"/>
-              </a:schemeClr>
-            </a:gs>
-            <a:gs pos="35000">
-              <a:schemeClr val="phClr">
-                <a:tint val="37000"/>
-              </a:schemeClr>
-            </a:gs>
-            <a:gs pos="100000">
-              <a:schemeClr val="phClr">
-                <a:tint val="15000"/>
-              </a:schemeClr>
-            </a:gs>
-          </a:gsLst>
-          <a:lin ang="16200000" scaled="1"/>
-          <a:tileRect l="0" t="0" r="0" b="0"/>
-        </a:gradFill>
-        <a:gradFill>
-          <a:gsLst>
-            <a:gs pos="0">
-              <a:schemeClr val="phClr">
-                <a:tint val="100000"/>
-                <a:shade val="100000"/>
-              </a:schemeClr>
-            </a:gs>
-            <a:gs pos="100000">
-              <a:schemeClr val="phClr">
-                <a:tint val="50000"/>
-                <a:shade val="100000"/>
-              </a:schemeClr>
-            </a:gs>
-          </a:gsLst>
-          <a:lin ang="16200000" scaled="0"/>
-          <a:tileRect l="0" t="0" r="0" b="0"/>
-        </a:gradFill>
+        <a:solidFill>
+          <a:schemeClr val="phClr"/>
+        </a:solidFill>
+        <a:solidFill>
+          <a:schemeClr val="phClr"/>
+        </a:solidFill>
       </a:fillStyleLst>
       <a:lnStyleLst>
-        <a:ln w="9525" cap="flat" cmpd="sng" algn="ctr">
+        <a:ln w="6350" cap="flat" cmpd="sng" algn="ctr">
           <a:prstDash val="solid"/>
+          <a:miter/>
         </a:ln>
-        <a:ln w="25400" cap="flat" cmpd="sng" algn="ctr">
+        <a:ln w="6350" cap="flat" cmpd="sng" algn="ctr">
           <a:prstDash val="solid"/>
+          <a:miter/>
         </a:ln>
-        <a:ln w="38100" cap="flat" cmpd="sng" algn="ctr">
+        <a:ln w="6350" cap="flat" cmpd="sng" algn="ctr">
           <a:prstDash val="solid"/>
+          <a:miter/>
         </a:ln>
       </a:lnStyleLst>
       <a:effectStyleLst>
@@ -12375,48 +12035,12 @@
         <a:solidFill>
           <a:schemeClr val="phClr"/>
         </a:solidFill>
-        <a:gradFill>
-          <a:gsLst>
-            <a:gs pos="0">
-              <a:schemeClr val="phClr">
-                <a:tint val="40000"/>
-              </a:schemeClr>
-            </a:gs>
-            <a:gs pos="40000">
-              <a:schemeClr val="phClr">
-                <a:tint val="45000"/>
-                <a:shade val="99000"/>
-              </a:schemeClr>
-            </a:gs>
-            <a:gs pos="100000">
-              <a:schemeClr val="phClr">
-                <a:shade val="20000"/>
-              </a:schemeClr>
-            </a:gs>
-          </a:gsLst>
-          <a:path path="circle">
-            <a:fillToRect l="50000" t="-80000" r="50000" b="180000"/>
-          </a:path>
-          <a:tileRect l="0" t="0" r="0" b="0"/>
-        </a:gradFill>
-        <a:gradFill>
-          <a:gsLst>
-            <a:gs pos="0">
-              <a:schemeClr val="phClr">
-                <a:tint val="80000"/>
-              </a:schemeClr>
-            </a:gs>
-            <a:gs pos="100000">
-              <a:schemeClr val="phClr">
-                <a:shade val="30000"/>
-              </a:schemeClr>
-            </a:gs>
-          </a:gsLst>
-          <a:path path="circle">
-            <a:fillToRect l="50000" t="50000" r="50000" b="50000"/>
-          </a:path>
-          <a:tileRect l="0" t="0" r="0" b="0"/>
-        </a:gradFill>
+        <a:solidFill>
+          <a:schemeClr val="phClr"/>
+        </a:solidFill>
+        <a:solidFill>
+          <a:schemeClr val="phClr"/>
+        </a:solidFill>
       </a:bgFillStyleLst>
     </a:fmtScheme>
   </a:themeElements>
@@ -12467,13 +12091,13 @@
     <a:fontScheme name="Office">
       <a:majorFont>
         <a:latin typeface="Arial" pitchFamily="0" charset="1"/>
-        <a:ea typeface=""/>
-        <a:cs typeface=""/>
+        <a:ea typeface="DejaVu Sans" pitchFamily="0" charset="1"/>
+        <a:cs typeface="DejaVu Sans" pitchFamily="0" charset="1"/>
       </a:majorFont>
       <a:minorFont>
         <a:latin typeface="Arial" pitchFamily="0" charset="1"/>
-        <a:ea typeface=""/>
-        <a:cs typeface=""/>
+        <a:ea typeface="DejaVu Sans" pitchFamily="0" charset="1"/>
+        <a:cs typeface="DejaVu Sans" pitchFamily="0" charset="1"/>
       </a:minorFont>
     </a:fontScheme>
     <a:fmtScheme>
@@ -12481,55 +12105,25 @@
         <a:solidFill>
           <a:schemeClr val="phClr"/>
         </a:solidFill>
-        <a:gradFill>
-          <a:gsLst>
-            <a:gs pos="0">
-              <a:schemeClr val="phClr">
-                <a:tint val="50000"/>
-              </a:schemeClr>
-            </a:gs>
-            <a:gs pos="35000">
-              <a:schemeClr val="phClr">
-                <a:tint val="37000"/>
-              </a:schemeClr>
-            </a:gs>
-            <a:gs pos="100000">
-              <a:schemeClr val="phClr">
-                <a:tint val="15000"/>
-              </a:schemeClr>
-            </a:gs>
-          </a:gsLst>
-          <a:lin ang="16200000" scaled="1"/>
-          <a:tileRect l="0" t="0" r="0" b="0"/>
-        </a:gradFill>
-        <a:gradFill>
-          <a:gsLst>
-            <a:gs pos="0">
-              <a:schemeClr val="phClr">
-                <a:tint val="100000"/>
-                <a:shade val="100000"/>
-              </a:schemeClr>
-            </a:gs>
-            <a:gs pos="100000">
-              <a:schemeClr val="phClr">
-                <a:tint val="50000"/>
-                <a:shade val="100000"/>
-              </a:schemeClr>
-            </a:gs>
-          </a:gsLst>
-          <a:lin ang="16200000" scaled="0"/>
-          <a:tileRect l="0" t="0" r="0" b="0"/>
-        </a:gradFill>
+        <a:solidFill>
+          <a:schemeClr val="phClr"/>
+        </a:solidFill>
+        <a:solidFill>
+          <a:schemeClr val="phClr"/>
+        </a:solidFill>
       </a:fillStyleLst>
       <a:lnStyleLst>
-        <a:ln w="9525" cap="flat" cmpd="sng" algn="ctr">
+        <a:ln w="6350" cap="flat" cmpd="sng" algn="ctr">
           <a:prstDash val="solid"/>
+          <a:miter/>
         </a:ln>
-        <a:ln w="25400" cap="flat" cmpd="sng" algn="ctr">
+        <a:ln w="6350" cap="flat" cmpd="sng" algn="ctr">
           <a:prstDash val="solid"/>
+          <a:miter/>
         </a:ln>
-        <a:ln w="38100" cap="flat" cmpd="sng" algn="ctr">
+        <a:ln w="6350" cap="flat" cmpd="sng" algn="ctr">
           <a:prstDash val="solid"/>
+          <a:miter/>
         </a:ln>
       </a:lnStyleLst>
       <a:effectStyleLst>
@@ -12547,48 +12141,12 @@
         <a:solidFill>
           <a:schemeClr val="phClr"/>
         </a:solidFill>
-        <a:gradFill>
-          <a:gsLst>
-            <a:gs pos="0">
-              <a:schemeClr val="phClr">
-                <a:tint val="40000"/>
-              </a:schemeClr>
-            </a:gs>
-            <a:gs pos="40000">
-              <a:schemeClr val="phClr">
-                <a:tint val="45000"/>
-                <a:shade val="99000"/>
-              </a:schemeClr>
-            </a:gs>
-            <a:gs pos="100000">
-              <a:schemeClr val="phClr">
-                <a:shade val="20000"/>
-              </a:schemeClr>
-            </a:gs>
-          </a:gsLst>
-          <a:path path="circle">
-            <a:fillToRect l="50000" t="-80000" r="50000" b="180000"/>
-          </a:path>
-          <a:tileRect l="0" t="0" r="0" b="0"/>
-        </a:gradFill>
-        <a:gradFill>
-          <a:gsLst>
-            <a:gs pos="0">
-              <a:schemeClr val="phClr">
-                <a:tint val="80000"/>
-              </a:schemeClr>
-            </a:gs>
-            <a:gs pos="100000">
-              <a:schemeClr val="phClr">
-                <a:shade val="30000"/>
-              </a:schemeClr>
-            </a:gs>
-          </a:gsLst>
-          <a:path path="circle">
-            <a:fillToRect l="50000" t="50000" r="50000" b="50000"/>
-          </a:path>
-          <a:tileRect l="0" t="0" r="0" b="0"/>
-        </a:gradFill>
+        <a:solidFill>
+          <a:schemeClr val="phClr"/>
+        </a:solidFill>
+        <a:solidFill>
+          <a:schemeClr val="phClr"/>
+        </a:solidFill>
       </a:bgFillStyleLst>
     </a:fmtScheme>
   </a:themeElements>
@@ -12639,13 +12197,13 @@
     <a:fontScheme name="Office">
       <a:majorFont>
         <a:latin typeface="Arial" pitchFamily="0" charset="1"/>
-        <a:ea typeface=""/>
-        <a:cs typeface=""/>
+        <a:ea typeface="DejaVu Sans" pitchFamily="0" charset="1"/>
+        <a:cs typeface="DejaVu Sans" pitchFamily="0" charset="1"/>
       </a:majorFont>
       <a:minorFont>
         <a:latin typeface="Arial" pitchFamily="0" charset="1"/>
-        <a:ea typeface=""/>
-        <a:cs typeface=""/>
+        <a:ea typeface="DejaVu Sans" pitchFamily="0" charset="1"/>
+        <a:cs typeface="DejaVu Sans" pitchFamily="0" charset="1"/>
       </a:minorFont>
     </a:fontScheme>
     <a:fmtScheme>
@@ -12653,55 +12211,25 @@
         <a:solidFill>
           <a:schemeClr val="phClr"/>
         </a:solidFill>
-        <a:gradFill>
-          <a:gsLst>
-            <a:gs pos="0">
-              <a:schemeClr val="phClr">
-                <a:tint val="50000"/>
-              </a:schemeClr>
-            </a:gs>
-            <a:gs pos="35000">
-              <a:schemeClr val="phClr">
-                <a:tint val="37000"/>
-              </a:schemeClr>
-            </a:gs>
-            <a:gs pos="100000">
-              <a:schemeClr val="phClr">
-                <a:tint val="15000"/>
-              </a:schemeClr>
-            </a:gs>
-          </a:gsLst>
-          <a:lin ang="16200000" scaled="1"/>
-          <a:tileRect l="0" t="0" r="0" b="0"/>
-        </a:gradFill>
-        <a:gradFill>
-          <a:gsLst>
-            <a:gs pos="0">
-              <a:schemeClr val="phClr">
-                <a:tint val="100000"/>
-                <a:shade val="100000"/>
-              </a:schemeClr>
-            </a:gs>
-            <a:gs pos="100000">
-              <a:schemeClr val="phClr">
-                <a:tint val="50000"/>
-                <a:shade val="100000"/>
-              </a:schemeClr>
-            </a:gs>
-          </a:gsLst>
-          <a:lin ang="16200000" scaled="0"/>
-          <a:tileRect l="0" t="0" r="0" b="0"/>
-        </a:gradFill>
+        <a:solidFill>
+          <a:schemeClr val="phClr"/>
+        </a:solidFill>
+        <a:solidFill>
+          <a:schemeClr val="phClr"/>
+        </a:solidFill>
       </a:fillStyleLst>
       <a:lnStyleLst>
-        <a:ln w="9525" cap="flat" cmpd="sng" algn="ctr">
+        <a:ln w="6350" cap="flat" cmpd="sng" algn="ctr">
           <a:prstDash val="solid"/>
+          <a:miter/>
         </a:ln>
-        <a:ln w="25400" cap="flat" cmpd="sng" algn="ctr">
+        <a:ln w="6350" cap="flat" cmpd="sng" algn="ctr">
           <a:prstDash val="solid"/>
+          <a:miter/>
         </a:ln>
-        <a:ln w="38100" cap="flat" cmpd="sng" algn="ctr">
+        <a:ln w="6350" cap="flat" cmpd="sng" algn="ctr">
           <a:prstDash val="solid"/>
+          <a:miter/>
         </a:ln>
       </a:lnStyleLst>
       <a:effectStyleLst>
@@ -12719,48 +12247,12 @@
         <a:solidFill>
           <a:schemeClr val="phClr"/>
         </a:solidFill>
-        <a:gradFill>
-          <a:gsLst>
-            <a:gs pos="0">
-              <a:schemeClr val="phClr">
-                <a:tint val="40000"/>
-              </a:schemeClr>
-            </a:gs>
-            <a:gs pos="40000">
-              <a:schemeClr val="phClr">
-                <a:tint val="45000"/>
-                <a:shade val="99000"/>
-              </a:schemeClr>
-            </a:gs>
-            <a:gs pos="100000">
-              <a:schemeClr val="phClr">
-                <a:shade val="20000"/>
-              </a:schemeClr>
-            </a:gs>
-          </a:gsLst>
-          <a:path path="circle">
-            <a:fillToRect l="50000" t="-80000" r="50000" b="180000"/>
-          </a:path>
-          <a:tileRect l="0" t="0" r="0" b="0"/>
-        </a:gradFill>
-        <a:gradFill>
-          <a:gsLst>
-            <a:gs pos="0">
-              <a:schemeClr val="phClr">
-                <a:tint val="80000"/>
-              </a:schemeClr>
-            </a:gs>
-            <a:gs pos="100000">
-              <a:schemeClr val="phClr">
-                <a:shade val="30000"/>
-              </a:schemeClr>
-            </a:gs>
-          </a:gsLst>
-          <a:path path="circle">
-            <a:fillToRect l="50000" t="50000" r="50000" b="50000"/>
-          </a:path>
-          <a:tileRect l="0" t="0" r="0" b="0"/>
-        </a:gradFill>
+        <a:solidFill>
+          <a:schemeClr val="phClr"/>
+        </a:solidFill>
+        <a:solidFill>
+          <a:schemeClr val="phClr"/>
+        </a:solidFill>
       </a:bgFillStyleLst>
     </a:fmtScheme>
   </a:themeElements>
